--- a/slide.pptx
+++ b/slide.pptx
@@ -11,10 +11,11 @@
     <p:sldId id="265" r:id="rId5"/>
     <p:sldId id="267" r:id="rId6"/>
     <p:sldId id="270" r:id="rId7"/>
-    <p:sldId id="273" r:id="rId8"/>
-    <p:sldId id="274" r:id="rId9"/>
-    <p:sldId id="269" r:id="rId10"/>
-    <p:sldId id="263" r:id="rId11"/>
+    <p:sldId id="275" r:id="rId8"/>
+    <p:sldId id="273" r:id="rId9"/>
+    <p:sldId id="274" r:id="rId10"/>
+    <p:sldId id="269" r:id="rId11"/>
+    <p:sldId id="263" r:id="rId12"/>
   </p:sldIdLst>
   <p:sldSz cx="12192000" cy="6858000"/>
   <p:notesSz cx="6858000" cy="9144000"/>
@@ -143,7 +144,7 @@
           <p:cNvPr id="2" name="Title 1">
             <a:extLst>
               <a:ext uri="{FF2B5EF4-FFF2-40B4-BE49-F238E27FC236}">
-                <a16:creationId xmlns="" xmlns:a16="http://schemas.microsoft.com/office/drawing/2014/main" id="{B980C5E7-B1A1-4648-89D2-17B0F1E7F5B3}"/>
+                <a16:creationId xmlns:a16="http://schemas.microsoft.com/office/drawing/2014/main" xmlns="" id="{B980C5E7-B1A1-4648-89D2-17B0F1E7F5B3}"/>
               </a:ext>
             </a:extLst>
           </p:cNvPr>
@@ -181,7 +182,7 @@
           <p:cNvPr id="3" name="Subtitle 2">
             <a:extLst>
               <a:ext uri="{FF2B5EF4-FFF2-40B4-BE49-F238E27FC236}">
-                <a16:creationId xmlns="" xmlns:a16="http://schemas.microsoft.com/office/drawing/2014/main" id="{5D140298-3E00-4E73-B947-697E69282864}"/>
+                <a16:creationId xmlns:a16="http://schemas.microsoft.com/office/drawing/2014/main" xmlns="" id="{5D140298-3E00-4E73-B947-697E69282864}"/>
               </a:ext>
             </a:extLst>
           </p:cNvPr>
@@ -252,7 +253,7 @@
           <p:cNvPr id="4" name="Date Placeholder 3">
             <a:extLst>
               <a:ext uri="{FF2B5EF4-FFF2-40B4-BE49-F238E27FC236}">
-                <a16:creationId xmlns="" xmlns:a16="http://schemas.microsoft.com/office/drawing/2014/main" id="{A6BB99EB-0E86-4FEA-A9C4-501D4E755A2B}"/>
+                <a16:creationId xmlns:a16="http://schemas.microsoft.com/office/drawing/2014/main" xmlns="" id="{A6BB99EB-0E86-4FEA-A9C4-501D4E755A2B}"/>
               </a:ext>
             </a:extLst>
           </p:cNvPr>
@@ -281,7 +282,7 @@
           <p:cNvPr id="5" name="Footer Placeholder 4">
             <a:extLst>
               <a:ext uri="{FF2B5EF4-FFF2-40B4-BE49-F238E27FC236}">
-                <a16:creationId xmlns="" xmlns:a16="http://schemas.microsoft.com/office/drawing/2014/main" id="{6731F536-58DF-4935-AE3B-7A08C03124E4}"/>
+                <a16:creationId xmlns:a16="http://schemas.microsoft.com/office/drawing/2014/main" xmlns="" id="{6731F536-58DF-4935-AE3B-7A08C03124E4}"/>
               </a:ext>
             </a:extLst>
           </p:cNvPr>
@@ -306,7 +307,7 @@
           <p:cNvPr id="6" name="Slide Number Placeholder 5">
             <a:extLst>
               <a:ext uri="{FF2B5EF4-FFF2-40B4-BE49-F238E27FC236}">
-                <a16:creationId xmlns="" xmlns:a16="http://schemas.microsoft.com/office/drawing/2014/main" id="{FE995127-BE30-42B7-9BE5-B83CC6A2E685}"/>
+                <a16:creationId xmlns:a16="http://schemas.microsoft.com/office/drawing/2014/main" xmlns="" id="{FE995127-BE30-42B7-9BE5-B83CC6A2E685}"/>
               </a:ext>
             </a:extLst>
           </p:cNvPr>
@@ -365,7 +366,7 @@
           <p:cNvPr id="2" name="Title 1">
             <a:extLst>
               <a:ext uri="{FF2B5EF4-FFF2-40B4-BE49-F238E27FC236}">
-                <a16:creationId xmlns="" xmlns:a16="http://schemas.microsoft.com/office/drawing/2014/main" id="{033E45D4-0CAB-43AD-8327-A4B3BCA50B63}"/>
+                <a16:creationId xmlns:a16="http://schemas.microsoft.com/office/drawing/2014/main" xmlns="" id="{033E45D4-0CAB-43AD-8327-A4B3BCA50B63}"/>
               </a:ext>
             </a:extLst>
           </p:cNvPr>
@@ -394,7 +395,7 @@
           <p:cNvPr id="3" name="Vertical Text Placeholder 2">
             <a:extLst>
               <a:ext uri="{FF2B5EF4-FFF2-40B4-BE49-F238E27FC236}">
-                <a16:creationId xmlns="" xmlns:a16="http://schemas.microsoft.com/office/drawing/2014/main" id="{1D9CA3B9-594A-4133-B4F9-D27AA5726D0B}"/>
+                <a16:creationId xmlns:a16="http://schemas.microsoft.com/office/drawing/2014/main" xmlns="" id="{1D9CA3B9-594A-4133-B4F9-D27AA5726D0B}"/>
               </a:ext>
             </a:extLst>
           </p:cNvPr>
@@ -452,7 +453,7 @@
           <p:cNvPr id="4" name="Date Placeholder 3">
             <a:extLst>
               <a:ext uri="{FF2B5EF4-FFF2-40B4-BE49-F238E27FC236}">
-                <a16:creationId xmlns="" xmlns:a16="http://schemas.microsoft.com/office/drawing/2014/main" id="{A1FF6F31-09CB-47A3-AEDB-7CA7BE1E327B}"/>
+                <a16:creationId xmlns:a16="http://schemas.microsoft.com/office/drawing/2014/main" xmlns="" id="{A1FF6F31-09CB-47A3-AEDB-7CA7BE1E327B}"/>
               </a:ext>
             </a:extLst>
           </p:cNvPr>
@@ -481,7 +482,7 @@
           <p:cNvPr id="5" name="Footer Placeholder 4">
             <a:extLst>
               <a:ext uri="{FF2B5EF4-FFF2-40B4-BE49-F238E27FC236}">
-                <a16:creationId xmlns="" xmlns:a16="http://schemas.microsoft.com/office/drawing/2014/main" id="{51EFC938-9C31-4327-9275-3EB93C5B55CE}"/>
+                <a16:creationId xmlns:a16="http://schemas.microsoft.com/office/drawing/2014/main" xmlns="" id="{51EFC938-9C31-4327-9275-3EB93C5B55CE}"/>
               </a:ext>
             </a:extLst>
           </p:cNvPr>
@@ -506,7 +507,7 @@
           <p:cNvPr id="6" name="Slide Number Placeholder 5">
             <a:extLst>
               <a:ext uri="{FF2B5EF4-FFF2-40B4-BE49-F238E27FC236}">
-                <a16:creationId xmlns="" xmlns:a16="http://schemas.microsoft.com/office/drawing/2014/main" id="{FE30415C-79F5-4EAA-8D86-27D6FD1A708D}"/>
+                <a16:creationId xmlns:a16="http://schemas.microsoft.com/office/drawing/2014/main" xmlns="" id="{FE30415C-79F5-4EAA-8D86-27D6FD1A708D}"/>
               </a:ext>
             </a:extLst>
           </p:cNvPr>
@@ -565,7 +566,7 @@
           <p:cNvPr id="2" name="Vertical Title 1">
             <a:extLst>
               <a:ext uri="{FF2B5EF4-FFF2-40B4-BE49-F238E27FC236}">
-                <a16:creationId xmlns="" xmlns:a16="http://schemas.microsoft.com/office/drawing/2014/main" id="{E3F9AA0A-4FF4-45DA-8DEC-4437E2DD9111}"/>
+                <a16:creationId xmlns:a16="http://schemas.microsoft.com/office/drawing/2014/main" xmlns="" id="{E3F9AA0A-4FF4-45DA-8DEC-4437E2DD9111}"/>
               </a:ext>
             </a:extLst>
           </p:cNvPr>
@@ -599,7 +600,7 @@
           <p:cNvPr id="3" name="Vertical Text Placeholder 2">
             <a:extLst>
               <a:ext uri="{FF2B5EF4-FFF2-40B4-BE49-F238E27FC236}">
-                <a16:creationId xmlns="" xmlns:a16="http://schemas.microsoft.com/office/drawing/2014/main" id="{303D255C-51DF-421E-A067-5E9E80CD9A86}"/>
+                <a16:creationId xmlns:a16="http://schemas.microsoft.com/office/drawing/2014/main" xmlns="" id="{303D255C-51DF-421E-A067-5E9E80CD9A86}"/>
               </a:ext>
             </a:extLst>
           </p:cNvPr>
@@ -662,7 +663,7 @@
           <p:cNvPr id="4" name="Date Placeholder 3">
             <a:extLst>
               <a:ext uri="{FF2B5EF4-FFF2-40B4-BE49-F238E27FC236}">
-                <a16:creationId xmlns="" xmlns:a16="http://schemas.microsoft.com/office/drawing/2014/main" id="{9B627DEB-7DEA-43CC-A21F-F81EEC6CE7D9}"/>
+                <a16:creationId xmlns:a16="http://schemas.microsoft.com/office/drawing/2014/main" xmlns="" id="{9B627DEB-7DEA-43CC-A21F-F81EEC6CE7D9}"/>
               </a:ext>
             </a:extLst>
           </p:cNvPr>
@@ -691,7 +692,7 @@
           <p:cNvPr id="5" name="Footer Placeholder 4">
             <a:extLst>
               <a:ext uri="{FF2B5EF4-FFF2-40B4-BE49-F238E27FC236}">
-                <a16:creationId xmlns="" xmlns:a16="http://schemas.microsoft.com/office/drawing/2014/main" id="{F53EDAFC-3543-4A0D-80D2-F4871AED36D4}"/>
+                <a16:creationId xmlns:a16="http://schemas.microsoft.com/office/drawing/2014/main" xmlns="" id="{F53EDAFC-3543-4A0D-80D2-F4871AED36D4}"/>
               </a:ext>
             </a:extLst>
           </p:cNvPr>
@@ -716,7 +717,7 @@
           <p:cNvPr id="6" name="Slide Number Placeholder 5">
             <a:extLst>
               <a:ext uri="{FF2B5EF4-FFF2-40B4-BE49-F238E27FC236}">
-                <a16:creationId xmlns="" xmlns:a16="http://schemas.microsoft.com/office/drawing/2014/main" id="{30F550C7-3342-49D6-8734-F9809E853CA2}"/>
+                <a16:creationId xmlns:a16="http://schemas.microsoft.com/office/drawing/2014/main" xmlns="" id="{30F550C7-3342-49D6-8734-F9809E853CA2}"/>
               </a:ext>
             </a:extLst>
           </p:cNvPr>
@@ -775,7 +776,7 @@
           <p:cNvPr id="2" name="Title 1">
             <a:extLst>
               <a:ext uri="{FF2B5EF4-FFF2-40B4-BE49-F238E27FC236}">
-                <a16:creationId xmlns="" xmlns:a16="http://schemas.microsoft.com/office/drawing/2014/main" id="{C6AAE108-9C7F-4CDC-AD71-B576580A199F}"/>
+                <a16:creationId xmlns:a16="http://schemas.microsoft.com/office/drawing/2014/main" xmlns="" id="{C6AAE108-9C7F-4CDC-AD71-B576580A199F}"/>
               </a:ext>
             </a:extLst>
           </p:cNvPr>
@@ -804,7 +805,7 @@
           <p:cNvPr id="3" name="Content Placeholder 2">
             <a:extLst>
               <a:ext uri="{FF2B5EF4-FFF2-40B4-BE49-F238E27FC236}">
-                <a16:creationId xmlns="" xmlns:a16="http://schemas.microsoft.com/office/drawing/2014/main" id="{5A103746-779A-435F-995A-5BF82C86C297}"/>
+                <a16:creationId xmlns:a16="http://schemas.microsoft.com/office/drawing/2014/main" xmlns="" id="{5A103746-779A-435F-995A-5BF82C86C297}"/>
               </a:ext>
             </a:extLst>
           </p:cNvPr>
@@ -862,7 +863,7 @@
           <p:cNvPr id="4" name="Date Placeholder 3">
             <a:extLst>
               <a:ext uri="{FF2B5EF4-FFF2-40B4-BE49-F238E27FC236}">
-                <a16:creationId xmlns="" xmlns:a16="http://schemas.microsoft.com/office/drawing/2014/main" id="{5984E866-B322-455F-AC32-8C164B8CD9C7}"/>
+                <a16:creationId xmlns:a16="http://schemas.microsoft.com/office/drawing/2014/main" xmlns="" id="{5984E866-B322-455F-AC32-8C164B8CD9C7}"/>
               </a:ext>
             </a:extLst>
           </p:cNvPr>
@@ -891,7 +892,7 @@
           <p:cNvPr id="5" name="Footer Placeholder 4">
             <a:extLst>
               <a:ext uri="{FF2B5EF4-FFF2-40B4-BE49-F238E27FC236}">
-                <a16:creationId xmlns="" xmlns:a16="http://schemas.microsoft.com/office/drawing/2014/main" id="{AC0D61E0-F80F-48E7-A817-F1CECBEE9A37}"/>
+                <a16:creationId xmlns:a16="http://schemas.microsoft.com/office/drawing/2014/main" xmlns="" id="{AC0D61E0-F80F-48E7-A817-F1CECBEE9A37}"/>
               </a:ext>
             </a:extLst>
           </p:cNvPr>
@@ -916,7 +917,7 @@
           <p:cNvPr id="6" name="Slide Number Placeholder 5">
             <a:extLst>
               <a:ext uri="{FF2B5EF4-FFF2-40B4-BE49-F238E27FC236}">
-                <a16:creationId xmlns="" xmlns:a16="http://schemas.microsoft.com/office/drawing/2014/main" id="{5BF34AFC-4299-43F1-A312-79EF0102CEFF}"/>
+                <a16:creationId xmlns:a16="http://schemas.microsoft.com/office/drawing/2014/main" xmlns="" id="{5BF34AFC-4299-43F1-A312-79EF0102CEFF}"/>
               </a:ext>
             </a:extLst>
           </p:cNvPr>
@@ -975,7 +976,7 @@
           <p:cNvPr id="2" name="Title 1">
             <a:extLst>
               <a:ext uri="{FF2B5EF4-FFF2-40B4-BE49-F238E27FC236}">
-                <a16:creationId xmlns="" xmlns:a16="http://schemas.microsoft.com/office/drawing/2014/main" id="{6B1E1D3E-E4B6-4EAA-BFB4-25A0557A6CB8}"/>
+                <a16:creationId xmlns:a16="http://schemas.microsoft.com/office/drawing/2014/main" xmlns="" id="{6B1E1D3E-E4B6-4EAA-BFB4-25A0557A6CB8}"/>
               </a:ext>
             </a:extLst>
           </p:cNvPr>
@@ -1013,7 +1014,7 @@
           <p:cNvPr id="3" name="Text Placeholder 2">
             <a:extLst>
               <a:ext uri="{FF2B5EF4-FFF2-40B4-BE49-F238E27FC236}">
-                <a16:creationId xmlns="" xmlns:a16="http://schemas.microsoft.com/office/drawing/2014/main" id="{6F7E0856-45A8-4EAD-A9D6-8A993968A1A8}"/>
+                <a16:creationId xmlns:a16="http://schemas.microsoft.com/office/drawing/2014/main" xmlns="" id="{6F7E0856-45A8-4EAD-A9D6-8A993968A1A8}"/>
               </a:ext>
             </a:extLst>
           </p:cNvPr>
@@ -1138,7 +1139,7 @@
           <p:cNvPr id="4" name="Date Placeholder 3">
             <a:extLst>
               <a:ext uri="{FF2B5EF4-FFF2-40B4-BE49-F238E27FC236}">
-                <a16:creationId xmlns="" xmlns:a16="http://schemas.microsoft.com/office/drawing/2014/main" id="{E90EEBE1-2BAF-4C94-8403-6E8454F9BC46}"/>
+                <a16:creationId xmlns:a16="http://schemas.microsoft.com/office/drawing/2014/main" xmlns="" id="{E90EEBE1-2BAF-4C94-8403-6E8454F9BC46}"/>
               </a:ext>
             </a:extLst>
           </p:cNvPr>
@@ -1167,7 +1168,7 @@
           <p:cNvPr id="5" name="Footer Placeholder 4">
             <a:extLst>
               <a:ext uri="{FF2B5EF4-FFF2-40B4-BE49-F238E27FC236}">
-                <a16:creationId xmlns="" xmlns:a16="http://schemas.microsoft.com/office/drawing/2014/main" id="{F3358F46-E931-4D79-94A5-037AFD07333B}"/>
+                <a16:creationId xmlns:a16="http://schemas.microsoft.com/office/drawing/2014/main" xmlns="" id="{F3358F46-E931-4D79-94A5-037AFD07333B}"/>
               </a:ext>
             </a:extLst>
           </p:cNvPr>
@@ -1192,7 +1193,7 @@
           <p:cNvPr id="6" name="Slide Number Placeholder 5">
             <a:extLst>
               <a:ext uri="{FF2B5EF4-FFF2-40B4-BE49-F238E27FC236}">
-                <a16:creationId xmlns="" xmlns:a16="http://schemas.microsoft.com/office/drawing/2014/main" id="{E5130D95-EF5F-4A0A-93BD-73AEE2C2FF1B}"/>
+                <a16:creationId xmlns:a16="http://schemas.microsoft.com/office/drawing/2014/main" xmlns="" id="{E5130D95-EF5F-4A0A-93BD-73AEE2C2FF1B}"/>
               </a:ext>
             </a:extLst>
           </p:cNvPr>
@@ -1251,7 +1252,7 @@
           <p:cNvPr id="2" name="Title 1">
             <a:extLst>
               <a:ext uri="{FF2B5EF4-FFF2-40B4-BE49-F238E27FC236}">
-                <a16:creationId xmlns="" xmlns:a16="http://schemas.microsoft.com/office/drawing/2014/main" id="{21BABEC0-6253-4360-B586-B9D20933DE37}"/>
+                <a16:creationId xmlns:a16="http://schemas.microsoft.com/office/drawing/2014/main" xmlns="" id="{21BABEC0-6253-4360-B586-B9D20933DE37}"/>
               </a:ext>
             </a:extLst>
           </p:cNvPr>
@@ -1280,7 +1281,7 @@
           <p:cNvPr id="3" name="Content Placeholder 2">
             <a:extLst>
               <a:ext uri="{FF2B5EF4-FFF2-40B4-BE49-F238E27FC236}">
-                <a16:creationId xmlns="" xmlns:a16="http://schemas.microsoft.com/office/drawing/2014/main" id="{A946E20B-8661-4C60-84FB-4892E8B48608}"/>
+                <a16:creationId xmlns:a16="http://schemas.microsoft.com/office/drawing/2014/main" xmlns="" id="{A946E20B-8661-4C60-84FB-4892E8B48608}"/>
               </a:ext>
             </a:extLst>
           </p:cNvPr>
@@ -1343,7 +1344,7 @@
           <p:cNvPr id="4" name="Content Placeholder 3">
             <a:extLst>
               <a:ext uri="{FF2B5EF4-FFF2-40B4-BE49-F238E27FC236}">
-                <a16:creationId xmlns="" xmlns:a16="http://schemas.microsoft.com/office/drawing/2014/main" id="{5132BE45-79E4-479B-BD2F-46CCB0BEE628}"/>
+                <a16:creationId xmlns:a16="http://schemas.microsoft.com/office/drawing/2014/main" xmlns="" id="{5132BE45-79E4-479B-BD2F-46CCB0BEE628}"/>
               </a:ext>
             </a:extLst>
           </p:cNvPr>
@@ -1406,7 +1407,7 @@
           <p:cNvPr id="5" name="Date Placeholder 4">
             <a:extLst>
               <a:ext uri="{FF2B5EF4-FFF2-40B4-BE49-F238E27FC236}">
-                <a16:creationId xmlns="" xmlns:a16="http://schemas.microsoft.com/office/drawing/2014/main" id="{0589105E-DF25-4F38-BDE2-9B00C2C44FC6}"/>
+                <a16:creationId xmlns:a16="http://schemas.microsoft.com/office/drawing/2014/main" xmlns="" id="{0589105E-DF25-4F38-BDE2-9B00C2C44FC6}"/>
               </a:ext>
             </a:extLst>
           </p:cNvPr>
@@ -1435,7 +1436,7 @@
           <p:cNvPr id="6" name="Footer Placeholder 5">
             <a:extLst>
               <a:ext uri="{FF2B5EF4-FFF2-40B4-BE49-F238E27FC236}">
-                <a16:creationId xmlns="" xmlns:a16="http://schemas.microsoft.com/office/drawing/2014/main" id="{B1D9C4A8-7467-4BAD-98A2-0B63CAC19B66}"/>
+                <a16:creationId xmlns:a16="http://schemas.microsoft.com/office/drawing/2014/main" xmlns="" id="{B1D9C4A8-7467-4BAD-98A2-0B63CAC19B66}"/>
               </a:ext>
             </a:extLst>
           </p:cNvPr>
@@ -1460,7 +1461,7 @@
           <p:cNvPr id="7" name="Slide Number Placeholder 6">
             <a:extLst>
               <a:ext uri="{FF2B5EF4-FFF2-40B4-BE49-F238E27FC236}">
-                <a16:creationId xmlns="" xmlns:a16="http://schemas.microsoft.com/office/drawing/2014/main" id="{8BC5C5C0-08E4-4F7B-9E80-8925539D221B}"/>
+                <a16:creationId xmlns:a16="http://schemas.microsoft.com/office/drawing/2014/main" xmlns="" id="{8BC5C5C0-08E4-4F7B-9E80-8925539D221B}"/>
               </a:ext>
             </a:extLst>
           </p:cNvPr>
@@ -1519,7 +1520,7 @@
           <p:cNvPr id="2" name="Title 1">
             <a:extLst>
               <a:ext uri="{FF2B5EF4-FFF2-40B4-BE49-F238E27FC236}">
-                <a16:creationId xmlns="" xmlns:a16="http://schemas.microsoft.com/office/drawing/2014/main" id="{A47FF641-A5CC-4263-A394-2112D623A8AD}"/>
+                <a16:creationId xmlns:a16="http://schemas.microsoft.com/office/drawing/2014/main" xmlns="" id="{A47FF641-A5CC-4263-A394-2112D623A8AD}"/>
               </a:ext>
             </a:extLst>
           </p:cNvPr>
@@ -1553,7 +1554,7 @@
           <p:cNvPr id="3" name="Text Placeholder 2">
             <a:extLst>
               <a:ext uri="{FF2B5EF4-FFF2-40B4-BE49-F238E27FC236}">
-                <a16:creationId xmlns="" xmlns:a16="http://schemas.microsoft.com/office/drawing/2014/main" id="{B24D6865-C632-473C-AEC8-8D3F71562BE6}"/>
+                <a16:creationId xmlns:a16="http://schemas.microsoft.com/office/drawing/2014/main" xmlns="" id="{B24D6865-C632-473C-AEC8-8D3F71562BE6}"/>
               </a:ext>
             </a:extLst>
           </p:cNvPr>
@@ -1624,7 +1625,7 @@
           <p:cNvPr id="4" name="Content Placeholder 3">
             <a:extLst>
               <a:ext uri="{FF2B5EF4-FFF2-40B4-BE49-F238E27FC236}">
-                <a16:creationId xmlns="" xmlns:a16="http://schemas.microsoft.com/office/drawing/2014/main" id="{D9FDBD19-4D33-4F6A-9938-6A04B3888ECC}"/>
+                <a16:creationId xmlns:a16="http://schemas.microsoft.com/office/drawing/2014/main" xmlns="" id="{D9FDBD19-4D33-4F6A-9938-6A04B3888ECC}"/>
               </a:ext>
             </a:extLst>
           </p:cNvPr>
@@ -1687,7 +1688,7 @@
           <p:cNvPr id="5" name="Text Placeholder 4">
             <a:extLst>
               <a:ext uri="{FF2B5EF4-FFF2-40B4-BE49-F238E27FC236}">
-                <a16:creationId xmlns="" xmlns:a16="http://schemas.microsoft.com/office/drawing/2014/main" id="{51697E46-CE4D-480E-A997-2B53B2DF55B2}"/>
+                <a16:creationId xmlns:a16="http://schemas.microsoft.com/office/drawing/2014/main" xmlns="" id="{51697E46-CE4D-480E-A997-2B53B2DF55B2}"/>
               </a:ext>
             </a:extLst>
           </p:cNvPr>
@@ -1758,7 +1759,7 @@
           <p:cNvPr id="6" name="Content Placeholder 5">
             <a:extLst>
               <a:ext uri="{FF2B5EF4-FFF2-40B4-BE49-F238E27FC236}">
-                <a16:creationId xmlns="" xmlns:a16="http://schemas.microsoft.com/office/drawing/2014/main" id="{8B8B7E36-823F-4FD4-B826-E450A1248008}"/>
+                <a16:creationId xmlns:a16="http://schemas.microsoft.com/office/drawing/2014/main" xmlns="" id="{8B8B7E36-823F-4FD4-B826-E450A1248008}"/>
               </a:ext>
             </a:extLst>
           </p:cNvPr>
@@ -1821,7 +1822,7 @@
           <p:cNvPr id="7" name="Date Placeholder 6">
             <a:extLst>
               <a:ext uri="{FF2B5EF4-FFF2-40B4-BE49-F238E27FC236}">
-                <a16:creationId xmlns="" xmlns:a16="http://schemas.microsoft.com/office/drawing/2014/main" id="{8DBB3B14-C886-4F84-9FD5-11C8320E1FED}"/>
+                <a16:creationId xmlns:a16="http://schemas.microsoft.com/office/drawing/2014/main" xmlns="" id="{8DBB3B14-C886-4F84-9FD5-11C8320E1FED}"/>
               </a:ext>
             </a:extLst>
           </p:cNvPr>
@@ -1850,7 +1851,7 @@
           <p:cNvPr id="8" name="Footer Placeholder 7">
             <a:extLst>
               <a:ext uri="{FF2B5EF4-FFF2-40B4-BE49-F238E27FC236}">
-                <a16:creationId xmlns="" xmlns:a16="http://schemas.microsoft.com/office/drawing/2014/main" id="{DF9AF591-4BBF-4BF2-9EF7-F8B114DFA16A}"/>
+                <a16:creationId xmlns:a16="http://schemas.microsoft.com/office/drawing/2014/main" xmlns="" id="{DF9AF591-4BBF-4BF2-9EF7-F8B114DFA16A}"/>
               </a:ext>
             </a:extLst>
           </p:cNvPr>
@@ -1875,7 +1876,7 @@
           <p:cNvPr id="9" name="Slide Number Placeholder 8">
             <a:extLst>
               <a:ext uri="{FF2B5EF4-FFF2-40B4-BE49-F238E27FC236}">
-                <a16:creationId xmlns="" xmlns:a16="http://schemas.microsoft.com/office/drawing/2014/main" id="{352B1A04-B244-4AE3-8997-9B075B105971}"/>
+                <a16:creationId xmlns:a16="http://schemas.microsoft.com/office/drawing/2014/main" xmlns="" id="{352B1A04-B244-4AE3-8997-9B075B105971}"/>
               </a:ext>
             </a:extLst>
           </p:cNvPr>
@@ -1934,7 +1935,7 @@
           <p:cNvPr id="2" name="Title 1">
             <a:extLst>
               <a:ext uri="{FF2B5EF4-FFF2-40B4-BE49-F238E27FC236}">
-                <a16:creationId xmlns="" xmlns:a16="http://schemas.microsoft.com/office/drawing/2014/main" id="{105408F1-BB29-4C6F-91C9-653A730BECC6}"/>
+                <a16:creationId xmlns:a16="http://schemas.microsoft.com/office/drawing/2014/main" xmlns="" id="{105408F1-BB29-4C6F-91C9-653A730BECC6}"/>
               </a:ext>
             </a:extLst>
           </p:cNvPr>
@@ -1963,7 +1964,7 @@
           <p:cNvPr id="3" name="Date Placeholder 2">
             <a:extLst>
               <a:ext uri="{FF2B5EF4-FFF2-40B4-BE49-F238E27FC236}">
-                <a16:creationId xmlns="" xmlns:a16="http://schemas.microsoft.com/office/drawing/2014/main" id="{2F54FEF9-8D09-4091-BE99-B6264EBD34B3}"/>
+                <a16:creationId xmlns:a16="http://schemas.microsoft.com/office/drawing/2014/main" xmlns="" id="{2F54FEF9-8D09-4091-BE99-B6264EBD34B3}"/>
               </a:ext>
             </a:extLst>
           </p:cNvPr>
@@ -1992,7 +1993,7 @@
           <p:cNvPr id="4" name="Footer Placeholder 3">
             <a:extLst>
               <a:ext uri="{FF2B5EF4-FFF2-40B4-BE49-F238E27FC236}">
-                <a16:creationId xmlns="" xmlns:a16="http://schemas.microsoft.com/office/drawing/2014/main" id="{0B5F49AA-83D5-4063-9CDE-AA7763048B63}"/>
+                <a16:creationId xmlns:a16="http://schemas.microsoft.com/office/drawing/2014/main" xmlns="" id="{0B5F49AA-83D5-4063-9CDE-AA7763048B63}"/>
               </a:ext>
             </a:extLst>
           </p:cNvPr>
@@ -2017,7 +2018,7 @@
           <p:cNvPr id="5" name="Slide Number Placeholder 4">
             <a:extLst>
               <a:ext uri="{FF2B5EF4-FFF2-40B4-BE49-F238E27FC236}">
-                <a16:creationId xmlns="" xmlns:a16="http://schemas.microsoft.com/office/drawing/2014/main" id="{B2A2B27C-3C99-4208-B425-775413C53651}"/>
+                <a16:creationId xmlns:a16="http://schemas.microsoft.com/office/drawing/2014/main" xmlns="" id="{B2A2B27C-3C99-4208-B425-775413C53651}"/>
               </a:ext>
             </a:extLst>
           </p:cNvPr>
@@ -2076,7 +2077,7 @@
           <p:cNvPr id="2" name="Date Placeholder 1">
             <a:extLst>
               <a:ext uri="{FF2B5EF4-FFF2-40B4-BE49-F238E27FC236}">
-                <a16:creationId xmlns="" xmlns:a16="http://schemas.microsoft.com/office/drawing/2014/main" id="{042A62B2-A6D1-4A6F-8B20-80606F478544}"/>
+                <a16:creationId xmlns:a16="http://schemas.microsoft.com/office/drawing/2014/main" xmlns="" id="{042A62B2-A6D1-4A6F-8B20-80606F478544}"/>
               </a:ext>
             </a:extLst>
           </p:cNvPr>
@@ -2105,7 +2106,7 @@
           <p:cNvPr id="3" name="Footer Placeholder 2">
             <a:extLst>
               <a:ext uri="{FF2B5EF4-FFF2-40B4-BE49-F238E27FC236}">
-                <a16:creationId xmlns="" xmlns:a16="http://schemas.microsoft.com/office/drawing/2014/main" id="{C02E4958-7A46-4331-B2D8-2C31D8FCBD73}"/>
+                <a16:creationId xmlns:a16="http://schemas.microsoft.com/office/drawing/2014/main" xmlns="" id="{C02E4958-7A46-4331-B2D8-2C31D8FCBD73}"/>
               </a:ext>
             </a:extLst>
           </p:cNvPr>
@@ -2130,7 +2131,7 @@
           <p:cNvPr id="4" name="Slide Number Placeholder 3">
             <a:extLst>
               <a:ext uri="{FF2B5EF4-FFF2-40B4-BE49-F238E27FC236}">
-                <a16:creationId xmlns="" xmlns:a16="http://schemas.microsoft.com/office/drawing/2014/main" id="{45C8548B-339B-46B2-BF01-1EE3DDC72AAD}"/>
+                <a16:creationId xmlns:a16="http://schemas.microsoft.com/office/drawing/2014/main" xmlns="" id="{45C8548B-339B-46B2-BF01-1EE3DDC72AAD}"/>
               </a:ext>
             </a:extLst>
           </p:cNvPr>
@@ -2189,7 +2190,7 @@
           <p:cNvPr id="2" name="Title 1">
             <a:extLst>
               <a:ext uri="{FF2B5EF4-FFF2-40B4-BE49-F238E27FC236}">
-                <a16:creationId xmlns="" xmlns:a16="http://schemas.microsoft.com/office/drawing/2014/main" id="{38EF408F-8083-4F07-9628-074C7AFE41C0}"/>
+                <a16:creationId xmlns:a16="http://schemas.microsoft.com/office/drawing/2014/main" xmlns="" id="{38EF408F-8083-4F07-9628-074C7AFE41C0}"/>
               </a:ext>
             </a:extLst>
           </p:cNvPr>
@@ -2227,7 +2228,7 @@
           <p:cNvPr id="3" name="Content Placeholder 2">
             <a:extLst>
               <a:ext uri="{FF2B5EF4-FFF2-40B4-BE49-F238E27FC236}">
-                <a16:creationId xmlns="" xmlns:a16="http://schemas.microsoft.com/office/drawing/2014/main" id="{B70477E0-A333-439D-A531-30B39A813465}"/>
+                <a16:creationId xmlns:a16="http://schemas.microsoft.com/office/drawing/2014/main" xmlns="" id="{B70477E0-A333-439D-A531-30B39A813465}"/>
               </a:ext>
             </a:extLst>
           </p:cNvPr>
@@ -2318,7 +2319,7 @@
           <p:cNvPr id="4" name="Text Placeholder 3">
             <a:extLst>
               <a:ext uri="{FF2B5EF4-FFF2-40B4-BE49-F238E27FC236}">
-                <a16:creationId xmlns="" xmlns:a16="http://schemas.microsoft.com/office/drawing/2014/main" id="{D5D59501-D187-414C-AACE-F838720036CC}"/>
+                <a16:creationId xmlns:a16="http://schemas.microsoft.com/office/drawing/2014/main" xmlns="" id="{D5D59501-D187-414C-AACE-F838720036CC}"/>
               </a:ext>
             </a:extLst>
           </p:cNvPr>
@@ -2389,7 +2390,7 @@
           <p:cNvPr id="5" name="Date Placeholder 4">
             <a:extLst>
               <a:ext uri="{FF2B5EF4-FFF2-40B4-BE49-F238E27FC236}">
-                <a16:creationId xmlns="" xmlns:a16="http://schemas.microsoft.com/office/drawing/2014/main" id="{1235F890-BB8A-49E1-880A-924FD6FE4026}"/>
+                <a16:creationId xmlns:a16="http://schemas.microsoft.com/office/drawing/2014/main" xmlns="" id="{1235F890-BB8A-49E1-880A-924FD6FE4026}"/>
               </a:ext>
             </a:extLst>
           </p:cNvPr>
@@ -2418,7 +2419,7 @@
           <p:cNvPr id="6" name="Footer Placeholder 5">
             <a:extLst>
               <a:ext uri="{FF2B5EF4-FFF2-40B4-BE49-F238E27FC236}">
-                <a16:creationId xmlns="" xmlns:a16="http://schemas.microsoft.com/office/drawing/2014/main" id="{51CA38FE-429A-41E7-942D-ECCE639D3CA5}"/>
+                <a16:creationId xmlns:a16="http://schemas.microsoft.com/office/drawing/2014/main" xmlns="" id="{51CA38FE-429A-41E7-942D-ECCE639D3CA5}"/>
               </a:ext>
             </a:extLst>
           </p:cNvPr>
@@ -2443,7 +2444,7 @@
           <p:cNvPr id="7" name="Slide Number Placeholder 6">
             <a:extLst>
               <a:ext uri="{FF2B5EF4-FFF2-40B4-BE49-F238E27FC236}">
-                <a16:creationId xmlns="" xmlns:a16="http://schemas.microsoft.com/office/drawing/2014/main" id="{2401D9BC-0038-4041-AE2C-657BF99D41E9}"/>
+                <a16:creationId xmlns:a16="http://schemas.microsoft.com/office/drawing/2014/main" xmlns="" id="{2401D9BC-0038-4041-AE2C-657BF99D41E9}"/>
               </a:ext>
             </a:extLst>
           </p:cNvPr>
@@ -2502,7 +2503,7 @@
           <p:cNvPr id="2" name="Title 1">
             <a:extLst>
               <a:ext uri="{FF2B5EF4-FFF2-40B4-BE49-F238E27FC236}">
-                <a16:creationId xmlns="" xmlns:a16="http://schemas.microsoft.com/office/drawing/2014/main" id="{87956CFD-7F35-482C-A50F-B3D43ACB0AE3}"/>
+                <a16:creationId xmlns:a16="http://schemas.microsoft.com/office/drawing/2014/main" xmlns="" id="{87956CFD-7F35-482C-A50F-B3D43ACB0AE3}"/>
               </a:ext>
             </a:extLst>
           </p:cNvPr>
@@ -2540,7 +2541,7 @@
           <p:cNvPr id="3" name="Picture Placeholder 2">
             <a:extLst>
               <a:ext uri="{FF2B5EF4-FFF2-40B4-BE49-F238E27FC236}">
-                <a16:creationId xmlns="" xmlns:a16="http://schemas.microsoft.com/office/drawing/2014/main" id="{7FD7F3EF-0FE9-46C4-A116-5DA6E26B0D5D}"/>
+                <a16:creationId xmlns:a16="http://schemas.microsoft.com/office/drawing/2014/main" xmlns="" id="{7FD7F3EF-0FE9-46C4-A116-5DA6E26B0D5D}"/>
               </a:ext>
             </a:extLst>
           </p:cNvPr>
@@ -2611,7 +2612,7 @@
           <p:cNvPr id="4" name="Text Placeholder 3">
             <a:extLst>
               <a:ext uri="{FF2B5EF4-FFF2-40B4-BE49-F238E27FC236}">
-                <a16:creationId xmlns="" xmlns:a16="http://schemas.microsoft.com/office/drawing/2014/main" id="{D10B4041-0F17-42D8-AF16-AB099A39FFBD}"/>
+                <a16:creationId xmlns:a16="http://schemas.microsoft.com/office/drawing/2014/main" xmlns="" id="{D10B4041-0F17-42D8-AF16-AB099A39FFBD}"/>
               </a:ext>
             </a:extLst>
           </p:cNvPr>
@@ -2682,7 +2683,7 @@
           <p:cNvPr id="5" name="Date Placeholder 4">
             <a:extLst>
               <a:ext uri="{FF2B5EF4-FFF2-40B4-BE49-F238E27FC236}">
-                <a16:creationId xmlns="" xmlns:a16="http://schemas.microsoft.com/office/drawing/2014/main" id="{8BAF67FF-F8F1-4B22-A471-9317ED3A25F0}"/>
+                <a16:creationId xmlns:a16="http://schemas.microsoft.com/office/drawing/2014/main" xmlns="" id="{8BAF67FF-F8F1-4B22-A471-9317ED3A25F0}"/>
               </a:ext>
             </a:extLst>
           </p:cNvPr>
@@ -2711,7 +2712,7 @@
           <p:cNvPr id="6" name="Footer Placeholder 5">
             <a:extLst>
               <a:ext uri="{FF2B5EF4-FFF2-40B4-BE49-F238E27FC236}">
-                <a16:creationId xmlns="" xmlns:a16="http://schemas.microsoft.com/office/drawing/2014/main" id="{A73D6993-98F8-4234-B24A-02D4DB41CE93}"/>
+                <a16:creationId xmlns:a16="http://schemas.microsoft.com/office/drawing/2014/main" xmlns="" id="{A73D6993-98F8-4234-B24A-02D4DB41CE93}"/>
               </a:ext>
             </a:extLst>
           </p:cNvPr>
@@ -2736,7 +2737,7 @@
           <p:cNvPr id="7" name="Slide Number Placeholder 6">
             <a:extLst>
               <a:ext uri="{FF2B5EF4-FFF2-40B4-BE49-F238E27FC236}">
-                <a16:creationId xmlns="" xmlns:a16="http://schemas.microsoft.com/office/drawing/2014/main" id="{F2A34037-0E7D-4379-ACA0-98611B2F76ED}"/>
+                <a16:creationId xmlns:a16="http://schemas.microsoft.com/office/drawing/2014/main" xmlns="" id="{F2A34037-0E7D-4379-ACA0-98611B2F76ED}"/>
               </a:ext>
             </a:extLst>
           </p:cNvPr>
@@ -2800,7 +2801,7 @@
           <p:cNvPr id="2" name="Title Placeholder 1">
             <a:extLst>
               <a:ext uri="{FF2B5EF4-FFF2-40B4-BE49-F238E27FC236}">
-                <a16:creationId xmlns="" xmlns:a16="http://schemas.microsoft.com/office/drawing/2014/main" id="{E645B175-C851-453B-B2A0-9A5CFCADC073}"/>
+                <a16:creationId xmlns:a16="http://schemas.microsoft.com/office/drawing/2014/main" xmlns="" id="{E645B175-C851-453B-B2A0-9A5CFCADC073}"/>
               </a:ext>
             </a:extLst>
           </p:cNvPr>
@@ -2839,7 +2840,7 @@
           <p:cNvPr id="3" name="Text Placeholder 2">
             <a:extLst>
               <a:ext uri="{FF2B5EF4-FFF2-40B4-BE49-F238E27FC236}">
-                <a16:creationId xmlns="" xmlns:a16="http://schemas.microsoft.com/office/drawing/2014/main" id="{2E65F4A2-0E4F-4E49-A0BF-BEEC72203309}"/>
+                <a16:creationId xmlns:a16="http://schemas.microsoft.com/office/drawing/2014/main" xmlns="" id="{2E65F4A2-0E4F-4E49-A0BF-BEEC72203309}"/>
               </a:ext>
             </a:extLst>
           </p:cNvPr>
@@ -2906,7 +2907,7 @@
           <p:cNvPr id="4" name="Date Placeholder 3">
             <a:extLst>
               <a:ext uri="{FF2B5EF4-FFF2-40B4-BE49-F238E27FC236}">
-                <a16:creationId xmlns="" xmlns:a16="http://schemas.microsoft.com/office/drawing/2014/main" id="{9328AA27-3F13-4BFD-B949-21CF31910889}"/>
+                <a16:creationId xmlns:a16="http://schemas.microsoft.com/office/drawing/2014/main" xmlns="" id="{9328AA27-3F13-4BFD-B949-21CF31910889}"/>
               </a:ext>
             </a:extLst>
           </p:cNvPr>
@@ -2953,7 +2954,7 @@
           <p:cNvPr id="5" name="Footer Placeholder 4">
             <a:extLst>
               <a:ext uri="{FF2B5EF4-FFF2-40B4-BE49-F238E27FC236}">
-                <a16:creationId xmlns="" xmlns:a16="http://schemas.microsoft.com/office/drawing/2014/main" id="{EEEE99A2-0FED-42D4-9FBD-08CC1C3F81BC}"/>
+                <a16:creationId xmlns:a16="http://schemas.microsoft.com/office/drawing/2014/main" xmlns="" id="{EEEE99A2-0FED-42D4-9FBD-08CC1C3F81BC}"/>
               </a:ext>
             </a:extLst>
           </p:cNvPr>
@@ -2996,7 +2997,7 @@
           <p:cNvPr id="6" name="Slide Number Placeholder 5">
             <a:extLst>
               <a:ext uri="{FF2B5EF4-FFF2-40B4-BE49-F238E27FC236}">
-                <a16:creationId xmlns="" xmlns:a16="http://schemas.microsoft.com/office/drawing/2014/main" id="{DF2468D4-5440-4CE2-BAB3-61D83F628C58}"/>
+                <a16:creationId xmlns:a16="http://schemas.microsoft.com/office/drawing/2014/main" xmlns="" id="{DF2468D4-5440-4CE2-BAB3-61D83F628C58}"/>
               </a:ext>
             </a:extLst>
           </p:cNvPr>
@@ -3374,7 +3375,7 @@
           <p:cNvPr id="15" name="Graphic 14" descr="Clipboard">
             <a:extLst>
               <a:ext uri="{FF2B5EF4-FFF2-40B4-BE49-F238E27FC236}">
-                <a16:creationId xmlns="" xmlns:a16="http://schemas.microsoft.com/office/drawing/2014/main" id="{2A123BD8-A09C-49C0-98E8-54B55610A928}"/>
+                <a16:creationId xmlns:a16="http://schemas.microsoft.com/office/drawing/2014/main" xmlns="" id="{2A123BD8-A09C-49C0-98E8-54B55610A928}"/>
               </a:ext>
             </a:extLst>
           </p:cNvPr>
@@ -3390,7 +3391,7 @@
                 <a14:useLocalDpi xmlns:a14="http://schemas.microsoft.com/office/drawing/2010/main" val="0"/>
               </a:ext>
               <a:ext uri="{96DAC541-7B7A-43D3-8B79-37D633B846F1}">
-                <asvg:svgBlip xmlns="" xmlns:asvg="http://schemas.microsoft.com/office/drawing/2016/SVG/main" r:embed="rId3"/>
+                <asvg:svgBlip xmlns:asvg="http://schemas.microsoft.com/office/drawing/2016/SVG/main" xmlns="" r:embed="rId3"/>
               </a:ext>
             </a:extLst>
           </a:blip>
@@ -3413,7 +3414,7 @@
           <p:cNvPr id="11" name="Graphic 10" descr="Microscope">
             <a:extLst>
               <a:ext uri="{FF2B5EF4-FFF2-40B4-BE49-F238E27FC236}">
-                <a16:creationId xmlns="" xmlns:a16="http://schemas.microsoft.com/office/drawing/2014/main" id="{3CB00449-E308-4DF3-9CFD-9A7D30B672DE}"/>
+                <a16:creationId xmlns:a16="http://schemas.microsoft.com/office/drawing/2014/main" xmlns="" id="{3CB00449-E308-4DF3-9CFD-9A7D30B672DE}"/>
               </a:ext>
             </a:extLst>
           </p:cNvPr>
@@ -3429,7 +3430,7 @@
                 <a14:useLocalDpi xmlns:a14="http://schemas.microsoft.com/office/drawing/2010/main" val="0"/>
               </a:ext>
               <a:ext uri="{96DAC541-7B7A-43D3-8B79-37D633B846F1}">
-                <asvg:svgBlip xmlns="" xmlns:asvg="http://schemas.microsoft.com/office/drawing/2016/SVG/main" r:embed="rId5"/>
+                <asvg:svgBlip xmlns:asvg="http://schemas.microsoft.com/office/drawing/2016/SVG/main" xmlns="" r:embed="rId5"/>
               </a:ext>
             </a:extLst>
           </a:blip>
@@ -3452,7 +3453,7 @@
           <p:cNvPr id="2" name="Title 1">
             <a:extLst>
               <a:ext uri="{FF2B5EF4-FFF2-40B4-BE49-F238E27FC236}">
-                <a16:creationId xmlns="" xmlns:a16="http://schemas.microsoft.com/office/drawing/2014/main" id="{F4B5F415-7490-4054-85B4-10F7AE6D3385}"/>
+                <a16:creationId xmlns:a16="http://schemas.microsoft.com/office/drawing/2014/main" xmlns="" id="{F4B5F415-7490-4054-85B4-10F7AE6D3385}"/>
               </a:ext>
             </a:extLst>
           </p:cNvPr>
@@ -3587,7 +3588,7 @@
           <p:cNvPr id="3" name="Subtitle 2">
             <a:extLst>
               <a:ext uri="{FF2B5EF4-FFF2-40B4-BE49-F238E27FC236}">
-                <a16:creationId xmlns="" xmlns:a16="http://schemas.microsoft.com/office/drawing/2014/main" id="{D05F6415-1E7C-453D-B6B7-DBF76BDA691B}"/>
+                <a16:creationId xmlns:a16="http://schemas.microsoft.com/office/drawing/2014/main" xmlns="" id="{D05F6415-1E7C-453D-B6B7-DBF76BDA691B}"/>
               </a:ext>
             </a:extLst>
           </p:cNvPr>
@@ -3738,10 +3739,10 @@
           <p:cNvPr id="5" name="Straight Connector 4">
             <a:extLst>
               <a:ext uri="{FF2B5EF4-FFF2-40B4-BE49-F238E27FC236}">
-                <a16:creationId xmlns="" xmlns:a16="http://schemas.microsoft.com/office/drawing/2014/main" id="{AA65E432-C1E6-4C36-BF8E-2DA25E65DC32}"/>
+                <a16:creationId xmlns:a16="http://schemas.microsoft.com/office/drawing/2014/main" xmlns="" id="{AA65E432-C1E6-4C36-BF8E-2DA25E65DC32}"/>
               </a:ext>
               <a:ext uri="{C183D7F6-B498-43B3-948B-1728B52AA6E4}">
-                <adec:decorative xmlns="" xmlns:adec="http://schemas.microsoft.com/office/drawing/2017/decorative" val="1"/>
+                <adec:decorative xmlns:adec="http://schemas.microsoft.com/office/drawing/2017/decorative" xmlns="" val="1"/>
               </a:ext>
             </a:extLst>
           </p:cNvPr>
@@ -3782,7 +3783,7 @@
           <p:cNvPr id="7" name="Graphic 6" descr="Beaker">
             <a:extLst>
               <a:ext uri="{FF2B5EF4-FFF2-40B4-BE49-F238E27FC236}">
-                <a16:creationId xmlns="" xmlns:a16="http://schemas.microsoft.com/office/drawing/2014/main" id="{88D22565-F42F-439B-A6A4-CF161165E6B6}"/>
+                <a16:creationId xmlns:a16="http://schemas.microsoft.com/office/drawing/2014/main" xmlns="" id="{88D22565-F42F-439B-A6A4-CF161165E6B6}"/>
               </a:ext>
             </a:extLst>
           </p:cNvPr>
@@ -3798,7 +3799,7 @@
                 <a14:useLocalDpi xmlns:a14="http://schemas.microsoft.com/office/drawing/2010/main" val="0"/>
               </a:ext>
               <a:ext uri="{96DAC541-7B7A-43D3-8B79-37D633B846F1}">
-                <asvg:svgBlip xmlns="" xmlns:asvg="http://schemas.microsoft.com/office/drawing/2016/SVG/main" r:embed="rId7"/>
+                <asvg:svgBlip xmlns:asvg="http://schemas.microsoft.com/office/drawing/2016/SVG/main" xmlns="" r:embed="rId7"/>
               </a:ext>
             </a:extLst>
           </a:blip>
@@ -3821,7 +3822,7 @@
           <p:cNvPr id="9" name="Graphic 8" descr="Flask">
             <a:extLst>
               <a:ext uri="{FF2B5EF4-FFF2-40B4-BE49-F238E27FC236}">
-                <a16:creationId xmlns="" xmlns:a16="http://schemas.microsoft.com/office/drawing/2014/main" id="{B46E3E84-D1E6-4422-AA93-3EE98A821B98}"/>
+                <a16:creationId xmlns:a16="http://schemas.microsoft.com/office/drawing/2014/main" xmlns="" id="{B46E3E84-D1E6-4422-AA93-3EE98A821B98}"/>
               </a:ext>
             </a:extLst>
           </p:cNvPr>
@@ -3837,7 +3838,7 @@
                 <a14:useLocalDpi xmlns:a14="http://schemas.microsoft.com/office/drawing/2010/main" val="0"/>
               </a:ext>
               <a:ext uri="{96DAC541-7B7A-43D3-8B79-37D633B846F1}">
-                <asvg:svgBlip xmlns="" xmlns:asvg="http://schemas.microsoft.com/office/drawing/2016/SVG/main" r:embed="rId9"/>
+                <asvg:svgBlip xmlns:asvg="http://schemas.microsoft.com/office/drawing/2016/SVG/main" xmlns="" r:embed="rId9"/>
               </a:ext>
             </a:extLst>
           </a:blip>
@@ -3860,7 +3861,7 @@
           <p:cNvPr id="13" name="Graphic 12" descr="Test tubes">
             <a:extLst>
               <a:ext uri="{FF2B5EF4-FFF2-40B4-BE49-F238E27FC236}">
-                <a16:creationId xmlns="" xmlns:a16="http://schemas.microsoft.com/office/drawing/2014/main" id="{6A56DF0C-1331-406E-AEE6-06E0E59FB9A8}"/>
+                <a16:creationId xmlns:a16="http://schemas.microsoft.com/office/drawing/2014/main" xmlns="" id="{6A56DF0C-1331-406E-AEE6-06E0E59FB9A8}"/>
               </a:ext>
             </a:extLst>
           </p:cNvPr>
@@ -3876,7 +3877,7 @@
                 <a14:useLocalDpi xmlns:a14="http://schemas.microsoft.com/office/drawing/2010/main" val="0"/>
               </a:ext>
               <a:ext uri="{96DAC541-7B7A-43D3-8B79-37D633B846F1}">
-                <asvg:svgBlip xmlns="" xmlns:asvg="http://schemas.microsoft.com/office/drawing/2016/SVG/main" r:embed="rId11"/>
+                <asvg:svgBlip xmlns:asvg="http://schemas.microsoft.com/office/drawing/2016/SVG/main" xmlns="" r:embed="rId11"/>
               </a:ext>
             </a:extLst>
           </a:blip>
@@ -3899,7 +3900,7 @@
           <p:cNvPr id="14" name="Subtitle 2">
             <a:extLst>
               <a:ext uri="{FF2B5EF4-FFF2-40B4-BE49-F238E27FC236}">
-                <a16:creationId xmlns="" xmlns:a16="http://schemas.microsoft.com/office/drawing/2014/main" id="{D05F6415-1E7C-453D-B6B7-DBF76BDA691B}"/>
+                <a16:creationId xmlns:a16="http://schemas.microsoft.com/office/drawing/2014/main" xmlns="" id="{D05F6415-1E7C-453D-B6B7-DBF76BDA691B}"/>
               </a:ext>
             </a:extLst>
           </p:cNvPr>
@@ -4124,6 +4125,447 @@
 <file path=ppt/slides/slide10.xml><?xml version="1.0" encoding="utf-8"?>
 <p:sld xmlns:a="http://schemas.openxmlformats.org/drawingml/2006/main" xmlns:r="http://schemas.openxmlformats.org/officeDocument/2006/relationships" xmlns:p="http://schemas.openxmlformats.org/presentationml/2006/main">
   <p:cSld>
+    <p:spTree>
+      <p:nvGrpSpPr>
+        <p:cNvPr id="1" name=""/>
+        <p:cNvGrpSpPr/>
+        <p:nvPr/>
+      </p:nvGrpSpPr>
+      <p:grpSpPr>
+        <a:xfrm>
+          <a:off x="0" y="0"/>
+          <a:ext cx="0" cy="0"/>
+          <a:chOff x="0" y="0"/>
+          <a:chExt cx="0" cy="0"/>
+        </a:xfrm>
+      </p:grpSpPr>
+      <p:sp>
+        <p:nvSpPr>
+          <p:cNvPr id="2" name="Title 1">
+            <a:extLst>
+              <a:ext uri="{FF2B5EF4-FFF2-40B4-BE49-F238E27FC236}">
+                <a16:creationId xmlns:a16="http://schemas.microsoft.com/office/drawing/2014/main" xmlns="" id="{10742257-3980-4551-868A-26DC3CB821EE}"/>
+              </a:ext>
+            </a:extLst>
+          </p:cNvPr>
+          <p:cNvSpPr>
+            <a:spLocks noGrp="1"/>
+          </p:cNvSpPr>
+          <p:nvPr>
+            <p:ph type="title"/>
+          </p:nvPr>
+        </p:nvSpPr>
+        <p:spPr>
+          <a:xfrm>
+            <a:off x="521284" y="365125"/>
+            <a:ext cx="8378529" cy="1027257"/>
+          </a:xfrm>
+        </p:spPr>
+        <p:txBody>
+          <a:bodyPr/>
+          <a:lstStyle/>
+          <a:p>
+            <a:r>
+              <a:rPr lang="en-US" dirty="0" err="1" smtClean="0">
+                <a:solidFill>
+                  <a:schemeClr val="accent5">
+                    <a:lumMod val="50000"/>
+                  </a:schemeClr>
+                </a:solidFill>
+                <a:latin typeface="Arial" panose="020B0604020202020204" pitchFamily="34" charset="0"/>
+              </a:rPr>
+              <a:t>Kết</a:t>
+            </a:r>
+            <a:r>
+              <a:rPr lang="en-US" dirty="0" smtClean="0">
+                <a:solidFill>
+                  <a:schemeClr val="accent5">
+                    <a:lumMod val="50000"/>
+                  </a:schemeClr>
+                </a:solidFill>
+                <a:latin typeface="Arial" panose="020B0604020202020204" pitchFamily="34" charset="0"/>
+              </a:rPr>
+              <a:t> </a:t>
+            </a:r>
+            <a:r>
+              <a:rPr lang="en-US" dirty="0" err="1" smtClean="0">
+                <a:solidFill>
+                  <a:schemeClr val="accent5">
+                    <a:lumMod val="50000"/>
+                  </a:schemeClr>
+                </a:solidFill>
+                <a:latin typeface="Arial" panose="020B0604020202020204" pitchFamily="34" charset="0"/>
+              </a:rPr>
+              <a:t>quả</a:t>
+            </a:r>
+            <a:endParaRPr lang="en-US" dirty="0">
+              <a:solidFill>
+                <a:schemeClr val="accent5">
+                  <a:lumMod val="50000"/>
+                </a:schemeClr>
+              </a:solidFill>
+              <a:latin typeface="Arial" panose="020B0604020202020204" pitchFamily="34" charset="0"/>
+            </a:endParaRPr>
+          </a:p>
+        </p:txBody>
+      </p:sp>
+      <mc:AlternateContent xmlns:mc="http://schemas.openxmlformats.org/markup-compatibility/2006">
+        <mc:Choice xmlns:a14="http://schemas.microsoft.com/office/drawing/2010/main" Requires="a14">
+          <p:sp>
+            <p:nvSpPr>
+              <p:cNvPr id="14" name="TextBox 13"/>
+              <p:cNvSpPr txBox="1"/>
+              <p:nvPr/>
+            </p:nvSpPr>
+            <p:spPr>
+              <a:xfrm>
+                <a:off x="7582989" y="2254579"/>
+                <a:ext cx="4445897" cy="802079"/>
+              </a:xfrm>
+              <a:prstGeom prst="rect">
+                <a:avLst/>
+              </a:prstGeom>
+              <a:noFill/>
+            </p:spPr>
+            <p:txBody>
+              <a:bodyPr wrap="none" lIns="0" tIns="0" rIns="0" bIns="0" rtlCol="0">
+                <a:spAutoFit/>
+              </a:bodyPr>
+              <a:lstStyle/>
+              <a:p>
+                <a:pPr/>
+                <a14:m>
+                  <m:oMathPara xmlns:m="http://schemas.openxmlformats.org/officeDocument/2006/math">
+                    <m:oMathParaPr>
+                      <m:jc m:val="centerGroup"/>
+                    </m:oMathParaPr>
+                    <m:oMath xmlns:m="http://schemas.openxmlformats.org/officeDocument/2006/math">
+                      <m:r>
+                        <a:rPr lang="en-US" b="0" i="1" smtClean="0">
+                          <a:latin typeface="Cambria Math" panose="02040503050406030204" pitchFamily="18" charset="0"/>
+                        </a:rPr>
+                        <m:t>𝐴𝑐𝑐</m:t>
+                      </m:r>
+                      <m:r>
+                        <a:rPr lang="en-US" b="0" i="1" smtClean="0">
+                          <a:latin typeface="Cambria Math" panose="02040503050406030204" pitchFamily="18" charset="0"/>
+                        </a:rPr>
+                        <m:t>=</m:t>
+                      </m:r>
+                      <m:f>
+                        <m:fPr>
+                          <m:ctrlPr>
+                            <a:rPr lang="en-US" b="0" i="1" smtClean="0">
+                              <a:latin typeface="Cambria Math" panose="02040503050406030204" pitchFamily="18" charset="0"/>
+                            </a:rPr>
+                          </m:ctrlPr>
+                        </m:fPr>
+                        <m:num>
+                          <m:r>
+                            <a:rPr lang="en-US" b="0" i="1" smtClean="0">
+                              <a:latin typeface="Cambria Math" panose="02040503050406030204" pitchFamily="18" charset="0"/>
+                            </a:rPr>
+                            <m:t>𝑠𝑖𝑧𝑒</m:t>
+                          </m:r>
+                          <m:r>
+                            <a:rPr lang="en-US" b="0" i="1" smtClean="0">
+                              <a:latin typeface="Cambria Math" panose="02040503050406030204" pitchFamily="18" charset="0"/>
+                            </a:rPr>
+                            <m:t>([</m:t>
+                          </m:r>
+                          <m:r>
+                            <a:rPr lang="en-US" b="0" i="1" smtClean="0">
+                              <a:latin typeface="Cambria Math" panose="02040503050406030204" pitchFamily="18" charset="0"/>
+                            </a:rPr>
+                            <m:t>𝑎𝑏𝑠</m:t>
+                          </m:r>
+                          <m:d>
+                            <m:dPr>
+                              <m:ctrlPr>
+                                <a:rPr lang="en-US" b="0" i="1" smtClean="0">
+                                  <a:latin typeface="Cambria Math" panose="02040503050406030204" pitchFamily="18" charset="0"/>
+                                </a:rPr>
+                              </m:ctrlPr>
+                            </m:dPr>
+                            <m:e>
+                              <m:r>
+                                <a:rPr lang="en-US" b="0" i="1" smtClean="0">
+                                  <a:latin typeface="Cambria Math" panose="02040503050406030204" pitchFamily="18" charset="0"/>
+                                </a:rPr>
+                                <m:t>1 − </m:t>
+                              </m:r>
+                              <m:f>
+                                <m:fPr>
+                                  <m:ctrlPr>
+                                    <a:rPr lang="en-US" b="0" i="1" smtClean="0">
+                                      <a:latin typeface="Cambria Math" panose="02040503050406030204" pitchFamily="18" charset="0"/>
+                                    </a:rPr>
+                                  </m:ctrlPr>
+                                </m:fPr>
+                                <m:num>
+                                  <m:r>
+                                    <a:rPr lang="en-US" b="0" i="1" smtClean="0">
+                                      <a:latin typeface="Cambria Math" panose="02040503050406030204" pitchFamily="18" charset="0"/>
+                                    </a:rPr>
+                                    <m:t>𝑝𝑟𝑒𝑑𝑖𝑐𝑡𝑖𝑜𝑛</m:t>
+                                  </m:r>
+                                </m:num>
+                                <m:den>
+                                  <m:r>
+                                    <a:rPr lang="en-US" b="0" i="1" smtClean="0">
+                                      <a:latin typeface="Cambria Math" panose="02040503050406030204" pitchFamily="18" charset="0"/>
+                                    </a:rPr>
+                                    <m:t>𝑎𝑐𝑡𝑢𝑎𝑙</m:t>
+                                  </m:r>
+                                </m:den>
+                              </m:f>
+                            </m:e>
+                          </m:d>
+                          <m:r>
+                            <a:rPr lang="en-US" b="0" i="1" smtClean="0">
+                              <a:latin typeface="Cambria Math" panose="02040503050406030204" pitchFamily="18" charset="0"/>
+                            </a:rPr>
+                            <m:t>&lt;0.</m:t>
+                          </m:r>
+                          <m:r>
+                            <a:rPr lang="en-US" b="0" i="1" smtClean="0">
+                              <a:latin typeface="Cambria Math" panose="02040503050406030204" pitchFamily="18" charset="0"/>
+                            </a:rPr>
+                            <m:t>01</m:t>
+                          </m:r>
+                          <m:r>
+                            <a:rPr lang="en-US" b="0" i="1" smtClean="0">
+                              <a:latin typeface="Cambria Math" panose="02040503050406030204" pitchFamily="18" charset="0"/>
+                            </a:rPr>
+                            <m:t>])</m:t>
+                          </m:r>
+                        </m:num>
+                        <m:den>
+                          <m:r>
+                            <a:rPr lang="en-US" b="0" i="1" smtClean="0">
+                              <a:latin typeface="Cambria Math" panose="02040503050406030204" pitchFamily="18" charset="0"/>
+                            </a:rPr>
+                            <m:t>𝑠𝑖𝑧𝑒</m:t>
+                          </m:r>
+                          <m:r>
+                            <a:rPr lang="en-US" b="0" i="1" smtClean="0">
+                              <a:latin typeface="Cambria Math" panose="02040503050406030204" pitchFamily="18" charset="0"/>
+                            </a:rPr>
+                            <m:t>(</m:t>
+                          </m:r>
+                          <m:r>
+                            <a:rPr lang="en-US" b="0" i="1" smtClean="0">
+                              <a:latin typeface="Cambria Math" panose="02040503050406030204" pitchFamily="18" charset="0"/>
+                            </a:rPr>
+                            <m:t>𝑦</m:t>
+                          </m:r>
+                          <m:r>
+                            <a:rPr lang="en-US" b="0" i="1" smtClean="0">
+                              <a:latin typeface="Cambria Math" panose="02040503050406030204" pitchFamily="18" charset="0"/>
+                            </a:rPr>
+                            <m:t>.</m:t>
+                          </m:r>
+                          <m:r>
+                            <a:rPr lang="en-US" b="0" i="1" smtClean="0">
+                              <a:latin typeface="Cambria Math" panose="02040503050406030204" pitchFamily="18" charset="0"/>
+                            </a:rPr>
+                            <m:t>𝑡𝑒𝑠𝑡</m:t>
+                          </m:r>
+                          <m:r>
+                            <a:rPr lang="en-US" b="0" i="1" smtClean="0">
+                              <a:latin typeface="Cambria Math" panose="02040503050406030204" pitchFamily="18" charset="0"/>
+                            </a:rPr>
+                            <m:t>)</m:t>
+                          </m:r>
+                        </m:den>
+                      </m:f>
+                    </m:oMath>
+                  </m:oMathPara>
+                </a14:m>
+                <a:endParaRPr lang="en-US" dirty="0"/>
+              </a:p>
+            </p:txBody>
+          </p:sp>
+        </mc:Choice>
+        <mc:Fallback>
+          <p:sp>
+            <p:nvSpPr>
+              <p:cNvPr id="14" name="TextBox 13"/>
+              <p:cNvSpPr txBox="1">
+                <a:spLocks noRot="1" noChangeAspect="1" noMove="1" noResize="1" noEditPoints="1" noAdjustHandles="1" noChangeArrowheads="1" noChangeShapeType="1" noTextEdit="1"/>
+              </p:cNvSpPr>
+              <p:nvPr/>
+            </p:nvSpPr>
+            <p:spPr>
+              <a:xfrm>
+                <a:off x="7582989" y="2254579"/>
+                <a:ext cx="4445897" cy="802079"/>
+              </a:xfrm>
+              <a:prstGeom prst="rect">
+                <a:avLst/>
+              </a:prstGeom>
+              <a:blipFill rotWithShape="0">
+                <a:blip r:embed="rId2"/>
+                <a:stretch>
+                  <a:fillRect/>
+                </a:stretch>
+              </a:blipFill>
+            </p:spPr>
+            <p:txBody>
+              <a:bodyPr/>
+              <a:lstStyle/>
+              <a:p>
+                <a:r>
+                  <a:rPr lang="en-US">
+                    <a:noFill/>
+                  </a:rPr>
+                  <a:t> </a:t>
+                </a:r>
+              </a:p>
+            </p:txBody>
+          </p:sp>
+        </mc:Fallback>
+      </mc:AlternateContent>
+      <p:sp>
+        <p:nvSpPr>
+          <p:cNvPr id="15" name="TextBox 14"/>
+          <p:cNvSpPr txBox="1"/>
+          <p:nvPr/>
+        </p:nvSpPr>
+        <p:spPr>
+          <a:xfrm>
+            <a:off x="7582989" y="3918855"/>
+            <a:ext cx="4026230" cy="584775"/>
+          </a:xfrm>
+          <a:prstGeom prst="rect">
+            <a:avLst/>
+          </a:prstGeom>
+          <a:noFill/>
+        </p:spPr>
+        <p:txBody>
+          <a:bodyPr wrap="none" rtlCol="0">
+            <a:spAutoFit/>
+          </a:bodyPr>
+          <a:lstStyle/>
+          <a:p>
+            <a:r>
+              <a:rPr lang="en-US" sz="3200" dirty="0" err="1" smtClean="0">
+                <a:latin typeface="Cambria Math" panose="02040503050406030204" pitchFamily="18" charset="0"/>
+                <a:ea typeface="Cambria Math" panose="02040503050406030204" pitchFamily="18" charset="0"/>
+                <a:cs typeface="Arial" panose="020B0604020202020204" pitchFamily="34" charset="0"/>
+              </a:rPr>
+              <a:t>Độ</a:t>
+            </a:r>
+            <a:r>
+              <a:rPr lang="en-US" sz="3200" dirty="0" smtClean="0">
+                <a:latin typeface="Cambria Math" panose="02040503050406030204" pitchFamily="18" charset="0"/>
+                <a:ea typeface="Cambria Math" panose="02040503050406030204" pitchFamily="18" charset="0"/>
+                <a:cs typeface="Arial" panose="020B0604020202020204" pitchFamily="34" charset="0"/>
+              </a:rPr>
+              <a:t> </a:t>
+            </a:r>
+            <a:r>
+              <a:rPr lang="en-US" sz="3200" dirty="0" err="1" smtClean="0">
+                <a:latin typeface="Cambria Math" panose="02040503050406030204" pitchFamily="18" charset="0"/>
+                <a:ea typeface="Cambria Math" panose="02040503050406030204" pitchFamily="18" charset="0"/>
+                <a:cs typeface="Arial" panose="020B0604020202020204" pitchFamily="34" charset="0"/>
+              </a:rPr>
+              <a:t>chính</a:t>
+            </a:r>
+            <a:r>
+              <a:rPr lang="en-US" sz="3200" dirty="0" smtClean="0">
+                <a:latin typeface="Cambria Math" panose="02040503050406030204" pitchFamily="18" charset="0"/>
+                <a:ea typeface="Cambria Math" panose="02040503050406030204" pitchFamily="18" charset="0"/>
+                <a:cs typeface="Arial" panose="020B0604020202020204" pitchFamily="34" charset="0"/>
+              </a:rPr>
+              <a:t> </a:t>
+            </a:r>
+            <a:r>
+              <a:rPr lang="en-US" sz="3200" dirty="0" err="1" smtClean="0">
+                <a:latin typeface="Cambria Math" panose="02040503050406030204" pitchFamily="18" charset="0"/>
+                <a:ea typeface="Cambria Math" panose="02040503050406030204" pitchFamily="18" charset="0"/>
+                <a:cs typeface="Arial" panose="020B0604020202020204" pitchFamily="34" charset="0"/>
+              </a:rPr>
+              <a:t>xác</a:t>
+            </a:r>
+            <a:r>
+              <a:rPr lang="en-US" sz="3200" dirty="0" smtClean="0">
+                <a:latin typeface="Cambria Math" panose="02040503050406030204" pitchFamily="18" charset="0"/>
+                <a:ea typeface="Cambria Math" panose="02040503050406030204" pitchFamily="18" charset="0"/>
+                <a:cs typeface="Arial" panose="020B0604020202020204" pitchFamily="34" charset="0"/>
+              </a:rPr>
+              <a:t> : </a:t>
+            </a:r>
+            <a:r>
+              <a:rPr lang="en-US" sz="3200" b="1" dirty="0" smtClean="0">
+                <a:latin typeface="Cambria Math" panose="02040503050406030204" pitchFamily="18" charset="0"/>
+                <a:ea typeface="Cambria Math" panose="02040503050406030204" pitchFamily="18" charset="0"/>
+                <a:cs typeface="Arial" panose="020B0604020202020204" pitchFamily="34" charset="0"/>
+              </a:rPr>
+              <a:t>58</a:t>
+            </a:r>
+            <a:r>
+              <a:rPr lang="en-US" sz="3200" b="1" dirty="0" smtClean="0">
+                <a:latin typeface="Cambria Math" panose="02040503050406030204" pitchFamily="18" charset="0"/>
+                <a:ea typeface="Cambria Math" panose="02040503050406030204" pitchFamily="18" charset="0"/>
+                <a:cs typeface="Arial" panose="020B0604020202020204" pitchFamily="34" charset="0"/>
+              </a:rPr>
+              <a:t>,42%</a:t>
+            </a:r>
+            <a:endParaRPr lang="en-US" sz="3200" b="1" dirty="0">
+              <a:latin typeface="Cambria Math" panose="02040503050406030204" pitchFamily="18" charset="0"/>
+              <a:ea typeface="Cambria Math" panose="02040503050406030204" pitchFamily="18" charset="0"/>
+              <a:cs typeface="Arial" panose="020B0604020202020204" pitchFamily="34" charset="0"/>
+            </a:endParaRPr>
+          </a:p>
+        </p:txBody>
+      </p:sp>
+      <p:pic>
+        <p:nvPicPr>
+          <p:cNvPr id="3" name="Picture 2"/>
+          <p:cNvPicPr>
+            <a:picLocks noChangeAspect="1"/>
+          </p:cNvPicPr>
+          <p:nvPr/>
+        </p:nvPicPr>
+        <p:blipFill>
+          <a:blip r:embed="rId3">
+            <a:extLst>
+              <a:ext uri="{28A0092B-C50C-407E-A947-70E740481C1C}">
+                <a14:useLocalDpi xmlns:a14="http://schemas.microsoft.com/office/drawing/2010/main" val="0"/>
+              </a:ext>
+            </a:extLst>
+          </a:blip>
+          <a:stretch>
+            <a:fillRect/>
+          </a:stretch>
+        </p:blipFill>
+        <p:spPr>
+          <a:xfrm>
+            <a:off x="712805" y="1392382"/>
+            <a:ext cx="6453534" cy="5027753"/>
+          </a:xfrm>
+          <a:prstGeom prst="rect">
+            <a:avLst/>
+          </a:prstGeom>
+        </p:spPr>
+      </p:pic>
+    </p:spTree>
+    <p:extLst>
+      <p:ext uri="{BB962C8B-B14F-4D97-AF65-F5344CB8AC3E}">
+        <p14:creationId xmlns:p14="http://schemas.microsoft.com/office/powerpoint/2010/main" val="995790381"/>
+      </p:ext>
+    </p:extLst>
+  </p:cSld>
+  <p:clrMapOvr>
+    <a:masterClrMapping/>
+  </p:clrMapOvr>
+</p:sld>
+</file>
+
+<file path=ppt/slides/slide11.xml><?xml version="1.0" encoding="utf-8"?>
+<p:sld xmlns:a="http://schemas.openxmlformats.org/drawingml/2006/main" xmlns:r="http://schemas.openxmlformats.org/officeDocument/2006/relationships" xmlns:p="http://schemas.openxmlformats.org/presentationml/2006/main">
+  <p:cSld>
     <p:bg>
       <p:bgPr>
         <a:solidFill>
@@ -4153,7 +4595,7 @@
           <p:cNvPr id="15" name="Graphic 14" descr="Clipboard">
             <a:extLst>
               <a:ext uri="{FF2B5EF4-FFF2-40B4-BE49-F238E27FC236}">
-                <a16:creationId xmlns="" xmlns:a16="http://schemas.microsoft.com/office/drawing/2014/main" id="{2A123BD8-A09C-49C0-98E8-54B55610A928}"/>
+                <a16:creationId xmlns:a16="http://schemas.microsoft.com/office/drawing/2014/main" xmlns="" id="{2A123BD8-A09C-49C0-98E8-54B55610A928}"/>
               </a:ext>
             </a:extLst>
           </p:cNvPr>
@@ -4169,7 +4611,7 @@
                 <a14:useLocalDpi xmlns:a14="http://schemas.microsoft.com/office/drawing/2010/main" val="0"/>
               </a:ext>
               <a:ext uri="{96DAC541-7B7A-43D3-8B79-37D633B846F1}">
-                <asvg:svgBlip xmlns="" xmlns:asvg="http://schemas.microsoft.com/office/drawing/2016/SVG/main" r:embed="rId3"/>
+                <asvg:svgBlip xmlns:asvg="http://schemas.microsoft.com/office/drawing/2016/SVG/main" xmlns="" r:embed="rId3"/>
               </a:ext>
             </a:extLst>
           </a:blip>
@@ -4192,7 +4634,7 @@
           <p:cNvPr id="11" name="Graphic 10" descr="Microscope">
             <a:extLst>
               <a:ext uri="{FF2B5EF4-FFF2-40B4-BE49-F238E27FC236}">
-                <a16:creationId xmlns="" xmlns:a16="http://schemas.microsoft.com/office/drawing/2014/main" id="{3CB00449-E308-4DF3-9CFD-9A7D30B672DE}"/>
+                <a16:creationId xmlns:a16="http://schemas.microsoft.com/office/drawing/2014/main" xmlns="" id="{3CB00449-E308-4DF3-9CFD-9A7D30B672DE}"/>
               </a:ext>
             </a:extLst>
           </p:cNvPr>
@@ -4208,7 +4650,7 @@
                 <a14:useLocalDpi xmlns:a14="http://schemas.microsoft.com/office/drawing/2010/main" val="0"/>
               </a:ext>
               <a:ext uri="{96DAC541-7B7A-43D3-8B79-37D633B846F1}">
-                <asvg:svgBlip xmlns="" xmlns:asvg="http://schemas.microsoft.com/office/drawing/2016/SVG/main" r:embed="rId5"/>
+                <asvg:svgBlip xmlns:asvg="http://schemas.microsoft.com/office/drawing/2016/SVG/main" xmlns="" r:embed="rId5"/>
               </a:ext>
             </a:extLst>
           </a:blip>
@@ -4231,7 +4673,7 @@
           <p:cNvPr id="2" name="Title 1">
             <a:extLst>
               <a:ext uri="{FF2B5EF4-FFF2-40B4-BE49-F238E27FC236}">
-                <a16:creationId xmlns="" xmlns:a16="http://schemas.microsoft.com/office/drawing/2014/main" id="{F4B5F415-7490-4054-85B4-10F7AE6D3385}"/>
+                <a16:creationId xmlns:a16="http://schemas.microsoft.com/office/drawing/2014/main" xmlns="" id="{F4B5F415-7490-4054-85B4-10F7AE6D3385}"/>
               </a:ext>
             </a:extLst>
           </p:cNvPr>
@@ -4309,7 +4751,7 @@
               <a:t> nay…</a:t>
             </a:r>
             <a:r>
-              <a:rPr lang="en-US" sz="8000">
+              <a:rPr lang="en-US" sz="8000" dirty="0">
                 <a:solidFill>
                   <a:schemeClr val="bg1"/>
                 </a:solidFill>
@@ -4318,7 +4760,7 @@
               <a:t/>
             </a:r>
             <a:br>
-              <a:rPr lang="en-US" sz="8000">
+              <a:rPr lang="en-US" sz="8000" dirty="0">
                 <a:solidFill>
                   <a:schemeClr val="bg1"/>
                 </a:solidFill>
@@ -4326,17 +4768,17 @@
               </a:rPr>
             </a:br>
             <a:r>
-              <a:rPr lang="en-US" sz="8000" smtClean="0">
-                <a:solidFill>
-                  <a:schemeClr val="bg1"/>
+              <a:rPr lang="en-US" sz="8000" dirty="0" smtClean="0">
+                <a:solidFill>
+                  <a:srgbClr val="FFFF00"/>
                 </a:solidFill>
                 <a:latin typeface="Arial" panose="020B0604020202020204" pitchFamily="34" charset="0"/>
               </a:rPr>
-              <a:t>!</a:t>
+              <a:t>92.052849!</a:t>
             </a:r>
             <a:endParaRPr lang="en-US" sz="8000" dirty="0">
               <a:solidFill>
-                <a:schemeClr val="bg1"/>
+                <a:srgbClr val="FFFF00"/>
               </a:solidFill>
               <a:latin typeface="Arial" panose="020B0604020202020204" pitchFamily="34" charset="0"/>
             </a:endParaRPr>
@@ -4348,7 +4790,7 @@
           <p:cNvPr id="3" name="Subtitle 2">
             <a:extLst>
               <a:ext uri="{FF2B5EF4-FFF2-40B4-BE49-F238E27FC236}">
-                <a16:creationId xmlns="" xmlns:a16="http://schemas.microsoft.com/office/drawing/2014/main" id="{D05F6415-1E7C-453D-B6B7-DBF76BDA691B}"/>
+                <a16:creationId xmlns:a16="http://schemas.microsoft.com/office/drawing/2014/main" xmlns="" id="{D05F6415-1E7C-453D-B6B7-DBF76BDA691B}"/>
               </a:ext>
             </a:extLst>
           </p:cNvPr>
@@ -4596,10 +5038,10 @@
           <p:cNvPr id="5" name="Straight Connector 4">
             <a:extLst>
               <a:ext uri="{FF2B5EF4-FFF2-40B4-BE49-F238E27FC236}">
-                <a16:creationId xmlns="" xmlns:a16="http://schemas.microsoft.com/office/drawing/2014/main" id="{AA65E432-C1E6-4C36-BF8E-2DA25E65DC32}"/>
+                <a16:creationId xmlns:a16="http://schemas.microsoft.com/office/drawing/2014/main" xmlns="" id="{AA65E432-C1E6-4C36-BF8E-2DA25E65DC32}"/>
               </a:ext>
               <a:ext uri="{C183D7F6-B498-43B3-948B-1728B52AA6E4}">
-                <adec:decorative xmlns="" xmlns:adec="http://schemas.microsoft.com/office/drawing/2017/decorative" val="1"/>
+                <adec:decorative xmlns:adec="http://schemas.microsoft.com/office/drawing/2017/decorative" xmlns="" val="1"/>
               </a:ext>
             </a:extLst>
           </p:cNvPr>
@@ -4640,7 +5082,7 @@
           <p:cNvPr id="7" name="Graphic 6" descr="Beaker">
             <a:extLst>
               <a:ext uri="{FF2B5EF4-FFF2-40B4-BE49-F238E27FC236}">
-                <a16:creationId xmlns="" xmlns:a16="http://schemas.microsoft.com/office/drawing/2014/main" id="{88D22565-F42F-439B-A6A4-CF161165E6B6}"/>
+                <a16:creationId xmlns:a16="http://schemas.microsoft.com/office/drawing/2014/main" xmlns="" id="{88D22565-F42F-439B-A6A4-CF161165E6B6}"/>
               </a:ext>
             </a:extLst>
           </p:cNvPr>
@@ -4656,7 +5098,7 @@
                 <a14:useLocalDpi xmlns:a14="http://schemas.microsoft.com/office/drawing/2010/main" val="0"/>
               </a:ext>
               <a:ext uri="{96DAC541-7B7A-43D3-8B79-37D633B846F1}">
-                <asvg:svgBlip xmlns="" xmlns:asvg="http://schemas.microsoft.com/office/drawing/2016/SVG/main" r:embed="rId7"/>
+                <asvg:svgBlip xmlns:asvg="http://schemas.microsoft.com/office/drawing/2016/SVG/main" xmlns="" r:embed="rId7"/>
               </a:ext>
             </a:extLst>
           </a:blip>
@@ -4679,7 +5121,7 @@
           <p:cNvPr id="9" name="Graphic 8" descr="Flask">
             <a:extLst>
               <a:ext uri="{FF2B5EF4-FFF2-40B4-BE49-F238E27FC236}">
-                <a16:creationId xmlns="" xmlns:a16="http://schemas.microsoft.com/office/drawing/2014/main" id="{B46E3E84-D1E6-4422-AA93-3EE98A821B98}"/>
+                <a16:creationId xmlns:a16="http://schemas.microsoft.com/office/drawing/2014/main" xmlns="" id="{B46E3E84-D1E6-4422-AA93-3EE98A821B98}"/>
               </a:ext>
             </a:extLst>
           </p:cNvPr>
@@ -4695,7 +5137,7 @@
                 <a14:useLocalDpi xmlns:a14="http://schemas.microsoft.com/office/drawing/2010/main" val="0"/>
               </a:ext>
               <a:ext uri="{96DAC541-7B7A-43D3-8B79-37D633B846F1}">
-                <asvg:svgBlip xmlns="" xmlns:asvg="http://schemas.microsoft.com/office/drawing/2016/SVG/main" r:embed="rId9"/>
+                <asvg:svgBlip xmlns:asvg="http://schemas.microsoft.com/office/drawing/2016/SVG/main" xmlns="" r:embed="rId9"/>
               </a:ext>
             </a:extLst>
           </a:blip>
@@ -4718,7 +5160,7 @@
           <p:cNvPr id="13" name="Graphic 12" descr="Test tubes">
             <a:extLst>
               <a:ext uri="{FF2B5EF4-FFF2-40B4-BE49-F238E27FC236}">
-                <a16:creationId xmlns="" xmlns:a16="http://schemas.microsoft.com/office/drawing/2014/main" id="{6A56DF0C-1331-406E-AEE6-06E0E59FB9A8}"/>
+                <a16:creationId xmlns:a16="http://schemas.microsoft.com/office/drawing/2014/main" xmlns="" id="{6A56DF0C-1331-406E-AEE6-06E0E59FB9A8}"/>
               </a:ext>
             </a:extLst>
           </p:cNvPr>
@@ -4734,7 +5176,7 @@
                 <a14:useLocalDpi xmlns:a14="http://schemas.microsoft.com/office/drawing/2010/main" val="0"/>
               </a:ext>
               <a:ext uri="{96DAC541-7B7A-43D3-8B79-37D633B846F1}">
-                <asvg:svgBlip xmlns="" xmlns:asvg="http://schemas.microsoft.com/office/drawing/2016/SVG/main" r:embed="rId11"/>
+                <asvg:svgBlip xmlns:asvg="http://schemas.microsoft.com/office/drawing/2016/SVG/main" xmlns="" r:embed="rId11"/>
               </a:ext>
             </a:extLst>
           </a:blip>
@@ -4757,7 +5199,7 @@
           <p:cNvPr id="19" name="Graphic 18" descr="Ruler">
             <a:extLst>
               <a:ext uri="{FF2B5EF4-FFF2-40B4-BE49-F238E27FC236}">
-                <a16:creationId xmlns="" xmlns:a16="http://schemas.microsoft.com/office/drawing/2014/main" id="{39130E3C-1E93-4315-AE76-13C55147DCF2}"/>
+                <a16:creationId xmlns:a16="http://schemas.microsoft.com/office/drawing/2014/main" xmlns="" id="{39130E3C-1E93-4315-AE76-13C55147DCF2}"/>
               </a:ext>
             </a:extLst>
           </p:cNvPr>
@@ -4773,7 +5215,7 @@
                 <a14:useLocalDpi xmlns:a14="http://schemas.microsoft.com/office/drawing/2010/main" val="0"/>
               </a:ext>
               <a:ext uri="{96DAC541-7B7A-43D3-8B79-37D633B846F1}">
-                <asvg:svgBlip xmlns="" xmlns:asvg="http://schemas.microsoft.com/office/drawing/2016/SVG/main" r:embed="rId13"/>
+                <asvg:svgBlip xmlns:asvg="http://schemas.microsoft.com/office/drawing/2016/SVG/main" xmlns="" r:embed="rId13"/>
               </a:ext>
             </a:extLst>
           </a:blip>
@@ -4796,7 +5238,7 @@
           <p:cNvPr id="21" name="Graphic 20" descr="Pencil">
             <a:extLst>
               <a:ext uri="{FF2B5EF4-FFF2-40B4-BE49-F238E27FC236}">
-                <a16:creationId xmlns="" xmlns:a16="http://schemas.microsoft.com/office/drawing/2014/main" id="{FFEC1660-205F-490E-800A-0D57D250BAE4}"/>
+                <a16:creationId xmlns:a16="http://schemas.microsoft.com/office/drawing/2014/main" xmlns="" id="{FFEC1660-205F-490E-800A-0D57D250BAE4}"/>
               </a:ext>
             </a:extLst>
           </p:cNvPr>
@@ -4812,7 +5254,7 @@
                 <a14:useLocalDpi xmlns:a14="http://schemas.microsoft.com/office/drawing/2010/main" val="0"/>
               </a:ext>
               <a:ext uri="{96DAC541-7B7A-43D3-8B79-37D633B846F1}">
-                <asvg:svgBlip xmlns="" xmlns:asvg="http://schemas.microsoft.com/office/drawing/2016/SVG/main" r:embed="rId15"/>
+                <asvg:svgBlip xmlns:asvg="http://schemas.microsoft.com/office/drawing/2016/SVG/main" xmlns="" r:embed="rId15"/>
               </a:ext>
             </a:extLst>
           </a:blip>
@@ -4830,6 +5272,381 @@
           </a:prstGeom>
         </p:spPr>
       </p:pic>
+      <p:sp>
+        <p:nvSpPr>
+          <p:cNvPr id="16" name="Subtitle 2">
+            <a:extLst>
+              <a:ext uri="{FF2B5EF4-FFF2-40B4-BE49-F238E27FC236}">
+                <a16:creationId xmlns:a16="http://schemas.microsoft.com/office/drawing/2014/main" xmlns="" id="{D05F6415-1E7C-453D-B6B7-DBF76BDA691B}"/>
+              </a:ext>
+            </a:extLst>
+          </p:cNvPr>
+          <p:cNvSpPr txBox="1">
+            <a:spLocks/>
+          </p:cNvSpPr>
+          <p:nvPr/>
+        </p:nvSpPr>
+        <p:spPr>
+          <a:xfrm>
+            <a:off x="3922577" y="5739280"/>
+            <a:ext cx="9144000" cy="1655762"/>
+          </a:xfrm>
+          <a:prstGeom prst="rect">
+            <a:avLst/>
+          </a:prstGeom>
+        </p:spPr>
+        <p:txBody>
+          <a:bodyPr vert="horz" lIns="91440" tIns="45720" rIns="91440" bIns="45720" rtlCol="0">
+            <a:normAutofit/>
+          </a:bodyPr>
+          <a:lstStyle>
+            <a:lvl1pPr marL="0" indent="0" algn="ctr" defTabSz="914400" rtl="0" eaLnBrk="1" latinLnBrk="0" hangingPunct="1">
+              <a:lnSpc>
+                <a:spcPct val="90000"/>
+              </a:lnSpc>
+              <a:spcBef>
+                <a:spcPts val="1000"/>
+              </a:spcBef>
+              <a:buFont typeface="Arial" panose="020B0604020202020204" pitchFamily="34" charset="0"/>
+              <a:buNone/>
+              <a:defRPr sz="2400" kern="1200">
+                <a:solidFill>
+                  <a:schemeClr val="tx1"/>
+                </a:solidFill>
+                <a:latin typeface="+mn-lt"/>
+                <a:ea typeface="+mn-ea"/>
+                <a:cs typeface="+mn-cs"/>
+              </a:defRPr>
+            </a:lvl1pPr>
+            <a:lvl2pPr marL="457200" indent="0" algn="ctr" defTabSz="914400" rtl="0" eaLnBrk="1" latinLnBrk="0" hangingPunct="1">
+              <a:lnSpc>
+                <a:spcPct val="90000"/>
+              </a:lnSpc>
+              <a:spcBef>
+                <a:spcPts val="500"/>
+              </a:spcBef>
+              <a:buFont typeface="Arial" panose="020B0604020202020204" pitchFamily="34" charset="0"/>
+              <a:buNone/>
+              <a:defRPr sz="2000" kern="1200">
+                <a:solidFill>
+                  <a:schemeClr val="tx1"/>
+                </a:solidFill>
+                <a:latin typeface="+mn-lt"/>
+                <a:ea typeface="+mn-ea"/>
+                <a:cs typeface="+mn-cs"/>
+              </a:defRPr>
+            </a:lvl2pPr>
+            <a:lvl3pPr marL="914400" indent="0" algn="ctr" defTabSz="914400" rtl="0" eaLnBrk="1" latinLnBrk="0" hangingPunct="1">
+              <a:lnSpc>
+                <a:spcPct val="90000"/>
+              </a:lnSpc>
+              <a:spcBef>
+                <a:spcPts val="500"/>
+              </a:spcBef>
+              <a:buFont typeface="Arial" panose="020B0604020202020204" pitchFamily="34" charset="0"/>
+              <a:buNone/>
+              <a:defRPr sz="1800" kern="1200">
+                <a:solidFill>
+                  <a:schemeClr val="tx1"/>
+                </a:solidFill>
+                <a:latin typeface="+mn-lt"/>
+                <a:ea typeface="+mn-ea"/>
+                <a:cs typeface="+mn-cs"/>
+              </a:defRPr>
+            </a:lvl3pPr>
+            <a:lvl4pPr marL="1371600" indent="0" algn="ctr" defTabSz="914400" rtl="0" eaLnBrk="1" latinLnBrk="0" hangingPunct="1">
+              <a:lnSpc>
+                <a:spcPct val="90000"/>
+              </a:lnSpc>
+              <a:spcBef>
+                <a:spcPts val="500"/>
+              </a:spcBef>
+              <a:buFont typeface="Arial" panose="020B0604020202020204" pitchFamily="34" charset="0"/>
+              <a:buNone/>
+              <a:defRPr sz="1600" kern="1200">
+                <a:solidFill>
+                  <a:schemeClr val="tx1"/>
+                </a:solidFill>
+                <a:latin typeface="+mn-lt"/>
+                <a:ea typeface="+mn-ea"/>
+                <a:cs typeface="+mn-cs"/>
+              </a:defRPr>
+            </a:lvl4pPr>
+            <a:lvl5pPr marL="1828800" indent="0" algn="ctr" defTabSz="914400" rtl="0" eaLnBrk="1" latinLnBrk="0" hangingPunct="1">
+              <a:lnSpc>
+                <a:spcPct val="90000"/>
+              </a:lnSpc>
+              <a:spcBef>
+                <a:spcPts val="500"/>
+              </a:spcBef>
+              <a:buFont typeface="Arial" panose="020B0604020202020204" pitchFamily="34" charset="0"/>
+              <a:buNone/>
+              <a:defRPr sz="1600" kern="1200">
+                <a:solidFill>
+                  <a:schemeClr val="tx1"/>
+                </a:solidFill>
+                <a:latin typeface="+mn-lt"/>
+                <a:ea typeface="+mn-ea"/>
+                <a:cs typeface="+mn-cs"/>
+              </a:defRPr>
+            </a:lvl5pPr>
+            <a:lvl6pPr marL="2286000" indent="0" algn="ctr" defTabSz="914400" rtl="0" eaLnBrk="1" latinLnBrk="0" hangingPunct="1">
+              <a:lnSpc>
+                <a:spcPct val="90000"/>
+              </a:lnSpc>
+              <a:spcBef>
+                <a:spcPts val="500"/>
+              </a:spcBef>
+              <a:buFont typeface="Arial" panose="020B0604020202020204" pitchFamily="34" charset="0"/>
+              <a:buNone/>
+              <a:defRPr sz="1600" kern="1200">
+                <a:solidFill>
+                  <a:schemeClr val="tx1"/>
+                </a:solidFill>
+                <a:latin typeface="+mn-lt"/>
+                <a:ea typeface="+mn-ea"/>
+                <a:cs typeface="+mn-cs"/>
+              </a:defRPr>
+            </a:lvl6pPr>
+            <a:lvl7pPr marL="2743200" indent="0" algn="ctr" defTabSz="914400" rtl="0" eaLnBrk="1" latinLnBrk="0" hangingPunct="1">
+              <a:lnSpc>
+                <a:spcPct val="90000"/>
+              </a:lnSpc>
+              <a:spcBef>
+                <a:spcPts val="500"/>
+              </a:spcBef>
+              <a:buFont typeface="Arial" panose="020B0604020202020204" pitchFamily="34" charset="0"/>
+              <a:buNone/>
+              <a:defRPr sz="1600" kern="1200">
+                <a:solidFill>
+                  <a:schemeClr val="tx1"/>
+                </a:solidFill>
+                <a:latin typeface="+mn-lt"/>
+                <a:ea typeface="+mn-ea"/>
+                <a:cs typeface="+mn-cs"/>
+              </a:defRPr>
+            </a:lvl7pPr>
+            <a:lvl8pPr marL="3200400" indent="0" algn="ctr" defTabSz="914400" rtl="0" eaLnBrk="1" latinLnBrk="0" hangingPunct="1">
+              <a:lnSpc>
+                <a:spcPct val="90000"/>
+              </a:lnSpc>
+              <a:spcBef>
+                <a:spcPts val="500"/>
+              </a:spcBef>
+              <a:buFont typeface="Arial" panose="020B0604020202020204" pitchFamily="34" charset="0"/>
+              <a:buNone/>
+              <a:defRPr sz="1600" kern="1200">
+                <a:solidFill>
+                  <a:schemeClr val="tx1"/>
+                </a:solidFill>
+                <a:latin typeface="+mn-lt"/>
+                <a:ea typeface="+mn-ea"/>
+                <a:cs typeface="+mn-cs"/>
+              </a:defRPr>
+            </a:lvl8pPr>
+            <a:lvl9pPr marL="3657600" indent="0" algn="ctr" defTabSz="914400" rtl="0" eaLnBrk="1" latinLnBrk="0" hangingPunct="1">
+              <a:lnSpc>
+                <a:spcPct val="90000"/>
+              </a:lnSpc>
+              <a:spcBef>
+                <a:spcPts val="500"/>
+              </a:spcBef>
+              <a:buFont typeface="Arial" panose="020B0604020202020204" pitchFamily="34" charset="0"/>
+              <a:buNone/>
+              <a:defRPr sz="1600" kern="1200">
+                <a:solidFill>
+                  <a:schemeClr val="tx1"/>
+                </a:solidFill>
+                <a:latin typeface="+mn-lt"/>
+                <a:ea typeface="+mn-ea"/>
+                <a:cs typeface="+mn-cs"/>
+              </a:defRPr>
+            </a:lvl9pPr>
+          </a:lstStyle>
+          <a:p>
+            <a:r>
+              <a:rPr lang="en-US" sz="3600" i="1" dirty="0" err="1" smtClean="0">
+                <a:solidFill>
+                  <a:schemeClr val="accent2">
+                    <a:lumMod val="40000"/>
+                    <a:lumOff val="60000"/>
+                  </a:schemeClr>
+                </a:solidFill>
+                <a:latin typeface="Tahoma" panose="020B0604030504040204" pitchFamily="34" charset="0"/>
+                <a:ea typeface="Tahoma" panose="020B0604030504040204" pitchFamily="34" charset="0"/>
+                <a:cs typeface="Tahoma" panose="020B0604030504040204" pitchFamily="34" charset="0"/>
+              </a:rPr>
+              <a:t>Giá</a:t>
+            </a:r>
+            <a:r>
+              <a:rPr lang="en-US" sz="3600" i="1" dirty="0" smtClean="0">
+                <a:solidFill>
+                  <a:schemeClr val="accent2">
+                    <a:lumMod val="40000"/>
+                    <a:lumOff val="60000"/>
+                  </a:schemeClr>
+                </a:solidFill>
+                <a:latin typeface="Tahoma" panose="020B0604030504040204" pitchFamily="34" charset="0"/>
+                <a:ea typeface="Tahoma" panose="020B0604030504040204" pitchFamily="34" charset="0"/>
+                <a:cs typeface="Tahoma" panose="020B0604030504040204" pitchFamily="34" charset="0"/>
+              </a:rPr>
+              <a:t> </a:t>
+            </a:r>
+            <a:r>
+              <a:rPr lang="en-US" sz="3600" i="1" dirty="0" err="1" smtClean="0">
+                <a:solidFill>
+                  <a:schemeClr val="accent2">
+                    <a:lumMod val="40000"/>
+                    <a:lumOff val="60000"/>
+                  </a:schemeClr>
+                </a:solidFill>
+                <a:latin typeface="Tahoma" panose="020B0604030504040204" pitchFamily="34" charset="0"/>
+                <a:ea typeface="Tahoma" panose="020B0604030504040204" pitchFamily="34" charset="0"/>
+                <a:cs typeface="Tahoma" panose="020B0604030504040204" pitchFamily="34" charset="0"/>
+              </a:rPr>
+              <a:t>vàng</a:t>
+            </a:r>
+            <a:r>
+              <a:rPr lang="en-US" sz="3600" i="1" dirty="0" smtClean="0">
+                <a:solidFill>
+                  <a:schemeClr val="accent2">
+                    <a:lumMod val="40000"/>
+                    <a:lumOff val="60000"/>
+                  </a:schemeClr>
+                </a:solidFill>
+                <a:latin typeface="Tahoma" panose="020B0604030504040204" pitchFamily="34" charset="0"/>
+                <a:ea typeface="Tahoma" panose="020B0604030504040204" pitchFamily="34" charset="0"/>
+                <a:cs typeface="Tahoma" panose="020B0604030504040204" pitchFamily="34" charset="0"/>
+              </a:rPr>
+              <a:t> 7 </a:t>
+            </a:r>
+            <a:r>
+              <a:rPr lang="en-US" sz="3600" i="1" dirty="0" err="1" smtClean="0">
+                <a:solidFill>
+                  <a:schemeClr val="accent2">
+                    <a:lumMod val="40000"/>
+                    <a:lumOff val="60000"/>
+                  </a:schemeClr>
+                </a:solidFill>
+                <a:latin typeface="Tahoma" panose="020B0604030504040204" pitchFamily="34" charset="0"/>
+                <a:ea typeface="Tahoma" panose="020B0604030504040204" pitchFamily="34" charset="0"/>
+                <a:cs typeface="Tahoma" panose="020B0604030504040204" pitchFamily="34" charset="0"/>
+              </a:rPr>
+              <a:t>ngày</a:t>
+            </a:r>
+            <a:r>
+              <a:rPr lang="en-US" sz="3600" i="1" dirty="0" smtClean="0">
+                <a:solidFill>
+                  <a:schemeClr val="accent2">
+                    <a:lumMod val="40000"/>
+                    <a:lumOff val="60000"/>
+                  </a:schemeClr>
+                </a:solidFill>
+                <a:latin typeface="Tahoma" panose="020B0604030504040204" pitchFamily="34" charset="0"/>
+                <a:ea typeface="Tahoma" panose="020B0604030504040204" pitchFamily="34" charset="0"/>
+                <a:cs typeface="Tahoma" panose="020B0604030504040204" pitchFamily="34" charset="0"/>
+              </a:rPr>
+              <a:t> </a:t>
+            </a:r>
+            <a:r>
+              <a:rPr lang="en-US" sz="3600" i="1" dirty="0" err="1" smtClean="0">
+                <a:solidFill>
+                  <a:schemeClr val="accent2">
+                    <a:lumMod val="40000"/>
+                    <a:lumOff val="60000"/>
+                  </a:schemeClr>
+                </a:solidFill>
+                <a:latin typeface="Tahoma" panose="020B0604030504040204" pitchFamily="34" charset="0"/>
+                <a:ea typeface="Tahoma" panose="020B0604030504040204" pitchFamily="34" charset="0"/>
+                <a:cs typeface="Tahoma" panose="020B0604030504040204" pitchFamily="34" charset="0"/>
+              </a:rPr>
+              <a:t>tiếp</a:t>
+            </a:r>
+            <a:r>
+              <a:rPr lang="en-US" sz="3600" i="1" dirty="0" smtClean="0">
+                <a:solidFill>
+                  <a:schemeClr val="accent2">
+                    <a:lumMod val="40000"/>
+                    <a:lumOff val="60000"/>
+                  </a:schemeClr>
+                </a:solidFill>
+                <a:latin typeface="Tahoma" panose="020B0604030504040204" pitchFamily="34" charset="0"/>
+                <a:ea typeface="Tahoma" panose="020B0604030504040204" pitchFamily="34" charset="0"/>
+                <a:cs typeface="Tahoma" panose="020B0604030504040204" pitchFamily="34" charset="0"/>
+              </a:rPr>
+              <a:t> </a:t>
+            </a:r>
+            <a:r>
+              <a:rPr lang="en-US" sz="3600" i="1" dirty="0" err="1" smtClean="0">
+                <a:solidFill>
+                  <a:schemeClr val="accent2">
+                    <a:lumMod val="40000"/>
+                    <a:lumOff val="60000"/>
+                  </a:schemeClr>
+                </a:solidFill>
+                <a:latin typeface="Tahoma" panose="020B0604030504040204" pitchFamily="34" charset="0"/>
+                <a:ea typeface="Tahoma" panose="020B0604030504040204" pitchFamily="34" charset="0"/>
+                <a:cs typeface="Tahoma" panose="020B0604030504040204" pitchFamily="34" charset="0"/>
+              </a:rPr>
+              <a:t>theo</a:t>
+            </a:r>
+            <a:r>
+              <a:rPr lang="en-US" sz="3600" i="1" dirty="0" smtClean="0">
+                <a:solidFill>
+                  <a:schemeClr val="accent2">
+                    <a:lumMod val="40000"/>
+                    <a:lumOff val="60000"/>
+                  </a:schemeClr>
+                </a:solidFill>
+                <a:latin typeface="Tahoma" panose="020B0604030504040204" pitchFamily="34" charset="0"/>
+                <a:ea typeface="Tahoma" panose="020B0604030504040204" pitchFamily="34" charset="0"/>
+                <a:cs typeface="Tahoma" panose="020B0604030504040204" pitchFamily="34" charset="0"/>
+              </a:rPr>
+              <a:t> </a:t>
+            </a:r>
+            <a:r>
+              <a:rPr lang="en-US" sz="3600" i="1" dirty="0" smtClean="0">
+                <a:solidFill>
+                  <a:schemeClr val="accent2">
+                    <a:lumMod val="40000"/>
+                    <a:lumOff val="60000"/>
+                  </a:schemeClr>
+                </a:solidFill>
+                <a:latin typeface="Tahoma" panose="020B0604030504040204" pitchFamily="34" charset="0"/>
+                <a:ea typeface="Tahoma" panose="020B0604030504040204" pitchFamily="34" charset="0"/>
+                <a:cs typeface="Tahoma" panose="020B0604030504040204" pitchFamily="34" charset="0"/>
+                <a:sym typeface="Wingdings" panose="05000000000000000000" pitchFamily="2" charset="2"/>
+              </a:rPr>
+              <a:t></a:t>
+            </a:r>
+            <a:r>
+              <a:rPr lang="en-US" sz="3600" i="1" dirty="0" smtClean="0">
+                <a:solidFill>
+                  <a:schemeClr val="accent2">
+                    <a:lumMod val="40000"/>
+                    <a:lumOff val="60000"/>
+                  </a:schemeClr>
+                </a:solidFill>
+                <a:latin typeface="Tahoma" panose="020B0604030504040204" pitchFamily="34" charset="0"/>
+                <a:ea typeface="Tahoma" panose="020B0604030504040204" pitchFamily="34" charset="0"/>
+                <a:cs typeface="Tahoma" panose="020B0604030504040204" pitchFamily="34" charset="0"/>
+              </a:rPr>
+              <a:t> </a:t>
+            </a:r>
+            <a:endParaRPr lang="en-US" sz="3600" i="1" dirty="0">
+              <a:solidFill>
+                <a:schemeClr val="accent2">
+                  <a:lumMod val="40000"/>
+                  <a:lumOff val="60000"/>
+                </a:schemeClr>
+              </a:solidFill>
+              <a:latin typeface="Tahoma" panose="020B0604030504040204" pitchFamily="34" charset="0"/>
+              <a:ea typeface="Tahoma" panose="020B0604030504040204" pitchFamily="34" charset="0"/>
+              <a:cs typeface="Tahoma" panose="020B0604030504040204" pitchFamily="34" charset="0"/>
+            </a:endParaRPr>
+          </a:p>
+        </p:txBody>
+      </p:sp>
     </p:spTree>
     <p:extLst>
       <p:ext uri="{BB962C8B-B14F-4D97-AF65-F5344CB8AC3E}">
@@ -4865,7 +5682,7 @@
           <p:cNvPr id="2" name="Title 1">
             <a:extLst>
               <a:ext uri="{FF2B5EF4-FFF2-40B4-BE49-F238E27FC236}">
-                <a16:creationId xmlns="" xmlns:a16="http://schemas.microsoft.com/office/drawing/2014/main" id="{10742257-3980-4551-868A-26DC3CB821EE}"/>
+                <a16:creationId xmlns:a16="http://schemas.microsoft.com/office/drawing/2014/main" xmlns="" id="{10742257-3980-4551-868A-26DC3CB821EE}"/>
               </a:ext>
             </a:extLst>
           </p:cNvPr>
@@ -4913,7 +5730,7 @@
           <p:cNvPr id="3" name="Content Placeholder 2">
             <a:extLst>
               <a:ext uri="{FF2B5EF4-FFF2-40B4-BE49-F238E27FC236}">
-                <a16:creationId xmlns="" xmlns:a16="http://schemas.microsoft.com/office/drawing/2014/main" id="{B57E0B0F-4D29-4786-B2AB-B84D9F8B5429}"/>
+                <a16:creationId xmlns:a16="http://schemas.microsoft.com/office/drawing/2014/main" xmlns="" id="{B57E0B0F-4D29-4786-B2AB-B84D9F8B5429}"/>
               </a:ext>
             </a:extLst>
           </p:cNvPr>
@@ -5025,10 +5842,10 @@
                 <a:ea typeface="Tahoma"/>
                 <a:cs typeface="Tahoma"/>
               </a:rPr>
-              <a:t> 29 </a:t>
-            </a:r>
-            <a:r>
-              <a:rPr lang="en-US" sz="2400" dirty="0" err="1" smtClean="0">
+              <a:t> (Gold ETF) </a:t>
+            </a:r>
+            <a:r>
+              <a:rPr lang="en-US" sz="2400" dirty="0" smtClean="0">
                 <a:solidFill>
                   <a:schemeClr val="accent5">
                     <a:lumMod val="50000"/>
@@ -5038,10 +5855,10 @@
                 <a:ea typeface="Tahoma"/>
                 <a:cs typeface="Tahoma"/>
               </a:rPr>
-              <a:t>ngày</a:t>
-            </a:r>
-            <a:r>
-              <a:rPr lang="en-US" sz="2400" dirty="0" smtClean="0">
+              <a:t>29 </a:t>
+            </a:r>
+            <a:r>
+              <a:rPr lang="en-US" sz="2400" dirty="0" err="1" smtClean="0">
                 <a:solidFill>
                   <a:schemeClr val="accent5">
                     <a:lumMod val="50000"/>
@@ -5051,10 +5868,10 @@
                 <a:ea typeface="Tahoma"/>
                 <a:cs typeface="Tahoma"/>
               </a:rPr>
-              <a:t> </a:t>
-            </a:r>
-            <a:r>
-              <a:rPr lang="en-US" sz="2400" dirty="0" err="1" smtClean="0">
+              <a:t>ngày</a:t>
+            </a:r>
+            <a:r>
+              <a:rPr lang="en-US" sz="2400" dirty="0" smtClean="0">
                 <a:solidFill>
                   <a:schemeClr val="accent5">
                     <a:lumMod val="50000"/>
@@ -5064,10 +5881,10 @@
                 <a:ea typeface="Tahoma"/>
                 <a:cs typeface="Tahoma"/>
               </a:rPr>
-              <a:t>gần</a:t>
-            </a:r>
-            <a:r>
-              <a:rPr lang="en-US" sz="2400" dirty="0" smtClean="0">
+              <a:t> </a:t>
+            </a:r>
+            <a:r>
+              <a:rPr lang="en-US" sz="2400" dirty="0" err="1" smtClean="0">
                 <a:solidFill>
                   <a:schemeClr val="accent5">
                     <a:lumMod val="50000"/>
@@ -5077,10 +5894,10 @@
                 <a:ea typeface="Tahoma"/>
                 <a:cs typeface="Tahoma"/>
               </a:rPr>
-              <a:t> </a:t>
-            </a:r>
-            <a:r>
-              <a:rPr lang="en-US" sz="2400" dirty="0" err="1" smtClean="0">
+              <a:t>gần</a:t>
+            </a:r>
+            <a:r>
+              <a:rPr lang="en-US" sz="2400" dirty="0" smtClean="0">
                 <a:solidFill>
                   <a:schemeClr val="accent5">
                     <a:lumMod val="50000"/>
@@ -5090,10 +5907,10 @@
                 <a:ea typeface="Tahoma"/>
                 <a:cs typeface="Tahoma"/>
               </a:rPr>
-              <a:t>đây</a:t>
-            </a:r>
-            <a:r>
-              <a:rPr lang="en-US" sz="2400" dirty="0" smtClean="0">
+              <a:t> </a:t>
+            </a:r>
+            <a:r>
+              <a:rPr lang="en-US" sz="2400" dirty="0" err="1" smtClean="0">
                 <a:solidFill>
                   <a:schemeClr val="accent5">
                     <a:lumMod val="50000"/>
@@ -5103,10 +5920,10 @@
                 <a:ea typeface="Tahoma"/>
                 <a:cs typeface="Tahoma"/>
               </a:rPr>
-              <a:t>, </a:t>
-            </a:r>
-            <a:r>
-              <a:rPr lang="en-US" sz="2400" dirty="0">
+              <a:t>đây</a:t>
+            </a:r>
+            <a:r>
+              <a:rPr lang="en-US" sz="2400" dirty="0" smtClean="0">
                 <a:solidFill>
                   <a:schemeClr val="accent5">
                     <a:lumMod val="50000"/>
@@ -5116,10 +5933,10 @@
                 <a:ea typeface="Tahoma"/>
                 <a:cs typeface="Tahoma"/>
               </a:rPr>
-              <a:t>l</a:t>
-            </a:r>
-            <a:r>
-              <a:rPr lang="vi-VN" sz="2400" dirty="0" smtClean="0">
+              <a:t>, </a:t>
+            </a:r>
+            <a:r>
+              <a:rPr lang="en-US" sz="2400" dirty="0">
                 <a:solidFill>
                   <a:schemeClr val="accent5">
                     <a:lumMod val="50000"/>
@@ -5129,22 +5946,10 @@
                 <a:ea typeface="Tahoma"/>
                 <a:cs typeface="Tahoma"/>
               </a:rPr>
-              <a:t>àm sao dự đoán được giá vàng ngày mai</a:t>
-            </a:r>
-            <a:endParaRPr lang="vi-VN" sz="2400" dirty="0">
-              <a:solidFill>
-                <a:schemeClr val="accent5">
-                  <a:lumMod val="50000"/>
-                </a:schemeClr>
-              </a:solidFill>
-              <a:latin typeface="Tahoma"/>
-              <a:ea typeface="Tahoma"/>
-              <a:cs typeface="Tahoma"/>
-            </a:endParaRPr>
-          </a:p>
-          <a:p>
-            <a:r>
-              <a:rPr lang="en-US" sz="2400" dirty="0" smtClean="0">
+              <a:t>l</a:t>
+            </a:r>
+            <a:r>
+              <a:rPr lang="vi-VN" sz="2400" dirty="0" smtClean="0">
                 <a:solidFill>
                   <a:schemeClr val="accent5">
                     <a:lumMod val="50000"/>
@@ -5154,7 +5959,7 @@
                 <a:ea typeface="Tahoma"/>
                 <a:cs typeface="Tahoma"/>
               </a:rPr>
-              <a:t>V</a:t>
+              <a:t>àm sao dự đoán được giá </a:t>
             </a:r>
             <a:r>
               <a:rPr lang="vi-VN" sz="2400" dirty="0" smtClean="0">
@@ -5167,13 +5972,10 @@
                 <a:ea typeface="Tahoma"/>
                 <a:cs typeface="Tahoma"/>
               </a:rPr>
-              <a:t>àng:</a:t>
-            </a:r>
-          </a:p>
-          <a:p>
-            <a:pPr lvl="1"/>
-            <a:r>
-              <a:rPr lang="vi-VN" sz="2000" dirty="0" smtClean="0">
+              <a:t>vàng</a:t>
+            </a:r>
+            <a:r>
+              <a:rPr lang="en-US" sz="2400" dirty="0" smtClean="0">
                 <a:solidFill>
                   <a:schemeClr val="accent5">
                     <a:lumMod val="50000"/>
@@ -5183,9 +5985,126 @@
                 <a:ea typeface="Tahoma"/>
                 <a:cs typeface="Tahoma"/>
               </a:rPr>
-              <a:t>Không bị một cá nhân hoặc tổ chức nào thao túng</a:t>
-            </a:r>
-            <a:endParaRPr lang="en-US" sz="2000" dirty="0" smtClean="0">
+              <a:t> </a:t>
+            </a:r>
+            <a:r>
+              <a:rPr lang="en-US" sz="2400" dirty="0" err="1" smtClean="0">
+                <a:solidFill>
+                  <a:schemeClr val="accent5">
+                    <a:lumMod val="50000"/>
+                  </a:schemeClr>
+                </a:solidFill>
+                <a:latin typeface="Tahoma"/>
+                <a:ea typeface="Tahoma"/>
+                <a:cs typeface="Tahoma"/>
+              </a:rPr>
+              <a:t>chốt</a:t>
+            </a:r>
+            <a:r>
+              <a:rPr lang="en-US" sz="2400" dirty="0" smtClean="0">
+                <a:solidFill>
+                  <a:schemeClr val="accent5">
+                    <a:lumMod val="50000"/>
+                  </a:schemeClr>
+                </a:solidFill>
+                <a:latin typeface="Tahoma"/>
+                <a:ea typeface="Tahoma"/>
+                <a:cs typeface="Tahoma"/>
+              </a:rPr>
+              <a:t> </a:t>
+            </a:r>
+            <a:r>
+              <a:rPr lang="en-US" sz="2400" dirty="0" err="1" smtClean="0">
+                <a:solidFill>
+                  <a:schemeClr val="accent5">
+                    <a:lumMod val="50000"/>
+                  </a:schemeClr>
+                </a:solidFill>
+                <a:latin typeface="Tahoma"/>
+                <a:ea typeface="Tahoma"/>
+                <a:cs typeface="Tahoma"/>
+              </a:rPr>
+              <a:t>phiên</a:t>
+            </a:r>
+            <a:r>
+              <a:rPr lang="vi-VN" sz="2400" dirty="0" smtClean="0">
+                <a:solidFill>
+                  <a:schemeClr val="accent5">
+                    <a:lumMod val="50000"/>
+                  </a:schemeClr>
+                </a:solidFill>
+                <a:latin typeface="Tahoma"/>
+                <a:ea typeface="Tahoma"/>
+                <a:cs typeface="Tahoma"/>
+              </a:rPr>
+              <a:t> </a:t>
+            </a:r>
+            <a:r>
+              <a:rPr lang="en-US" sz="2400" dirty="0" err="1" smtClean="0">
+                <a:solidFill>
+                  <a:schemeClr val="accent5">
+                    <a:lumMod val="50000"/>
+                  </a:schemeClr>
+                </a:solidFill>
+                <a:latin typeface="Tahoma"/>
+                <a:ea typeface="Tahoma"/>
+                <a:cs typeface="Tahoma"/>
+              </a:rPr>
+              <a:t>ngày</a:t>
+            </a:r>
+            <a:r>
+              <a:rPr lang="en-US" sz="2400" dirty="0" smtClean="0">
+                <a:solidFill>
+                  <a:schemeClr val="accent5">
+                    <a:lumMod val="50000"/>
+                  </a:schemeClr>
+                </a:solidFill>
+                <a:latin typeface="Tahoma"/>
+                <a:ea typeface="Tahoma"/>
+                <a:cs typeface="Tahoma"/>
+              </a:rPr>
+              <a:t> </a:t>
+            </a:r>
+            <a:r>
+              <a:rPr lang="en-US" sz="2400" dirty="0" err="1" smtClean="0">
+                <a:solidFill>
+                  <a:schemeClr val="accent5">
+                    <a:lumMod val="50000"/>
+                  </a:schemeClr>
+                </a:solidFill>
+                <a:latin typeface="Tahoma"/>
+                <a:ea typeface="Tahoma"/>
+                <a:cs typeface="Tahoma"/>
+              </a:rPr>
+              <a:t>tiếp</a:t>
+            </a:r>
+            <a:r>
+              <a:rPr lang="en-US" sz="2400" dirty="0" smtClean="0">
+                <a:solidFill>
+                  <a:schemeClr val="accent5">
+                    <a:lumMod val="50000"/>
+                  </a:schemeClr>
+                </a:solidFill>
+                <a:latin typeface="Tahoma"/>
+                <a:ea typeface="Tahoma"/>
+                <a:cs typeface="Tahoma"/>
+              </a:rPr>
+              <a:t> </a:t>
+            </a:r>
+            <a:r>
+              <a:rPr lang="en-US" sz="2400" dirty="0" err="1" smtClean="0">
+                <a:solidFill>
+                  <a:schemeClr val="accent5">
+                    <a:lumMod val="50000"/>
+                  </a:schemeClr>
+                </a:solidFill>
+                <a:latin typeface="Tahoma"/>
+                <a:ea typeface="Tahoma"/>
+                <a:cs typeface="Tahoma"/>
+              </a:rPr>
+              <a:t>theo</a:t>
+            </a:r>
+            <a:endParaRPr lang="vi-VN" sz="2400" dirty="0">
               <a:solidFill>
                 <a:schemeClr val="accent5">
                   <a:lumMod val="50000"/>
@@ -5218,10 +6137,10 @@
           <p:cNvPr id="9" name="Group 8">
             <a:extLst>
               <a:ext uri="{FF2B5EF4-FFF2-40B4-BE49-F238E27FC236}">
-                <a16:creationId xmlns="" xmlns:a16="http://schemas.microsoft.com/office/drawing/2014/main" id="{798EA88B-C439-4F17-9585-820972CE0BA5}"/>
+                <a16:creationId xmlns:a16="http://schemas.microsoft.com/office/drawing/2014/main" xmlns="" id="{798EA88B-C439-4F17-9585-820972CE0BA5}"/>
               </a:ext>
               <a:ext uri="{C183D7F6-B498-43B3-948B-1728B52AA6E4}">
-                <adec:decorative xmlns="" xmlns:adec="http://schemas.microsoft.com/office/drawing/2017/decorative" val="1"/>
+                <adec:decorative xmlns:adec="http://schemas.microsoft.com/office/drawing/2017/decorative" xmlns="" val="1"/>
               </a:ext>
             </a:extLst>
           </p:cNvPr>
@@ -5241,7 +6160,7 @@
             <p:cNvPr id="10" name="Group 9">
               <a:extLst>
                 <a:ext uri="{FF2B5EF4-FFF2-40B4-BE49-F238E27FC236}">
-                  <a16:creationId xmlns="" xmlns:a16="http://schemas.microsoft.com/office/drawing/2014/main" id="{D4EF09CF-3362-453A-9463-F6669A9D3E01}"/>
+                  <a16:creationId xmlns:a16="http://schemas.microsoft.com/office/drawing/2014/main" xmlns="" id="{D4EF09CF-3362-453A-9463-F6669A9D3E01}"/>
                 </a:ext>
               </a:extLst>
             </p:cNvPr>
@@ -5261,7 +6180,7 @@
               <p:cNvPr id="4" name="Rectangle 3">
                 <a:extLst>
                   <a:ext uri="{FF2B5EF4-FFF2-40B4-BE49-F238E27FC236}">
-                    <a16:creationId xmlns="" xmlns:a16="http://schemas.microsoft.com/office/drawing/2014/main" id="{403AE892-EBD6-40F1-851B-FEADBD59429F}"/>
+                    <a16:creationId xmlns:a16="http://schemas.microsoft.com/office/drawing/2014/main" xmlns="" id="{403AE892-EBD6-40F1-851B-FEADBD59429F}"/>
                   </a:ext>
                 </a:extLst>
               </p:cNvPr>
@@ -5315,7 +6234,7 @@
               <p:cNvPr id="5" name="Rectangle 4">
                 <a:extLst>
                   <a:ext uri="{FF2B5EF4-FFF2-40B4-BE49-F238E27FC236}">
-                    <a16:creationId xmlns="" xmlns:a16="http://schemas.microsoft.com/office/drawing/2014/main" id="{54318653-1A38-442C-BA0F-F2C51149BCFF}"/>
+                    <a16:creationId xmlns:a16="http://schemas.microsoft.com/office/drawing/2014/main" xmlns="" id="{54318653-1A38-442C-BA0F-F2C51149BCFF}"/>
                   </a:ext>
                 </a:extLst>
               </p:cNvPr>
@@ -5367,7 +6286,7 @@
               <p:cNvPr id="6" name="Rectangle 5">
                 <a:extLst>
                   <a:ext uri="{FF2B5EF4-FFF2-40B4-BE49-F238E27FC236}">
-                    <a16:creationId xmlns="" xmlns:a16="http://schemas.microsoft.com/office/drawing/2014/main" id="{C25D63D1-E9CE-42BF-BD4D-374FD0293155}"/>
+                    <a16:creationId xmlns:a16="http://schemas.microsoft.com/office/drawing/2014/main" xmlns="" id="{C25D63D1-E9CE-42BF-BD4D-374FD0293155}"/>
                   </a:ext>
                 </a:extLst>
               </p:cNvPr>
@@ -5419,7 +6338,7 @@
               <p:cNvPr id="7" name="Rectangle 6">
                 <a:extLst>
                   <a:ext uri="{FF2B5EF4-FFF2-40B4-BE49-F238E27FC236}">
-                    <a16:creationId xmlns="" xmlns:a16="http://schemas.microsoft.com/office/drawing/2014/main" id="{BA4EE865-9F0D-4531-A737-E13A557C0277}"/>
+                    <a16:creationId xmlns:a16="http://schemas.microsoft.com/office/drawing/2014/main" xmlns="" id="{BA4EE865-9F0D-4531-A737-E13A557C0277}"/>
                   </a:ext>
                 </a:extLst>
               </p:cNvPr>
@@ -5471,7 +6390,7 @@
               <p:cNvPr id="8" name="Rectangle 7">
                 <a:extLst>
                   <a:ext uri="{FF2B5EF4-FFF2-40B4-BE49-F238E27FC236}">
-                    <a16:creationId xmlns="" xmlns:a16="http://schemas.microsoft.com/office/drawing/2014/main" id="{6A1183CB-C5B0-498A-A49C-4180134C74B0}"/>
+                    <a16:creationId xmlns:a16="http://schemas.microsoft.com/office/drawing/2014/main" xmlns="" id="{6A1183CB-C5B0-498A-A49C-4180134C74B0}"/>
                   </a:ext>
                 </a:extLst>
               </p:cNvPr>
@@ -5524,7 +6443,7 @@
             <p:cNvPr id="11" name="Graphic 10" descr="Clipboard">
               <a:extLst>
                 <a:ext uri="{FF2B5EF4-FFF2-40B4-BE49-F238E27FC236}">
-                  <a16:creationId xmlns="" xmlns:a16="http://schemas.microsoft.com/office/drawing/2014/main" id="{4F58D0C9-D25F-4044-8F1B-4190E5A1BD57}"/>
+                  <a16:creationId xmlns:a16="http://schemas.microsoft.com/office/drawing/2014/main" xmlns="" id="{4F58D0C9-D25F-4044-8F1B-4190E5A1BD57}"/>
                 </a:ext>
               </a:extLst>
             </p:cNvPr>
@@ -5540,7 +6459,7 @@
                   <a14:useLocalDpi xmlns:a14="http://schemas.microsoft.com/office/drawing/2010/main" val="0"/>
                 </a:ext>
                 <a:ext uri="{96DAC541-7B7A-43D3-8B79-37D633B846F1}">
-                  <asvg:svgBlip xmlns="" xmlns:asvg="http://schemas.microsoft.com/office/drawing/2016/SVG/main" r:embed="rId3"/>
+                  <asvg:svgBlip xmlns:asvg="http://schemas.microsoft.com/office/drawing/2016/SVG/main" xmlns="" r:embed="rId3"/>
                 </a:ext>
               </a:extLst>
             </a:blip>
@@ -5594,7 +6513,7 @@
           <p:cNvPr id="2" name="Title 1">
             <a:extLst>
               <a:ext uri="{FF2B5EF4-FFF2-40B4-BE49-F238E27FC236}">
-                <a16:creationId xmlns="" xmlns:a16="http://schemas.microsoft.com/office/drawing/2014/main" id="{10742257-3980-4551-868A-26DC3CB821EE}"/>
+                <a16:creationId xmlns:a16="http://schemas.microsoft.com/office/drawing/2014/main" xmlns="" id="{10742257-3980-4551-868A-26DC3CB821EE}"/>
               </a:ext>
             </a:extLst>
           </p:cNvPr>
@@ -5664,7 +6583,7 @@
           <p:cNvPr id="3" name="Content Placeholder 2">
             <a:extLst>
               <a:ext uri="{FF2B5EF4-FFF2-40B4-BE49-F238E27FC236}">
-                <a16:creationId xmlns="" xmlns:a16="http://schemas.microsoft.com/office/drawing/2014/main" id="{B57E0B0F-4D29-4786-B2AB-B84D9F8B5429}"/>
+                <a16:creationId xmlns:a16="http://schemas.microsoft.com/office/drawing/2014/main" xmlns="" id="{B57E0B0F-4D29-4786-B2AB-B84D9F8B5429}"/>
               </a:ext>
             </a:extLst>
           </p:cNvPr>
@@ -7387,7 +8306,7 @@
           <p:cNvPr id="2" name="Title 1">
             <a:extLst>
               <a:ext uri="{FF2B5EF4-FFF2-40B4-BE49-F238E27FC236}">
-                <a16:creationId xmlns="" xmlns:a16="http://schemas.microsoft.com/office/drawing/2014/main" id="{10742257-3980-4551-868A-26DC3CB821EE}"/>
+                <a16:creationId xmlns:a16="http://schemas.microsoft.com/office/drawing/2014/main" xmlns="" id="{10742257-3980-4551-868A-26DC3CB821EE}"/>
               </a:ext>
             </a:extLst>
           </p:cNvPr>
@@ -7468,7 +8387,7 @@
           <p:cNvPr id="3" name="Content Placeholder 2">
             <a:extLst>
               <a:ext uri="{FF2B5EF4-FFF2-40B4-BE49-F238E27FC236}">
-                <a16:creationId xmlns="" xmlns:a16="http://schemas.microsoft.com/office/drawing/2014/main" id="{B57E0B0F-4D29-4786-B2AB-B84D9F8B5429}"/>
+                <a16:creationId xmlns:a16="http://schemas.microsoft.com/office/drawing/2014/main" xmlns="" id="{B57E0B0F-4D29-4786-B2AB-B84D9F8B5429}"/>
               </a:ext>
             </a:extLst>
           </p:cNvPr>
@@ -8721,7 +9640,7 @@
           <p:nvPr>
             <p:extLst>
               <p:ext uri="{D42A27DB-BD31-4B8C-83A1-F6EECF244321}">
-                <p14:modId xmlns:p14="http://schemas.microsoft.com/office/powerpoint/2010/main" val="1193843855"/>
+                <p14:modId xmlns:p14="http://schemas.microsoft.com/office/powerpoint/2010/main" val="3663002714"/>
               </p:ext>
             </p:extLst>
           </p:nvPr>
@@ -9553,13 +10472,7 @@
                         <a:rPr lang="en-US" b="1" dirty="0" smtClean="0">
                           <a:effectLst/>
                         </a:rPr>
-                        <a:t>30</a:t>
-                      </a:r>
-                      <a:r>
-                        <a:rPr lang="en-US" b="1" baseline="0" dirty="0" smtClean="0">
-                          <a:effectLst/>
-                        </a:rPr>
-                        <a:t> </a:t>
+                        <a:t>29 </a:t>
                       </a:r>
                       <a:r>
                         <a:rPr lang="en-US" b="1" baseline="0" dirty="0" err="1" smtClean="0">
@@ -9934,7 +10847,7 @@
           <p:nvPr>
             <p:extLst>
               <p:ext uri="{D42A27DB-BD31-4B8C-83A1-F6EECF244321}">
-                <p14:modId xmlns:p14="http://schemas.microsoft.com/office/powerpoint/2010/main" val="176525357"/>
+                <p14:modId xmlns:p14="http://schemas.microsoft.com/office/powerpoint/2010/main" val="1983687261"/>
               </p:ext>
             </p:extLst>
           </p:nvPr>
@@ -10766,13 +11679,7 @@
                         <a:rPr lang="en-US" b="1" dirty="0" smtClean="0">
                           <a:effectLst/>
                         </a:rPr>
-                        <a:t>30</a:t>
-                      </a:r>
-                      <a:r>
-                        <a:rPr lang="en-US" b="1" baseline="0" dirty="0" smtClean="0">
-                          <a:effectLst/>
-                        </a:rPr>
-                        <a:t> </a:t>
+                        <a:t>29 </a:t>
                       </a:r>
                       <a:r>
                         <a:rPr lang="en-US" b="1" baseline="0" dirty="0" err="1" smtClean="0">
@@ -11164,7 +12071,7 @@
           <p:cNvPr id="2" name="Title 1">
             <a:extLst>
               <a:ext uri="{FF2B5EF4-FFF2-40B4-BE49-F238E27FC236}">
-                <a16:creationId xmlns="" xmlns:a16="http://schemas.microsoft.com/office/drawing/2014/main" id="{10742257-3980-4551-868A-26DC3CB821EE}"/>
+                <a16:creationId xmlns:a16="http://schemas.microsoft.com/office/drawing/2014/main" xmlns="" id="{10742257-3980-4551-868A-26DC3CB821EE}"/>
               </a:ext>
             </a:extLst>
           </p:cNvPr>
@@ -11245,7 +12152,7 @@
           <p:cNvPr id="3" name="Content Placeholder 2">
             <a:extLst>
               <a:ext uri="{FF2B5EF4-FFF2-40B4-BE49-F238E27FC236}">
-                <a16:creationId xmlns="" xmlns:a16="http://schemas.microsoft.com/office/drawing/2014/main" id="{B57E0B0F-4D29-4786-B2AB-B84D9F8B5429}"/>
+                <a16:creationId xmlns:a16="http://schemas.microsoft.com/office/drawing/2014/main" xmlns="" id="{B57E0B0F-4D29-4786-B2AB-B84D9F8B5429}"/>
               </a:ext>
             </a:extLst>
           </p:cNvPr>
@@ -11714,7 +12621,7 @@
           <p:nvPr>
             <p:extLst>
               <p:ext uri="{D42A27DB-BD31-4B8C-83A1-F6EECF244321}">
-                <p14:modId xmlns:p14="http://schemas.microsoft.com/office/powerpoint/2010/main" val="3539936295"/>
+                <p14:modId xmlns:p14="http://schemas.microsoft.com/office/powerpoint/2010/main" val="1654464764"/>
               </p:ext>
             </p:extLst>
           </p:nvPr>
@@ -12552,13 +13459,7 @@
                         <a:rPr lang="en-US" b="1" dirty="0" smtClean="0">
                           <a:effectLst/>
                         </a:rPr>
-                        <a:t>30</a:t>
-                      </a:r>
-                      <a:r>
-                        <a:rPr lang="en-US" b="1" baseline="0" dirty="0" smtClean="0">
-                          <a:effectLst/>
-                        </a:rPr>
-                        <a:t> </a:t>
+                        <a:t>29 </a:t>
                       </a:r>
                       <a:r>
                         <a:rPr lang="en-US" b="1" baseline="0" dirty="0" err="1" smtClean="0">
@@ -12992,12 +13893,1253 @@
           <a:chExt cx="0" cy="0"/>
         </a:xfrm>
       </p:grpSpPr>
+      <p:graphicFrame>
+        <p:nvGraphicFramePr>
+          <p:cNvPr id="6" name="Table 5"/>
+          <p:cNvGraphicFramePr>
+            <a:graphicFrameLocks noGrp="1"/>
+          </p:cNvGraphicFramePr>
+          <p:nvPr>
+            <p:extLst>
+              <p:ext uri="{D42A27DB-BD31-4B8C-83A1-F6EECF244321}">
+                <p14:modId xmlns:p14="http://schemas.microsoft.com/office/powerpoint/2010/main" val="998121982"/>
+              </p:ext>
+            </p:extLst>
+          </p:nvPr>
+        </p:nvGraphicFramePr>
+        <p:xfrm>
+          <a:off x="738414" y="1860074"/>
+          <a:ext cx="5689600" cy="3108960"/>
+        </p:xfrm>
+        <a:graphic>
+          <a:graphicData uri="http://schemas.openxmlformats.org/drawingml/2006/table">
+            <a:tbl>
+              <a:tblPr/>
+              <a:tblGrid>
+                <a:gridCol w="1320800"/>
+                <a:gridCol w="1346200"/>
+                <a:gridCol w="1397000"/>
+                <a:gridCol w="1625600"/>
+              </a:tblGrid>
+              <a:tr h="629126">
+                <a:tc>
+                  <a:txBody>
+                    <a:bodyPr/>
+                    <a:lstStyle/>
+                    <a:p>
+                      <a:pPr algn="ctr" fontAlgn="ctr"/>
+                      <a:r>
+                        <a:rPr lang="en-US" b="1" dirty="0">
+                          <a:effectLst/>
+                        </a:rPr>
+                        <a:t/>
+                      </a:r>
+                      <a:br>
+                        <a:rPr lang="en-US" b="1" dirty="0">
+                          <a:effectLst/>
+                        </a:rPr>
+                      </a:br>
+                      <a:r>
+                        <a:rPr lang="en-US" b="1" dirty="0" smtClean="0">
+                          <a:effectLst/>
+                        </a:rPr>
+                        <a:t>Date</a:t>
+                      </a:r>
+                      <a:endParaRPr lang="en-US" b="1" dirty="0">
+                        <a:effectLst/>
+                      </a:endParaRPr>
+                    </a:p>
+                    <a:p>
+                      <a:pPr algn="ctr" fontAlgn="ctr"/>
+                      <a:endParaRPr lang="en-US" b="1" dirty="0">
+                        <a:effectLst/>
+                      </a:endParaRPr>
+                    </a:p>
+                  </a:txBody>
+                  <a:tcPr anchor="ctr">
+                    <a:lnL>
+                      <a:noFill/>
+                    </a:lnL>
+                    <a:lnR>
+                      <a:noFill/>
+                    </a:lnR>
+                    <a:lnT>
+                      <a:noFill/>
+                    </a:lnT>
+                    <a:lnB>
+                      <a:noFill/>
+                    </a:lnB>
+                  </a:tcPr>
+                </a:tc>
+                <a:tc>
+                  <a:txBody>
+                    <a:bodyPr/>
+                    <a:lstStyle/>
+                    <a:p>
+                      <a:pPr algn="ctr" fontAlgn="ctr"/>
+                      <a:r>
+                        <a:rPr lang="en-US" b="1" dirty="0" smtClean="0">
+                          <a:effectLst/>
+                        </a:rPr>
+                        <a:t>Open</a:t>
+                      </a:r>
+                      <a:endParaRPr lang="en-US" b="1" dirty="0">
+                        <a:effectLst/>
+                      </a:endParaRPr>
+                    </a:p>
+                  </a:txBody>
+                  <a:tcPr anchor="ctr">
+                    <a:lnL>
+                      <a:noFill/>
+                    </a:lnL>
+                    <a:lnR>
+                      <a:noFill/>
+                    </a:lnR>
+                    <a:lnT>
+                      <a:noFill/>
+                    </a:lnT>
+                    <a:lnB>
+                      <a:noFill/>
+                    </a:lnB>
+                  </a:tcPr>
+                </a:tc>
+                <a:tc>
+                  <a:txBody>
+                    <a:bodyPr/>
+                    <a:lstStyle/>
+                    <a:p>
+                      <a:pPr algn="ctr" fontAlgn="ctr"/>
+                      <a:r>
+                        <a:rPr lang="en-US" b="1" dirty="0" smtClean="0">
+                          <a:effectLst/>
+                        </a:rPr>
+                        <a:t>Close</a:t>
+                      </a:r>
+                      <a:endParaRPr lang="en-US" b="1" dirty="0">
+                        <a:effectLst/>
+                      </a:endParaRPr>
+                    </a:p>
+                  </a:txBody>
+                  <a:tcPr anchor="ctr">
+                    <a:lnL>
+                      <a:noFill/>
+                    </a:lnL>
+                    <a:lnR>
+                      <a:noFill/>
+                    </a:lnR>
+                    <a:lnT>
+                      <a:noFill/>
+                    </a:lnT>
+                    <a:lnB>
+                      <a:noFill/>
+                    </a:lnB>
+                  </a:tcPr>
+                </a:tc>
+                <a:tc>
+                  <a:txBody>
+                    <a:bodyPr/>
+                    <a:lstStyle/>
+                    <a:p>
+                      <a:pPr algn="ctr"/>
+                      <a:r>
+                        <a:rPr lang="en-US" b="1" dirty="0" smtClean="0">
+                          <a:effectLst/>
+                        </a:rPr>
+                        <a:t>Volume</a:t>
+                      </a:r>
+                      <a:endParaRPr lang="en-US" dirty="0"/>
+                    </a:p>
+                  </a:txBody>
+                  <a:tcPr anchor="ctr">
+                    <a:lnL>
+                      <a:noFill/>
+                    </a:lnL>
+                    <a:lnB w="12700" cmpd="sng">
+                      <a:noFill/>
+                      <a:prstDash val="solid"/>
+                    </a:lnB>
+                  </a:tcPr>
+                </a:tc>
+              </a:tr>
+              <a:tr h="238368">
+                <a:tc>
+                  <a:txBody>
+                    <a:bodyPr/>
+                    <a:lstStyle/>
+                    <a:p>
+                      <a:pPr algn="r" fontAlgn="ctr"/>
+                      <a:r>
+                        <a:rPr lang="en-US" b="1">
+                          <a:effectLst/>
+                        </a:rPr>
+                        <a:t>2019-02-28</a:t>
+                      </a:r>
+                    </a:p>
+                  </a:txBody>
+                  <a:tcPr anchor="ctr">
+                    <a:lnL>
+                      <a:noFill/>
+                    </a:lnL>
+                    <a:lnR>
+                      <a:noFill/>
+                    </a:lnR>
+                    <a:lnT>
+                      <a:noFill/>
+                    </a:lnT>
+                    <a:lnB>
+                      <a:noFill/>
+                    </a:lnB>
+                    <a:solidFill>
+                      <a:srgbClr val="F5F5F5"/>
+                    </a:solidFill>
+                  </a:tcPr>
+                </a:tc>
+                <a:tc>
+                  <a:txBody>
+                    <a:bodyPr/>
+                    <a:lstStyle/>
+                    <a:p>
+                      <a:pPr algn="r" fontAlgn="ctr"/>
+                      <a:r>
+                        <a:rPr lang="en-US" dirty="0" smtClean="0"/>
+                        <a:t>0.000000</a:t>
+                      </a:r>
+                      <a:endParaRPr lang="en-US" dirty="0">
+                        <a:effectLst/>
+                      </a:endParaRPr>
+                    </a:p>
+                  </a:txBody>
+                  <a:tcPr anchor="ctr">
+                    <a:lnL>
+                      <a:noFill/>
+                    </a:lnL>
+                    <a:lnR>
+                      <a:noFill/>
+                    </a:lnR>
+                    <a:lnT>
+                      <a:noFill/>
+                    </a:lnT>
+                    <a:lnB>
+                      <a:noFill/>
+                    </a:lnB>
+                    <a:solidFill>
+                      <a:srgbClr val="F5F5F5"/>
+                    </a:solidFill>
+                  </a:tcPr>
+                </a:tc>
+                <a:tc>
+                  <a:txBody>
+                    <a:bodyPr/>
+                    <a:lstStyle/>
+                    <a:p>
+                      <a:pPr algn="r" fontAlgn="ctr"/>
+                      <a:r>
+                        <a:rPr lang="en-US" dirty="0" smtClean="0"/>
+                        <a:t>0.000000</a:t>
+                      </a:r>
+                      <a:endParaRPr lang="en-US" dirty="0">
+                        <a:effectLst/>
+                      </a:endParaRPr>
+                    </a:p>
+                  </a:txBody>
+                  <a:tcPr anchor="ctr">
+                    <a:lnL>
+                      <a:noFill/>
+                    </a:lnL>
+                    <a:lnR>
+                      <a:noFill/>
+                    </a:lnR>
+                    <a:lnT>
+                      <a:noFill/>
+                    </a:lnT>
+                    <a:lnB>
+                      <a:noFill/>
+                    </a:lnB>
+                    <a:solidFill>
+                      <a:srgbClr val="F5F5F5"/>
+                    </a:solidFill>
+                  </a:tcPr>
+                </a:tc>
+                <a:tc>
+                  <a:txBody>
+                    <a:bodyPr/>
+                    <a:lstStyle/>
+                    <a:p>
+                      <a:pPr algn="r" fontAlgn="ctr"/>
+                      <a:r>
+                        <a:rPr lang="en-US" dirty="0" smtClean="0"/>
+                        <a:t>0.000000</a:t>
+                      </a:r>
+                      <a:endParaRPr lang="en-US" dirty="0">
+                        <a:effectLst/>
+                      </a:endParaRPr>
+                    </a:p>
+                  </a:txBody>
+                  <a:tcPr anchor="ctr">
+                    <a:lnL>
+                      <a:noFill/>
+                    </a:lnL>
+                    <a:lnR>
+                      <a:noFill/>
+                    </a:lnR>
+                    <a:lnT>
+                      <a:noFill/>
+                    </a:lnT>
+                    <a:lnB>
+                      <a:noFill/>
+                    </a:lnB>
+                    <a:solidFill>
+                      <a:srgbClr val="F5F5F5"/>
+                    </a:solidFill>
+                  </a:tcPr>
+                </a:tc>
+              </a:tr>
+              <a:tr h="238368">
+                <a:tc>
+                  <a:txBody>
+                    <a:bodyPr/>
+                    <a:lstStyle/>
+                    <a:p>
+                      <a:pPr algn="r" fontAlgn="ctr"/>
+                      <a:r>
+                        <a:rPr lang="en-US" b="1" dirty="0">
+                          <a:effectLst/>
+                        </a:rPr>
+                        <a:t>2019-03-01</a:t>
+                      </a:r>
+                    </a:p>
+                  </a:txBody>
+                  <a:tcPr anchor="ctr">
+                    <a:lnL>
+                      <a:noFill/>
+                    </a:lnL>
+                    <a:lnR>
+                      <a:noFill/>
+                    </a:lnR>
+                    <a:lnT>
+                      <a:noFill/>
+                    </a:lnT>
+                    <a:lnB>
+                      <a:noFill/>
+                    </a:lnB>
+                  </a:tcPr>
+                </a:tc>
+                <a:tc>
+                  <a:txBody>
+                    <a:bodyPr/>
+                    <a:lstStyle/>
+                    <a:p>
+                      <a:pPr algn="r" fontAlgn="ctr"/>
+                      <a:r>
+                        <a:rPr lang="en-US" dirty="0" smtClean="0"/>
+                        <a:t>0.001350</a:t>
+                      </a:r>
+                      <a:endParaRPr lang="en-US" dirty="0">
+                        <a:effectLst/>
+                      </a:endParaRPr>
+                    </a:p>
+                  </a:txBody>
+                  <a:tcPr anchor="ctr">
+                    <a:lnL>
+                      <a:noFill/>
+                    </a:lnL>
+                    <a:lnR>
+                      <a:noFill/>
+                    </a:lnR>
+                    <a:lnT>
+                      <a:noFill/>
+                    </a:lnT>
+                    <a:lnB>
+                      <a:noFill/>
+                    </a:lnB>
+                  </a:tcPr>
+                </a:tc>
+                <a:tc>
+                  <a:txBody>
+                    <a:bodyPr/>
+                    <a:lstStyle/>
+                    <a:p>
+                      <a:pPr algn="r" fontAlgn="ctr"/>
+                      <a:r>
+                        <a:rPr lang="en-US" dirty="0" smtClean="0"/>
+                        <a:t>0.009013</a:t>
+                      </a:r>
+                      <a:endParaRPr lang="en-US" dirty="0">
+                        <a:effectLst/>
+                      </a:endParaRPr>
+                    </a:p>
+                  </a:txBody>
+                  <a:tcPr anchor="ctr">
+                    <a:lnL>
+                      <a:noFill/>
+                    </a:lnL>
+                    <a:lnR>
+                      <a:noFill/>
+                    </a:lnR>
+                    <a:lnT>
+                      <a:noFill/>
+                    </a:lnT>
+                    <a:lnB>
+                      <a:noFill/>
+                    </a:lnB>
+                  </a:tcPr>
+                </a:tc>
+                <a:tc>
+                  <a:txBody>
+                    <a:bodyPr/>
+                    <a:lstStyle/>
+                    <a:p>
+                      <a:pPr algn="r" fontAlgn="ctr"/>
+                      <a:r>
+                        <a:rPr lang="en-US" dirty="0" smtClean="0"/>
+                        <a:t>0.945144</a:t>
+                      </a:r>
+                      <a:endParaRPr lang="en-US" dirty="0">
+                        <a:effectLst/>
+                      </a:endParaRPr>
+                    </a:p>
+                  </a:txBody>
+                  <a:tcPr anchor="ctr">
+                    <a:lnL>
+                      <a:noFill/>
+                    </a:lnL>
+                    <a:lnR>
+                      <a:noFill/>
+                    </a:lnR>
+                    <a:lnT>
+                      <a:noFill/>
+                    </a:lnT>
+                    <a:lnB>
+                      <a:noFill/>
+                    </a:lnB>
+                  </a:tcPr>
+                </a:tc>
+              </a:tr>
+              <a:tr h="238368">
+                <a:tc>
+                  <a:txBody>
+                    <a:bodyPr/>
+                    <a:lstStyle/>
+                    <a:p>
+                      <a:pPr algn="r" fontAlgn="ctr"/>
+                      <a:r>
+                        <a:rPr lang="en-US" b="1" dirty="0" smtClean="0">
+                          <a:effectLst/>
+                        </a:rPr>
+                        <a:t>….</a:t>
+                      </a:r>
+                      <a:endParaRPr lang="en-US" b="1" dirty="0">
+                        <a:effectLst/>
+                      </a:endParaRPr>
+                    </a:p>
+                  </a:txBody>
+                  <a:tcPr anchor="ctr">
+                    <a:lnL>
+                      <a:noFill/>
+                    </a:lnL>
+                    <a:lnR>
+                      <a:noFill/>
+                    </a:lnR>
+                    <a:lnT>
+                      <a:noFill/>
+                    </a:lnT>
+                    <a:lnB>
+                      <a:noFill/>
+                    </a:lnB>
+                    <a:solidFill>
+                      <a:srgbClr val="F5F5F5"/>
+                    </a:solidFill>
+                  </a:tcPr>
+                </a:tc>
+                <a:tc>
+                  <a:txBody>
+                    <a:bodyPr/>
+                    <a:lstStyle/>
+                    <a:p>
+                      <a:pPr algn="r" fontAlgn="ctr"/>
+                      <a:r>
+                        <a:rPr lang="en-US" dirty="0" smtClean="0">
+                          <a:effectLst/>
+                        </a:rPr>
+                        <a:t>….</a:t>
+                      </a:r>
+                      <a:endParaRPr lang="en-US" dirty="0">
+                        <a:effectLst/>
+                      </a:endParaRPr>
+                    </a:p>
+                  </a:txBody>
+                  <a:tcPr anchor="ctr">
+                    <a:lnL>
+                      <a:noFill/>
+                    </a:lnL>
+                    <a:lnR>
+                      <a:noFill/>
+                    </a:lnR>
+                    <a:lnT>
+                      <a:noFill/>
+                    </a:lnT>
+                    <a:lnB>
+                      <a:noFill/>
+                    </a:lnB>
+                    <a:solidFill>
+                      <a:srgbClr val="F5F5F5"/>
+                    </a:solidFill>
+                  </a:tcPr>
+                </a:tc>
+                <a:tc>
+                  <a:txBody>
+                    <a:bodyPr/>
+                    <a:lstStyle/>
+                    <a:p>
+                      <a:pPr algn="r" fontAlgn="ctr"/>
+                      <a:r>
+                        <a:rPr lang="en-US" dirty="0" smtClean="0">
+                          <a:effectLst/>
+                        </a:rPr>
+                        <a:t>….</a:t>
+                      </a:r>
+                      <a:endParaRPr lang="en-US" dirty="0">
+                        <a:effectLst/>
+                      </a:endParaRPr>
+                    </a:p>
+                  </a:txBody>
+                  <a:tcPr anchor="ctr">
+                    <a:lnL>
+                      <a:noFill/>
+                    </a:lnL>
+                    <a:lnR>
+                      <a:noFill/>
+                    </a:lnR>
+                    <a:lnT>
+                      <a:noFill/>
+                    </a:lnT>
+                    <a:lnB>
+                      <a:noFill/>
+                    </a:lnB>
+                    <a:solidFill>
+                      <a:srgbClr val="F5F5F5"/>
+                    </a:solidFill>
+                  </a:tcPr>
+                </a:tc>
+                <a:tc>
+                  <a:txBody>
+                    <a:bodyPr/>
+                    <a:lstStyle/>
+                    <a:p>
+                      <a:pPr algn="r" fontAlgn="ctr"/>
+                      <a:r>
+                        <a:rPr lang="en-US" dirty="0" smtClean="0">
+                          <a:effectLst/>
+                        </a:rPr>
+                        <a:t>….</a:t>
+                      </a:r>
+                      <a:endParaRPr lang="en-US" dirty="0">
+                        <a:effectLst/>
+                      </a:endParaRPr>
+                    </a:p>
+                  </a:txBody>
+                  <a:tcPr anchor="ctr">
+                    <a:lnL>
+                      <a:noFill/>
+                    </a:lnL>
+                    <a:lnR>
+                      <a:noFill/>
+                    </a:lnR>
+                    <a:lnT>
+                      <a:noFill/>
+                    </a:lnT>
+                    <a:lnB>
+                      <a:noFill/>
+                    </a:lnB>
+                    <a:solidFill>
+                      <a:srgbClr val="F5F5F5"/>
+                    </a:solidFill>
+                  </a:tcPr>
+                </a:tc>
+              </a:tr>
+              <a:tr h="238368">
+                <a:tc>
+                  <a:txBody>
+                    <a:bodyPr/>
+                    <a:lstStyle/>
+                    <a:p>
+                      <a:pPr algn="r" fontAlgn="ctr"/>
+                      <a:r>
+                        <a:rPr lang="en-US" b="1">
+                          <a:effectLst/>
+                        </a:rPr>
+                        <a:t>2019-04-08</a:t>
+                      </a:r>
+                    </a:p>
+                  </a:txBody>
+                  <a:tcPr anchor="ctr">
+                    <a:lnL>
+                      <a:noFill/>
+                    </a:lnL>
+                    <a:lnR>
+                      <a:noFill/>
+                    </a:lnR>
+                    <a:lnT>
+                      <a:noFill/>
+                    </a:lnT>
+                    <a:lnB>
+                      <a:noFill/>
+                    </a:lnB>
+                  </a:tcPr>
+                </a:tc>
+                <a:tc>
+                  <a:txBody>
+                    <a:bodyPr/>
+                    <a:lstStyle/>
+                    <a:p>
+                      <a:pPr algn="r" fontAlgn="ctr"/>
+                      <a:r>
+                        <a:rPr lang="en-US" dirty="0" smtClean="0"/>
+                        <a:t>0.010128</a:t>
+                      </a:r>
+                      <a:endParaRPr lang="en-US" dirty="0">
+                        <a:effectLst/>
+                      </a:endParaRPr>
+                    </a:p>
+                  </a:txBody>
+                  <a:tcPr anchor="ctr">
+                    <a:lnL>
+                      <a:noFill/>
+                    </a:lnL>
+                    <a:lnR>
+                      <a:noFill/>
+                    </a:lnR>
+                    <a:lnT>
+                      <a:noFill/>
+                    </a:lnT>
+                    <a:lnB>
+                      <a:noFill/>
+                    </a:lnB>
+                  </a:tcPr>
+                </a:tc>
+                <a:tc>
+                  <a:txBody>
+                    <a:bodyPr/>
+                    <a:lstStyle/>
+                    <a:p>
+                      <a:pPr algn="r" fontAlgn="ctr"/>
+                      <a:r>
+                        <a:rPr lang="en-US" dirty="0" smtClean="0"/>
+                        <a:t>0.008337</a:t>
+                      </a:r>
+                      <a:endParaRPr lang="en-US" dirty="0">
+                        <a:effectLst/>
+                      </a:endParaRPr>
+                    </a:p>
+                  </a:txBody>
+                  <a:tcPr anchor="ctr">
+                    <a:lnL>
+                      <a:noFill/>
+                    </a:lnL>
+                    <a:lnR>
+                      <a:noFill/>
+                    </a:lnR>
+                    <a:lnT>
+                      <a:noFill/>
+                    </a:lnT>
+                    <a:lnB>
+                      <a:noFill/>
+                    </a:lnB>
+                  </a:tcPr>
+                </a:tc>
+                <a:tc>
+                  <a:txBody>
+                    <a:bodyPr/>
+                    <a:lstStyle/>
+                    <a:p>
+                      <a:pPr algn="r" fontAlgn="ctr"/>
+                      <a:r>
+                        <a:rPr lang="en-US" dirty="0" smtClean="0"/>
+                        <a:t>--0.471095</a:t>
+                      </a:r>
+                      <a:endParaRPr lang="en-US" dirty="0">
+                        <a:effectLst/>
+                      </a:endParaRPr>
+                    </a:p>
+                  </a:txBody>
+                  <a:tcPr anchor="ctr">
+                    <a:lnL>
+                      <a:noFill/>
+                    </a:lnL>
+                    <a:lnR>
+                      <a:noFill/>
+                    </a:lnR>
+                    <a:lnT>
+                      <a:noFill/>
+                    </a:lnT>
+                    <a:lnB>
+                      <a:noFill/>
+                    </a:lnB>
+                  </a:tcPr>
+                </a:tc>
+              </a:tr>
+              <a:tr h="238368">
+                <a:tc>
+                  <a:txBody>
+                    <a:bodyPr/>
+                    <a:lstStyle/>
+                    <a:p>
+                      <a:pPr algn="r" fontAlgn="ctr"/>
+                      <a:r>
+                        <a:rPr lang="en-US" b="1">
+                          <a:effectLst/>
+                        </a:rPr>
+                        <a:t>2019-04-09</a:t>
+                      </a:r>
+                    </a:p>
+                  </a:txBody>
+                  <a:tcPr anchor="ctr">
+                    <a:lnL>
+                      <a:noFill/>
+                    </a:lnL>
+                    <a:lnR>
+                      <a:noFill/>
+                    </a:lnR>
+                    <a:lnT>
+                      <a:noFill/>
+                    </a:lnT>
+                    <a:lnB>
+                      <a:noFill/>
+                    </a:lnB>
+                    <a:solidFill>
+                      <a:srgbClr val="F5F5F5"/>
+                    </a:solidFill>
+                  </a:tcPr>
+                </a:tc>
+                <a:tc>
+                  <a:txBody>
+                    <a:bodyPr/>
+                    <a:lstStyle/>
+                    <a:p>
+                      <a:pPr algn="r" fontAlgn="ctr"/>
+                      <a:r>
+                        <a:rPr lang="en-US" dirty="0" smtClean="0"/>
+                        <a:t>0.011254</a:t>
+                      </a:r>
+                      <a:endParaRPr lang="en-US" dirty="0">
+                        <a:effectLst/>
+                      </a:endParaRPr>
+                    </a:p>
+                  </a:txBody>
+                  <a:tcPr anchor="ctr">
+                    <a:lnL>
+                      <a:noFill/>
+                    </a:lnL>
+                    <a:lnR>
+                      <a:noFill/>
+                    </a:lnR>
+                    <a:lnT>
+                      <a:noFill/>
+                    </a:lnT>
+                    <a:lnB>
+                      <a:noFill/>
+                    </a:lnB>
+                    <a:solidFill>
+                      <a:srgbClr val="F5F5F5"/>
+                    </a:solidFill>
+                  </a:tcPr>
+                </a:tc>
+                <a:tc>
+                  <a:txBody>
+                    <a:bodyPr/>
+                    <a:lstStyle/>
+                    <a:p>
+                      <a:pPr algn="r" fontAlgn="ctr"/>
+                      <a:r>
+                        <a:rPr lang="en-US" dirty="0" smtClean="0"/>
+                        <a:t>0.015097</a:t>
+                      </a:r>
+                      <a:endParaRPr lang="en-US" dirty="0">
+                        <a:effectLst/>
+                      </a:endParaRPr>
+                    </a:p>
+                  </a:txBody>
+                  <a:tcPr anchor="ctr">
+                    <a:lnL>
+                      <a:noFill/>
+                    </a:lnL>
+                    <a:lnR>
+                      <a:noFill/>
+                    </a:lnR>
+                    <a:lnT>
+                      <a:noFill/>
+                    </a:lnT>
+                    <a:lnB>
+                      <a:noFill/>
+                    </a:lnB>
+                    <a:solidFill>
+                      <a:srgbClr val="F5F5F5"/>
+                    </a:solidFill>
+                  </a:tcPr>
+                </a:tc>
+                <a:tc>
+                  <a:txBody>
+                    <a:bodyPr/>
+                    <a:lstStyle/>
+                    <a:p>
+                      <a:pPr algn="r" fontAlgn="ctr"/>
+                      <a:r>
+                        <a:rPr lang="en-US" dirty="0" smtClean="0"/>
+                        <a:t>0.018875</a:t>
+                      </a:r>
+                      <a:endParaRPr lang="en-US" dirty="0">
+                        <a:effectLst/>
+                      </a:endParaRPr>
+                    </a:p>
+                  </a:txBody>
+                  <a:tcPr anchor="ctr">
+                    <a:lnL>
+                      <a:noFill/>
+                    </a:lnL>
+                    <a:lnR>
+                      <a:noFill/>
+                    </a:lnR>
+                    <a:lnT>
+                      <a:noFill/>
+                    </a:lnT>
+                    <a:lnB>
+                      <a:noFill/>
+                    </a:lnB>
+                    <a:solidFill>
+                      <a:srgbClr val="F5F5F5"/>
+                    </a:solidFill>
+                  </a:tcPr>
+                </a:tc>
+              </a:tr>
+              <a:tr h="238368">
+                <a:tc gridSpan="4">
+                  <a:txBody>
+                    <a:bodyPr/>
+                    <a:lstStyle/>
+                    <a:p>
+                      <a:pPr algn="ctr" fontAlgn="ctr"/>
+                      <a:r>
+                        <a:rPr lang="en-US" b="1" dirty="0" err="1" smtClean="0">
+                          <a:effectLst/>
+                        </a:rPr>
+                        <a:t>Tổng</a:t>
+                      </a:r>
+                      <a:r>
+                        <a:rPr lang="en-US" b="1" baseline="0" dirty="0" smtClean="0">
+                          <a:effectLst/>
+                        </a:rPr>
+                        <a:t> </a:t>
+                      </a:r>
+                      <a:r>
+                        <a:rPr lang="en-US" b="1" baseline="0" dirty="0" err="1" smtClean="0">
+                          <a:effectLst/>
+                        </a:rPr>
+                        <a:t>cộng</a:t>
+                      </a:r>
+                      <a:r>
+                        <a:rPr lang="en-US" b="1" baseline="0" dirty="0" smtClean="0">
+                          <a:effectLst/>
+                        </a:rPr>
+                        <a:t> </a:t>
+                      </a:r>
+                      <a:r>
+                        <a:rPr lang="en-US" b="1" dirty="0" smtClean="0">
+                          <a:effectLst/>
+                        </a:rPr>
+                        <a:t>29 </a:t>
+                      </a:r>
+                      <a:r>
+                        <a:rPr lang="en-US" b="1" baseline="0" dirty="0" err="1" smtClean="0">
+                          <a:effectLst/>
+                        </a:rPr>
+                        <a:t>Ngày</a:t>
+                      </a:r>
+                      <a:endParaRPr lang="en-US" b="1" dirty="0">
+                        <a:effectLst/>
+                      </a:endParaRPr>
+                    </a:p>
+                  </a:txBody>
+                  <a:tcPr anchor="ctr">
+                    <a:lnL>
+                      <a:noFill/>
+                    </a:lnL>
+                    <a:lnR>
+                      <a:noFill/>
+                    </a:lnR>
+                    <a:lnT>
+                      <a:noFill/>
+                    </a:lnT>
+                    <a:lnB>
+                      <a:noFill/>
+                    </a:lnB>
+                    <a:solidFill>
+                      <a:srgbClr val="F5F5F5"/>
+                    </a:solidFill>
+                  </a:tcPr>
+                </a:tc>
+                <a:tc hMerge="1">
+                  <a:txBody>
+                    <a:bodyPr/>
+                    <a:lstStyle/>
+                    <a:p>
+                      <a:pPr algn="r" fontAlgn="ctr"/>
+                      <a:endParaRPr lang="en-US" dirty="0">
+                        <a:effectLst/>
+                      </a:endParaRPr>
+                    </a:p>
+                  </a:txBody>
+                  <a:tcPr anchor="ctr">
+                    <a:lnL>
+                      <a:noFill/>
+                    </a:lnL>
+                    <a:lnR>
+                      <a:noFill/>
+                    </a:lnR>
+                    <a:lnT>
+                      <a:noFill/>
+                    </a:lnT>
+                    <a:lnB>
+                      <a:noFill/>
+                    </a:lnB>
+                    <a:solidFill>
+                      <a:srgbClr val="F5F5F5"/>
+                    </a:solidFill>
+                  </a:tcPr>
+                </a:tc>
+                <a:tc hMerge="1">
+                  <a:txBody>
+                    <a:bodyPr/>
+                    <a:lstStyle/>
+                    <a:p>
+                      <a:pPr algn="r" fontAlgn="ctr"/>
+                      <a:endParaRPr lang="en-US" dirty="0">
+                        <a:effectLst/>
+                      </a:endParaRPr>
+                    </a:p>
+                  </a:txBody>
+                  <a:tcPr anchor="ctr">
+                    <a:lnL>
+                      <a:noFill/>
+                    </a:lnL>
+                    <a:lnR>
+                      <a:noFill/>
+                    </a:lnR>
+                    <a:lnT>
+                      <a:noFill/>
+                    </a:lnT>
+                    <a:lnB>
+                      <a:noFill/>
+                    </a:lnB>
+                    <a:solidFill>
+                      <a:srgbClr val="F5F5F5"/>
+                    </a:solidFill>
+                  </a:tcPr>
+                </a:tc>
+                <a:tc hMerge="1">
+                  <a:txBody>
+                    <a:bodyPr/>
+                    <a:lstStyle/>
+                    <a:p>
+                      <a:pPr algn="r" fontAlgn="ctr"/>
+                      <a:endParaRPr lang="en-US" dirty="0">
+                        <a:effectLst/>
+                      </a:endParaRPr>
+                    </a:p>
+                  </a:txBody>
+                  <a:tcPr anchor="ctr">
+                    <a:lnL>
+                      <a:noFill/>
+                    </a:lnL>
+                    <a:lnR>
+                      <a:noFill/>
+                    </a:lnR>
+                    <a:lnT>
+                      <a:noFill/>
+                    </a:lnT>
+                    <a:lnB>
+                      <a:noFill/>
+                    </a:lnB>
+                    <a:solidFill>
+                      <a:srgbClr val="F5F5F5"/>
+                    </a:solidFill>
+                  </a:tcPr>
+                </a:tc>
+              </a:tr>
+            </a:tbl>
+          </a:graphicData>
+        </a:graphic>
+      </p:graphicFrame>
+      <p:graphicFrame>
+        <p:nvGraphicFramePr>
+          <p:cNvPr id="8" name="Table 7"/>
+          <p:cNvGraphicFramePr>
+            <a:graphicFrameLocks noGrp="1"/>
+          </p:cNvGraphicFramePr>
+          <p:nvPr>
+            <p:extLst>
+              <p:ext uri="{D42A27DB-BD31-4B8C-83A1-F6EECF244321}">
+                <p14:modId xmlns:p14="http://schemas.microsoft.com/office/powerpoint/2010/main" val="495894218"/>
+              </p:ext>
+            </p:extLst>
+          </p:nvPr>
+        </p:nvGraphicFramePr>
+        <p:xfrm>
+          <a:off x="7698014" y="2440940"/>
+          <a:ext cx="3657600" cy="1280160"/>
+        </p:xfrm>
+        <a:graphic>
+          <a:graphicData uri="http://schemas.openxmlformats.org/drawingml/2006/table">
+            <a:tbl>
+              <a:tblPr/>
+              <a:tblGrid>
+                <a:gridCol w="1828800"/>
+                <a:gridCol w="1828800"/>
+              </a:tblGrid>
+              <a:tr h="629126">
+                <a:tc>
+                  <a:txBody>
+                    <a:bodyPr/>
+                    <a:lstStyle/>
+                    <a:p>
+                      <a:pPr algn="ctr" fontAlgn="ctr"/>
+                      <a:r>
+                        <a:rPr lang="en-US" b="1" dirty="0">
+                          <a:effectLst/>
+                        </a:rPr>
+                        <a:t/>
+                      </a:r>
+                      <a:br>
+                        <a:rPr lang="en-US" b="1" dirty="0">
+                          <a:effectLst/>
+                        </a:rPr>
+                      </a:br>
+                      <a:r>
+                        <a:rPr lang="en-US" b="1" dirty="0" smtClean="0">
+                          <a:effectLst/>
+                        </a:rPr>
+                        <a:t>Date</a:t>
+                      </a:r>
+                      <a:endParaRPr lang="en-US" b="1" dirty="0">
+                        <a:effectLst/>
+                      </a:endParaRPr>
+                    </a:p>
+                    <a:p>
+                      <a:pPr algn="ctr" fontAlgn="ctr"/>
+                      <a:endParaRPr lang="en-US" b="1" dirty="0">
+                        <a:effectLst/>
+                      </a:endParaRPr>
+                    </a:p>
+                  </a:txBody>
+                  <a:tcPr anchor="ctr">
+                    <a:lnL>
+                      <a:noFill/>
+                    </a:lnL>
+                    <a:lnR>
+                      <a:noFill/>
+                    </a:lnR>
+                    <a:lnT>
+                      <a:noFill/>
+                    </a:lnT>
+                    <a:lnB>
+                      <a:noFill/>
+                    </a:lnB>
+                  </a:tcPr>
+                </a:tc>
+                <a:tc>
+                  <a:txBody>
+                    <a:bodyPr/>
+                    <a:lstStyle/>
+                    <a:p>
+                      <a:pPr algn="ctr" fontAlgn="ctr"/>
+                      <a:r>
+                        <a:rPr lang="en-US" sz="1800" b="1" i="0" kern="1200" dirty="0" smtClean="0">
+                          <a:solidFill>
+                            <a:schemeClr val="tx1"/>
+                          </a:solidFill>
+                          <a:effectLst/>
+                          <a:latin typeface="+mn-lt"/>
+                          <a:ea typeface="+mn-ea"/>
+                          <a:cs typeface="+mn-cs"/>
+                        </a:rPr>
+                        <a:t>Close</a:t>
+                      </a:r>
+                      <a:endParaRPr lang="en-US" b="1" dirty="0">
+                        <a:effectLst/>
+                      </a:endParaRPr>
+                    </a:p>
+                  </a:txBody>
+                  <a:tcPr anchor="ctr">
+                    <a:lnL>
+                      <a:noFill/>
+                    </a:lnL>
+                    <a:lnR>
+                      <a:noFill/>
+                    </a:lnR>
+                    <a:lnT>
+                      <a:noFill/>
+                    </a:lnT>
+                    <a:lnB>
+                      <a:noFill/>
+                    </a:lnB>
+                  </a:tcPr>
+                </a:tc>
+              </a:tr>
+              <a:tr h="238368">
+                <a:tc>
+                  <a:txBody>
+                    <a:bodyPr/>
+                    <a:lstStyle/>
+                    <a:p>
+                      <a:pPr algn="r" fontAlgn="ctr"/>
+                      <a:r>
+                        <a:rPr lang="en-US" sz="1800" b="1" i="0" kern="1200" dirty="0" smtClean="0">
+                          <a:solidFill>
+                            <a:schemeClr val="tx1"/>
+                          </a:solidFill>
+                          <a:effectLst/>
+                          <a:latin typeface="+mn-lt"/>
+                          <a:ea typeface="+mn-ea"/>
+                          <a:cs typeface="+mn-cs"/>
+                        </a:rPr>
+                        <a:t>2019-04-10</a:t>
+                      </a:r>
+                      <a:endParaRPr lang="en-US" b="1" dirty="0">
+                        <a:effectLst/>
+                      </a:endParaRPr>
+                    </a:p>
+                  </a:txBody>
+                  <a:tcPr anchor="ctr">
+                    <a:lnL>
+                      <a:noFill/>
+                    </a:lnL>
+                    <a:lnR>
+                      <a:noFill/>
+                    </a:lnR>
+                    <a:lnT>
+                      <a:noFill/>
+                    </a:lnT>
+                    <a:lnB>
+                      <a:noFill/>
+                    </a:lnB>
+                    <a:solidFill>
+                      <a:srgbClr val="F5F5F5"/>
+                    </a:solidFill>
+                  </a:tcPr>
+                </a:tc>
+                <a:tc>
+                  <a:txBody>
+                    <a:bodyPr/>
+                    <a:lstStyle/>
+                    <a:p>
+                      <a:pPr algn="r" fontAlgn="ctr"/>
+                      <a:r>
+                        <a:rPr lang="en-US" dirty="0" smtClean="0"/>
+                        <a:t>-0.013054</a:t>
+                      </a:r>
+                      <a:endParaRPr lang="en-US" dirty="0">
+                        <a:effectLst/>
+                      </a:endParaRPr>
+                    </a:p>
+                  </a:txBody>
+                  <a:tcPr anchor="ctr">
+                    <a:lnL>
+                      <a:noFill/>
+                    </a:lnL>
+                    <a:lnR>
+                      <a:noFill/>
+                    </a:lnR>
+                    <a:lnT>
+                      <a:noFill/>
+                    </a:lnT>
+                    <a:lnB>
+                      <a:noFill/>
+                    </a:lnB>
+                    <a:solidFill>
+                      <a:srgbClr val="F5F5F5"/>
+                    </a:solidFill>
+                  </a:tcPr>
+                </a:tc>
+              </a:tr>
+            </a:tbl>
+          </a:graphicData>
+        </a:graphic>
+      </p:graphicFrame>
+      <p:sp>
+        <p:nvSpPr>
+          <p:cNvPr id="9" name="Right Arrow 8"/>
+          <p:cNvSpPr/>
+          <p:nvPr/>
+        </p:nvSpPr>
+        <p:spPr>
+          <a:xfrm>
+            <a:off x="6631214" y="2946400"/>
+            <a:ext cx="749300" cy="774700"/>
+          </a:xfrm>
+          <a:prstGeom prst="rightArrow">
+            <a:avLst/>
+          </a:prstGeom>
+        </p:spPr>
+        <p:style>
+          <a:lnRef idx="2">
+            <a:schemeClr val="accent1">
+              <a:shade val="50000"/>
+            </a:schemeClr>
+          </a:lnRef>
+          <a:fillRef idx="1">
+            <a:schemeClr val="accent1"/>
+          </a:fillRef>
+          <a:effectRef idx="0">
+            <a:schemeClr val="accent1"/>
+          </a:effectRef>
+          <a:fontRef idx="minor">
+            <a:schemeClr val="lt1"/>
+          </a:fontRef>
+        </p:style>
+        <p:txBody>
+          <a:bodyPr rtlCol="0" anchor="ctr"/>
+          <a:lstStyle/>
+          <a:p>
+            <a:pPr algn="ctr"/>
+            <a:endParaRPr lang="en-US"/>
+          </a:p>
+        </p:txBody>
+      </p:sp>
+    </p:spTree>
+    <p:extLst>
+      <p:ext uri="{BB962C8B-B14F-4D97-AF65-F5344CB8AC3E}">
+        <p14:creationId xmlns:p14="http://schemas.microsoft.com/office/powerpoint/2010/main" val="2138101096"/>
+      </p:ext>
+    </p:extLst>
+  </p:cSld>
+  <p:clrMapOvr>
+    <a:masterClrMapping/>
+  </p:clrMapOvr>
+</p:sld>
+</file>
+
+<file path=ppt/slides/slide8.xml><?xml version="1.0" encoding="utf-8"?>
+<p:sld xmlns:a="http://schemas.openxmlformats.org/drawingml/2006/main" xmlns:r="http://schemas.openxmlformats.org/officeDocument/2006/relationships" xmlns:p="http://schemas.openxmlformats.org/presentationml/2006/main">
+  <p:cSld>
+    <p:spTree>
+      <p:nvGrpSpPr>
+        <p:cNvPr id="1" name=""/>
+        <p:cNvGrpSpPr/>
+        <p:nvPr/>
+      </p:nvGrpSpPr>
+      <p:grpSpPr>
+        <a:xfrm>
+          <a:off x="0" y="0"/>
+          <a:ext cx="0" cy="0"/>
+          <a:chOff x="0" y="0"/>
+          <a:chExt cx="0" cy="0"/>
+        </a:xfrm>
+      </p:grpSpPr>
       <p:sp>
         <p:nvSpPr>
           <p:cNvPr id="2" name="Title 1">
             <a:extLst>
               <a:ext uri="{FF2B5EF4-FFF2-40B4-BE49-F238E27FC236}">
-                <a16:creationId xmlns="" xmlns:a16="http://schemas.microsoft.com/office/drawing/2014/main" id="{10742257-3980-4551-868A-26DC3CB821EE}"/>
+                <a16:creationId xmlns:a16="http://schemas.microsoft.com/office/drawing/2014/main" xmlns="" id="{10742257-3980-4551-868A-26DC3CB821EE}"/>
               </a:ext>
             </a:extLst>
           </p:cNvPr>
@@ -13045,7 +15187,7 @@
           <p:cNvPr id="3" name="Content Placeholder 2">
             <a:extLst>
               <a:ext uri="{FF2B5EF4-FFF2-40B4-BE49-F238E27FC236}">
-                <a16:creationId xmlns="" xmlns:a16="http://schemas.microsoft.com/office/drawing/2014/main" id="{B57E0B0F-4D29-4786-B2AB-B84D9F8B5429}"/>
+                <a16:creationId xmlns:a16="http://schemas.microsoft.com/office/drawing/2014/main" xmlns="" id="{B57E0B0F-4D29-4786-B2AB-B84D9F8B5429}"/>
               </a:ext>
             </a:extLst>
           </p:cNvPr>
@@ -13200,7 +15342,7 @@
           <p:cNvPr id="10" name="Group 9">
             <a:extLst>
               <a:ext uri="{FF2B5EF4-FFF2-40B4-BE49-F238E27FC236}">
-                <a16:creationId xmlns="" xmlns:a16="http://schemas.microsoft.com/office/drawing/2014/main" id="{D4EF09CF-3362-453A-9463-F6669A9D3E01}"/>
+                <a16:creationId xmlns:a16="http://schemas.microsoft.com/office/drawing/2014/main" xmlns="" id="{D4EF09CF-3362-453A-9463-F6669A9D3E01}"/>
               </a:ext>
             </a:extLst>
           </p:cNvPr>
@@ -13220,7 +15362,7 @@
             <p:cNvPr id="4" name="Rectangle 3">
               <a:extLst>
                 <a:ext uri="{FF2B5EF4-FFF2-40B4-BE49-F238E27FC236}">
-                  <a16:creationId xmlns="" xmlns:a16="http://schemas.microsoft.com/office/drawing/2014/main" id="{403AE892-EBD6-40F1-851B-FEADBD59429F}"/>
+                  <a16:creationId xmlns:a16="http://schemas.microsoft.com/office/drawing/2014/main" xmlns="" id="{403AE892-EBD6-40F1-851B-FEADBD59429F}"/>
                 </a:ext>
               </a:extLst>
             </p:cNvPr>
@@ -13274,7 +15416,7 @@
             <p:cNvPr id="5" name="Rectangle 4">
               <a:extLst>
                 <a:ext uri="{FF2B5EF4-FFF2-40B4-BE49-F238E27FC236}">
-                  <a16:creationId xmlns="" xmlns:a16="http://schemas.microsoft.com/office/drawing/2014/main" id="{54318653-1A38-442C-BA0F-F2C51149BCFF}"/>
+                  <a16:creationId xmlns:a16="http://schemas.microsoft.com/office/drawing/2014/main" xmlns="" id="{54318653-1A38-442C-BA0F-F2C51149BCFF}"/>
                 </a:ext>
               </a:extLst>
             </p:cNvPr>
@@ -13326,7 +15468,7 @@
             <p:cNvPr id="6" name="Rectangle 5">
               <a:extLst>
                 <a:ext uri="{FF2B5EF4-FFF2-40B4-BE49-F238E27FC236}">
-                  <a16:creationId xmlns="" xmlns:a16="http://schemas.microsoft.com/office/drawing/2014/main" id="{C25D63D1-E9CE-42BF-BD4D-374FD0293155}"/>
+                  <a16:creationId xmlns:a16="http://schemas.microsoft.com/office/drawing/2014/main" xmlns="" id="{C25D63D1-E9CE-42BF-BD4D-374FD0293155}"/>
                 </a:ext>
               </a:extLst>
             </p:cNvPr>
@@ -13378,7 +15520,7 @@
             <p:cNvPr id="7" name="Rectangle 6">
               <a:extLst>
                 <a:ext uri="{FF2B5EF4-FFF2-40B4-BE49-F238E27FC236}">
-                  <a16:creationId xmlns="" xmlns:a16="http://schemas.microsoft.com/office/drawing/2014/main" id="{BA4EE865-9F0D-4531-A737-E13A557C0277}"/>
+                  <a16:creationId xmlns:a16="http://schemas.microsoft.com/office/drawing/2014/main" xmlns="" id="{BA4EE865-9F0D-4531-A737-E13A557C0277}"/>
                 </a:ext>
               </a:extLst>
             </p:cNvPr>
@@ -13430,7 +15572,7 @@
             <p:cNvPr id="8" name="Rectangle 7">
               <a:extLst>
                 <a:ext uri="{FF2B5EF4-FFF2-40B4-BE49-F238E27FC236}">
-                  <a16:creationId xmlns="" xmlns:a16="http://schemas.microsoft.com/office/drawing/2014/main" id="{6A1183CB-C5B0-498A-A49C-4180134C74B0}"/>
+                  <a16:creationId xmlns:a16="http://schemas.microsoft.com/office/drawing/2014/main" xmlns="" id="{6A1183CB-C5B0-498A-A49C-4180134C74B0}"/>
                 </a:ext>
               </a:extLst>
             </p:cNvPr>
@@ -13483,7 +15625,7 @@
           <p:cNvPr id="12" name="Graphic 12" descr="Beaker">
             <a:extLst>
               <a:ext uri="{FF2B5EF4-FFF2-40B4-BE49-F238E27FC236}">
-                <a16:creationId xmlns="" xmlns:a16="http://schemas.microsoft.com/office/drawing/2014/main" id="{BF2CC76A-FBA9-49E0-9F1C-2C5299495F4C}"/>
+                <a16:creationId xmlns:a16="http://schemas.microsoft.com/office/drawing/2014/main" xmlns="" id="{BF2CC76A-FBA9-49E0-9F1C-2C5299495F4C}"/>
               </a:ext>
             </a:extLst>
           </p:cNvPr>
@@ -13499,7 +15641,7 @@
                 <a14:useLocalDpi xmlns:a14="http://schemas.microsoft.com/office/drawing/2010/main" val="0"/>
               </a:ext>
               <a:ext uri="{96DAC541-7B7A-43D3-8B79-37D633B846F1}">
-                <asvg:svgBlip xmlns="" xmlns:asvg="http://schemas.microsoft.com/office/drawing/2016/SVG/main" r:embed="rId3"/>
+                <asvg:svgBlip xmlns:asvg="http://schemas.microsoft.com/office/drawing/2016/SVG/main" xmlns="" r:embed="rId3"/>
               </a:ext>
             </a:extLst>
           </a:blip>
@@ -13560,7 +15702,7 @@
 </p:sld>
 </file>
 
-<file path=ppt/slides/slide8.xml><?xml version="1.0" encoding="utf-8"?>
+<file path=ppt/slides/slide9.xml><?xml version="1.0" encoding="utf-8"?>
 <p:sld xmlns:a="http://schemas.openxmlformats.org/drawingml/2006/main" xmlns:r="http://schemas.openxmlformats.org/officeDocument/2006/relationships" xmlns:p="http://schemas.openxmlformats.org/presentationml/2006/main">
   <p:cSld>
     <p:spTree>
@@ -13582,7 +15724,7 @@
           <p:cNvPr id="2" name="Title 1">
             <a:extLst>
               <a:ext uri="{FF2B5EF4-FFF2-40B4-BE49-F238E27FC236}">
-                <a16:creationId xmlns="" xmlns:a16="http://schemas.microsoft.com/office/drawing/2014/main" id="{10742257-3980-4551-868A-26DC3CB821EE}"/>
+                <a16:creationId xmlns:a16="http://schemas.microsoft.com/office/drawing/2014/main" xmlns="" id="{10742257-3980-4551-868A-26DC3CB821EE}"/>
               </a:ext>
             </a:extLst>
           </p:cNvPr>
@@ -13630,7 +15772,7 @@
           <p:cNvPr id="3" name="Content Placeholder 2">
             <a:extLst>
               <a:ext uri="{FF2B5EF4-FFF2-40B4-BE49-F238E27FC236}">
-                <a16:creationId xmlns="" xmlns:a16="http://schemas.microsoft.com/office/drawing/2014/main" id="{B57E0B0F-4D29-4786-B2AB-B84D9F8B5429}"/>
+                <a16:creationId xmlns:a16="http://schemas.microsoft.com/office/drawing/2014/main" xmlns="" id="{B57E0B0F-4D29-4786-B2AB-B84D9F8B5429}"/>
               </a:ext>
             </a:extLst>
           </p:cNvPr>
@@ -13750,7 +15892,7 @@
           <p:cNvPr id="10" name="Group 9">
             <a:extLst>
               <a:ext uri="{FF2B5EF4-FFF2-40B4-BE49-F238E27FC236}">
-                <a16:creationId xmlns="" xmlns:a16="http://schemas.microsoft.com/office/drawing/2014/main" id="{D4EF09CF-3362-453A-9463-F6669A9D3E01}"/>
+                <a16:creationId xmlns:a16="http://schemas.microsoft.com/office/drawing/2014/main" xmlns="" id="{D4EF09CF-3362-453A-9463-F6669A9D3E01}"/>
               </a:ext>
             </a:extLst>
           </p:cNvPr>
@@ -13770,7 +15912,7 @@
             <p:cNvPr id="4" name="Rectangle 3">
               <a:extLst>
                 <a:ext uri="{FF2B5EF4-FFF2-40B4-BE49-F238E27FC236}">
-                  <a16:creationId xmlns="" xmlns:a16="http://schemas.microsoft.com/office/drawing/2014/main" id="{403AE892-EBD6-40F1-851B-FEADBD59429F}"/>
+                  <a16:creationId xmlns:a16="http://schemas.microsoft.com/office/drawing/2014/main" xmlns="" id="{403AE892-EBD6-40F1-851B-FEADBD59429F}"/>
                 </a:ext>
               </a:extLst>
             </p:cNvPr>
@@ -13824,7 +15966,7 @@
             <p:cNvPr id="5" name="Rectangle 4">
               <a:extLst>
                 <a:ext uri="{FF2B5EF4-FFF2-40B4-BE49-F238E27FC236}">
-                  <a16:creationId xmlns="" xmlns:a16="http://schemas.microsoft.com/office/drawing/2014/main" id="{54318653-1A38-442C-BA0F-F2C51149BCFF}"/>
+                  <a16:creationId xmlns:a16="http://schemas.microsoft.com/office/drawing/2014/main" xmlns="" id="{54318653-1A38-442C-BA0F-F2C51149BCFF}"/>
                 </a:ext>
               </a:extLst>
             </p:cNvPr>
@@ -13876,7 +16018,7 @@
             <p:cNvPr id="6" name="Rectangle 5">
               <a:extLst>
                 <a:ext uri="{FF2B5EF4-FFF2-40B4-BE49-F238E27FC236}">
-                  <a16:creationId xmlns="" xmlns:a16="http://schemas.microsoft.com/office/drawing/2014/main" id="{C25D63D1-E9CE-42BF-BD4D-374FD0293155}"/>
+                  <a16:creationId xmlns:a16="http://schemas.microsoft.com/office/drawing/2014/main" xmlns="" id="{C25D63D1-E9CE-42BF-BD4D-374FD0293155}"/>
                 </a:ext>
               </a:extLst>
             </p:cNvPr>
@@ -13928,7 +16070,7 @@
             <p:cNvPr id="7" name="Rectangle 6">
               <a:extLst>
                 <a:ext uri="{FF2B5EF4-FFF2-40B4-BE49-F238E27FC236}">
-                  <a16:creationId xmlns="" xmlns:a16="http://schemas.microsoft.com/office/drawing/2014/main" id="{BA4EE865-9F0D-4531-A737-E13A557C0277}"/>
+                  <a16:creationId xmlns:a16="http://schemas.microsoft.com/office/drawing/2014/main" xmlns="" id="{BA4EE865-9F0D-4531-A737-E13A557C0277}"/>
                 </a:ext>
               </a:extLst>
             </p:cNvPr>
@@ -13980,7 +16122,7 @@
             <p:cNvPr id="8" name="Rectangle 7">
               <a:extLst>
                 <a:ext uri="{FF2B5EF4-FFF2-40B4-BE49-F238E27FC236}">
-                  <a16:creationId xmlns="" xmlns:a16="http://schemas.microsoft.com/office/drawing/2014/main" id="{6A1183CB-C5B0-498A-A49C-4180134C74B0}"/>
+                  <a16:creationId xmlns:a16="http://schemas.microsoft.com/office/drawing/2014/main" xmlns="" id="{6A1183CB-C5B0-498A-A49C-4180134C74B0}"/>
                 </a:ext>
               </a:extLst>
             </p:cNvPr>
@@ -14033,7 +16175,7 @@
           <p:cNvPr id="12" name="Graphic 12" descr="Beaker">
             <a:extLst>
               <a:ext uri="{FF2B5EF4-FFF2-40B4-BE49-F238E27FC236}">
-                <a16:creationId xmlns="" xmlns:a16="http://schemas.microsoft.com/office/drawing/2014/main" id="{BF2CC76A-FBA9-49E0-9F1C-2C5299495F4C}"/>
+                <a16:creationId xmlns:a16="http://schemas.microsoft.com/office/drawing/2014/main" xmlns="" id="{BF2CC76A-FBA9-49E0-9F1C-2C5299495F4C}"/>
               </a:ext>
             </a:extLst>
           </p:cNvPr>
@@ -14049,7 +16191,7 @@
                 <a14:useLocalDpi xmlns:a14="http://schemas.microsoft.com/office/drawing/2010/main" val="0"/>
               </a:ext>
               <a:ext uri="{96DAC541-7B7A-43D3-8B79-37D633B846F1}">
-                <asvg:svgBlip xmlns="" xmlns:asvg="http://schemas.microsoft.com/office/drawing/2016/SVG/main" r:embed="rId3"/>
+                <asvg:svgBlip xmlns:asvg="http://schemas.microsoft.com/office/drawing/2016/SVG/main" xmlns="" r:embed="rId3"/>
               </a:ext>
             </a:extLst>
           </a:blip>
@@ -14112,426 +16254,6 @@
     <p:extLst>
       <p:ext uri="{BB962C8B-B14F-4D97-AF65-F5344CB8AC3E}">
         <p14:creationId xmlns:p14="http://schemas.microsoft.com/office/powerpoint/2010/main" val="321941084"/>
-      </p:ext>
-    </p:extLst>
-  </p:cSld>
-  <p:clrMapOvr>
-    <a:masterClrMapping/>
-  </p:clrMapOvr>
-</p:sld>
-</file>
-
-<file path=ppt/slides/slide9.xml><?xml version="1.0" encoding="utf-8"?>
-<p:sld xmlns:a="http://schemas.openxmlformats.org/drawingml/2006/main" xmlns:r="http://schemas.openxmlformats.org/officeDocument/2006/relationships" xmlns:p="http://schemas.openxmlformats.org/presentationml/2006/main">
-  <p:cSld>
-    <p:spTree>
-      <p:nvGrpSpPr>
-        <p:cNvPr id="1" name=""/>
-        <p:cNvGrpSpPr/>
-        <p:nvPr/>
-      </p:nvGrpSpPr>
-      <p:grpSpPr>
-        <a:xfrm>
-          <a:off x="0" y="0"/>
-          <a:ext cx="0" cy="0"/>
-          <a:chOff x="0" y="0"/>
-          <a:chExt cx="0" cy="0"/>
-        </a:xfrm>
-      </p:grpSpPr>
-      <p:sp>
-        <p:nvSpPr>
-          <p:cNvPr id="2" name="Title 1">
-            <a:extLst>
-              <a:ext uri="{FF2B5EF4-FFF2-40B4-BE49-F238E27FC236}">
-                <a16:creationId xmlns="" xmlns:a16="http://schemas.microsoft.com/office/drawing/2014/main" id="{10742257-3980-4551-868A-26DC3CB821EE}"/>
-              </a:ext>
-            </a:extLst>
-          </p:cNvPr>
-          <p:cNvSpPr>
-            <a:spLocks noGrp="1"/>
-          </p:cNvSpPr>
-          <p:nvPr>
-            <p:ph type="title"/>
-          </p:nvPr>
-        </p:nvSpPr>
-        <p:spPr>
-          <a:xfrm>
-            <a:off x="521284" y="365125"/>
-            <a:ext cx="8378529" cy="1027257"/>
-          </a:xfrm>
-        </p:spPr>
-        <p:txBody>
-          <a:bodyPr/>
-          <a:lstStyle/>
-          <a:p>
-            <a:r>
-              <a:rPr lang="en-US" dirty="0" err="1" smtClean="0">
-                <a:solidFill>
-                  <a:schemeClr val="accent5">
-                    <a:lumMod val="50000"/>
-                  </a:schemeClr>
-                </a:solidFill>
-                <a:latin typeface="Arial" panose="020B0604020202020204" pitchFamily="34" charset="0"/>
-              </a:rPr>
-              <a:t>Kết</a:t>
-            </a:r>
-            <a:r>
-              <a:rPr lang="en-US" dirty="0" smtClean="0">
-                <a:solidFill>
-                  <a:schemeClr val="accent5">
-                    <a:lumMod val="50000"/>
-                  </a:schemeClr>
-                </a:solidFill>
-                <a:latin typeface="Arial" panose="020B0604020202020204" pitchFamily="34" charset="0"/>
-              </a:rPr>
-              <a:t> </a:t>
-            </a:r>
-            <a:r>
-              <a:rPr lang="en-US" dirty="0" err="1" smtClean="0">
-                <a:solidFill>
-                  <a:schemeClr val="accent5">
-                    <a:lumMod val="50000"/>
-                  </a:schemeClr>
-                </a:solidFill>
-                <a:latin typeface="Arial" panose="020B0604020202020204" pitchFamily="34" charset="0"/>
-              </a:rPr>
-              <a:t>quả</a:t>
-            </a:r>
-            <a:endParaRPr lang="en-US" dirty="0">
-              <a:solidFill>
-                <a:schemeClr val="accent5">
-                  <a:lumMod val="50000"/>
-                </a:schemeClr>
-              </a:solidFill>
-              <a:latin typeface="Arial" panose="020B0604020202020204" pitchFamily="34" charset="0"/>
-            </a:endParaRPr>
-          </a:p>
-        </p:txBody>
-      </p:sp>
-      <p:pic>
-        <p:nvPicPr>
-          <p:cNvPr id="12" name="Picture 11"/>
-          <p:cNvPicPr>
-            <a:picLocks noChangeAspect="1"/>
-          </p:cNvPicPr>
-          <p:nvPr/>
-        </p:nvPicPr>
-        <p:blipFill>
-          <a:blip r:embed="rId2">
-            <a:extLst>
-              <a:ext uri="{28A0092B-C50C-407E-A947-70E740481C1C}">
-                <a14:useLocalDpi xmlns:a14="http://schemas.microsoft.com/office/drawing/2010/main" val="0"/>
-              </a:ext>
-            </a:extLst>
-          </a:blip>
-          <a:stretch>
-            <a:fillRect/>
-          </a:stretch>
-        </p:blipFill>
-        <p:spPr>
-          <a:xfrm>
-            <a:off x="337033" y="1392382"/>
-            <a:ext cx="7030419" cy="4668783"/>
-          </a:xfrm>
-          <a:prstGeom prst="rect">
-            <a:avLst/>
-          </a:prstGeom>
-        </p:spPr>
-      </p:pic>
-      <mc:AlternateContent xmlns:mc="http://schemas.openxmlformats.org/markup-compatibility/2006">
-        <mc:Choice xmlns:a14="http://schemas.microsoft.com/office/drawing/2010/main" Requires="a14">
-          <p:sp>
-            <p:nvSpPr>
-              <p:cNvPr id="14" name="TextBox 13"/>
-              <p:cNvSpPr txBox="1"/>
-              <p:nvPr/>
-            </p:nvSpPr>
-            <p:spPr>
-              <a:xfrm>
-                <a:off x="7582989" y="2254579"/>
-                <a:ext cx="4317656" cy="802079"/>
-              </a:xfrm>
-              <a:prstGeom prst="rect">
-                <a:avLst/>
-              </a:prstGeom>
-              <a:noFill/>
-            </p:spPr>
-            <p:txBody>
-              <a:bodyPr wrap="none" lIns="0" tIns="0" rIns="0" bIns="0" rtlCol="0">
-                <a:spAutoFit/>
-              </a:bodyPr>
-              <a:lstStyle/>
-              <a:p>
-                <a14:m>
-                  <m:oMathPara xmlns:m="http://schemas.openxmlformats.org/officeDocument/2006/math">
-                    <m:oMathParaPr>
-                      <m:jc m:val="centerGroup"/>
-                    </m:oMathParaPr>
-                    <m:oMath xmlns:m="http://schemas.openxmlformats.org/officeDocument/2006/math">
-                      <m:r>
-                        <a:rPr lang="en-US" b="0" i="1" smtClean="0">
-                          <a:latin typeface="Cambria Math" panose="02040503050406030204" pitchFamily="18" charset="0"/>
-                        </a:rPr>
-                        <m:t>𝐴𝑐𝑐</m:t>
-                      </m:r>
-                      <m:r>
-                        <a:rPr lang="en-US" b="0" i="1" smtClean="0">
-                          <a:latin typeface="Cambria Math" panose="02040503050406030204" pitchFamily="18" charset="0"/>
-                        </a:rPr>
-                        <m:t>=</m:t>
-                      </m:r>
-                      <m:f>
-                        <m:fPr>
-                          <m:ctrlPr>
-                            <a:rPr lang="en-US" b="0" i="1" smtClean="0">
-                              <a:latin typeface="Cambria Math" panose="02040503050406030204" pitchFamily="18" charset="0"/>
-                            </a:rPr>
-                          </m:ctrlPr>
-                        </m:fPr>
-                        <m:num>
-                          <m:r>
-                            <a:rPr lang="en-US" b="0" i="1" smtClean="0">
-                              <a:latin typeface="Cambria Math" panose="02040503050406030204" pitchFamily="18" charset="0"/>
-                            </a:rPr>
-                            <m:t>𝑠𝑖𝑧𝑒</m:t>
-                          </m:r>
-                          <m:r>
-                            <a:rPr lang="en-US" b="0" i="1" smtClean="0">
-                              <a:latin typeface="Cambria Math" panose="02040503050406030204" pitchFamily="18" charset="0"/>
-                            </a:rPr>
-                            <m:t>([</m:t>
-                          </m:r>
-                          <m:r>
-                            <a:rPr lang="en-US" b="0" i="1" smtClean="0">
-                              <a:latin typeface="Cambria Math" panose="02040503050406030204" pitchFamily="18" charset="0"/>
-                            </a:rPr>
-                            <m:t>𝑎𝑏𝑠</m:t>
-                          </m:r>
-                          <m:d>
-                            <m:dPr>
-                              <m:ctrlPr>
-                                <a:rPr lang="en-US" b="0" i="1" smtClean="0">
-                                  <a:latin typeface="Cambria Math" panose="02040503050406030204" pitchFamily="18" charset="0"/>
-                                </a:rPr>
-                              </m:ctrlPr>
-                            </m:dPr>
-                            <m:e>
-                              <m:r>
-                                <a:rPr lang="en-US" b="0" i="1" smtClean="0">
-                                  <a:latin typeface="Cambria Math" panose="02040503050406030204" pitchFamily="18" charset="0"/>
-                                </a:rPr>
-                                <m:t>1 − </m:t>
-                              </m:r>
-                              <m:f>
-                                <m:fPr>
-                                  <m:ctrlPr>
-                                    <a:rPr lang="en-US" b="0" i="1" smtClean="0">
-                                      <a:latin typeface="Cambria Math" panose="02040503050406030204" pitchFamily="18" charset="0"/>
-                                    </a:rPr>
-                                  </m:ctrlPr>
-                                </m:fPr>
-                                <m:num>
-                                  <m:r>
-                                    <a:rPr lang="en-US" b="0" i="1" smtClean="0">
-                                      <a:latin typeface="Cambria Math" panose="02040503050406030204" pitchFamily="18" charset="0"/>
-                                    </a:rPr>
-                                    <m:t>𝑝𝑟𝑒𝑑𝑖𝑐𝑡𝑖𝑜𝑛</m:t>
-                                  </m:r>
-                                </m:num>
-                                <m:den>
-                                  <m:r>
-                                    <a:rPr lang="en-US" b="0" i="1" smtClean="0">
-                                      <a:latin typeface="Cambria Math" panose="02040503050406030204" pitchFamily="18" charset="0"/>
-                                    </a:rPr>
-                                    <m:t>𝑎𝑐𝑡𝑢𝑎𝑙</m:t>
-                                  </m:r>
-                                </m:den>
-                              </m:f>
-                            </m:e>
-                          </m:d>
-                          <m:r>
-                            <a:rPr lang="en-US" b="0" i="1" smtClean="0">
-                              <a:latin typeface="Cambria Math" panose="02040503050406030204" pitchFamily="18" charset="0"/>
-                            </a:rPr>
-                            <m:t>&lt;0.2])</m:t>
-                          </m:r>
-                        </m:num>
-                        <m:den>
-                          <m:r>
-                            <a:rPr lang="en-US" b="0" i="1" smtClean="0">
-                              <a:latin typeface="Cambria Math" panose="02040503050406030204" pitchFamily="18" charset="0"/>
-                            </a:rPr>
-                            <m:t>𝑠𝑖𝑧𝑒</m:t>
-                          </m:r>
-                          <m:r>
-                            <a:rPr lang="en-US" b="0" i="1" smtClean="0">
-                              <a:latin typeface="Cambria Math" panose="02040503050406030204" pitchFamily="18" charset="0"/>
-                            </a:rPr>
-                            <m:t>(</m:t>
-                          </m:r>
-                          <m:r>
-                            <a:rPr lang="en-US" b="0" i="1" smtClean="0">
-                              <a:latin typeface="Cambria Math" panose="02040503050406030204" pitchFamily="18" charset="0"/>
-                            </a:rPr>
-                            <m:t>𝑦</m:t>
-                          </m:r>
-                          <m:r>
-                            <a:rPr lang="en-US" b="0" i="1" smtClean="0">
-                              <a:latin typeface="Cambria Math" panose="02040503050406030204" pitchFamily="18" charset="0"/>
-                            </a:rPr>
-                            <m:t>.</m:t>
-                          </m:r>
-                          <m:r>
-                            <a:rPr lang="en-US" b="0" i="1" smtClean="0">
-                              <a:latin typeface="Cambria Math" panose="02040503050406030204" pitchFamily="18" charset="0"/>
-                            </a:rPr>
-                            <m:t>𝑡𝑒𝑠𝑡</m:t>
-                          </m:r>
-                          <m:r>
-                            <a:rPr lang="en-US" b="0" i="1" smtClean="0">
-                              <a:latin typeface="Cambria Math" panose="02040503050406030204" pitchFamily="18" charset="0"/>
-                            </a:rPr>
-                            <m:t>)</m:t>
-                          </m:r>
-                        </m:den>
-                      </m:f>
-                    </m:oMath>
-                  </m:oMathPara>
-                </a14:m>
-                <a:endParaRPr lang="en-US" dirty="0"/>
-              </a:p>
-            </p:txBody>
-          </p:sp>
-        </mc:Choice>
-        <mc:Fallback>
-          <p:sp>
-            <p:nvSpPr>
-              <p:cNvPr id="14" name="TextBox 13"/>
-              <p:cNvSpPr txBox="1">
-                <a:spLocks noRot="1" noChangeAspect="1" noMove="1" noResize="1" noEditPoints="1" noAdjustHandles="1" noChangeArrowheads="1" noChangeShapeType="1" noTextEdit="1"/>
-              </p:cNvSpPr>
-              <p:nvPr/>
-            </p:nvSpPr>
-            <p:spPr>
-              <a:xfrm>
-                <a:off x="7582989" y="2254579"/>
-                <a:ext cx="4317656" cy="802079"/>
-              </a:xfrm>
-              <a:prstGeom prst="rect">
-                <a:avLst/>
-              </a:prstGeom>
-              <a:blipFill rotWithShape="0">
-                <a:blip r:embed="rId3"/>
-                <a:stretch>
-                  <a:fillRect/>
-                </a:stretch>
-              </a:blipFill>
-            </p:spPr>
-            <p:txBody>
-              <a:bodyPr/>
-              <a:lstStyle/>
-              <a:p>
-                <a:r>
-                  <a:rPr lang="en-US">
-                    <a:noFill/>
-                  </a:rPr>
-                  <a:t> </a:t>
-                </a:r>
-              </a:p>
-            </p:txBody>
-          </p:sp>
-        </mc:Fallback>
-      </mc:AlternateContent>
-      <p:sp>
-        <p:nvSpPr>
-          <p:cNvPr id="15" name="TextBox 14"/>
-          <p:cNvSpPr txBox="1"/>
-          <p:nvPr/>
-        </p:nvSpPr>
-        <p:spPr>
-          <a:xfrm>
-            <a:off x="8403117" y="3726773"/>
-            <a:ext cx="2677400" cy="492443"/>
-          </a:xfrm>
-          <a:prstGeom prst="rect">
-            <a:avLst/>
-          </a:prstGeom>
-          <a:noFill/>
-        </p:spPr>
-        <p:txBody>
-          <a:bodyPr wrap="none" rtlCol="0">
-            <a:spAutoFit/>
-          </a:bodyPr>
-          <a:lstStyle/>
-          <a:p>
-            <a:r>
-              <a:rPr lang="en-US" dirty="0" err="1" smtClean="0">
-                <a:latin typeface="Cambria Math" panose="02040503050406030204" pitchFamily="18" charset="0"/>
-                <a:ea typeface="Cambria Math" panose="02040503050406030204" pitchFamily="18" charset="0"/>
-                <a:cs typeface="Arial" panose="020B0604020202020204" pitchFamily="34" charset="0"/>
-              </a:rPr>
-              <a:t>Độ</a:t>
-            </a:r>
-            <a:r>
-              <a:rPr lang="en-US" dirty="0" smtClean="0">
-                <a:latin typeface="Cambria Math" panose="02040503050406030204" pitchFamily="18" charset="0"/>
-                <a:ea typeface="Cambria Math" panose="02040503050406030204" pitchFamily="18" charset="0"/>
-                <a:cs typeface="Arial" panose="020B0604020202020204" pitchFamily="34" charset="0"/>
-              </a:rPr>
-              <a:t> </a:t>
-            </a:r>
-            <a:r>
-              <a:rPr lang="en-US" dirty="0" err="1" smtClean="0">
-                <a:latin typeface="Cambria Math" panose="02040503050406030204" pitchFamily="18" charset="0"/>
-                <a:ea typeface="Cambria Math" panose="02040503050406030204" pitchFamily="18" charset="0"/>
-                <a:cs typeface="Arial" panose="020B0604020202020204" pitchFamily="34" charset="0"/>
-              </a:rPr>
-              <a:t>chính</a:t>
-            </a:r>
-            <a:r>
-              <a:rPr lang="en-US" dirty="0" smtClean="0">
-                <a:latin typeface="Cambria Math" panose="02040503050406030204" pitchFamily="18" charset="0"/>
-                <a:ea typeface="Cambria Math" panose="02040503050406030204" pitchFamily="18" charset="0"/>
-                <a:cs typeface="Arial" panose="020B0604020202020204" pitchFamily="34" charset="0"/>
-              </a:rPr>
-              <a:t> </a:t>
-            </a:r>
-            <a:r>
-              <a:rPr lang="en-US" dirty="0" err="1" smtClean="0">
-                <a:latin typeface="Cambria Math" panose="02040503050406030204" pitchFamily="18" charset="0"/>
-                <a:ea typeface="Cambria Math" panose="02040503050406030204" pitchFamily="18" charset="0"/>
-                <a:cs typeface="Arial" panose="020B0604020202020204" pitchFamily="34" charset="0"/>
-              </a:rPr>
-              <a:t>xác</a:t>
-            </a:r>
-            <a:r>
-              <a:rPr lang="en-US" dirty="0" smtClean="0">
-                <a:latin typeface="Cambria Math" panose="02040503050406030204" pitchFamily="18" charset="0"/>
-                <a:ea typeface="Cambria Math" panose="02040503050406030204" pitchFamily="18" charset="0"/>
-                <a:cs typeface="Arial" panose="020B0604020202020204" pitchFamily="34" charset="0"/>
-              </a:rPr>
-              <a:t> : </a:t>
-            </a:r>
-            <a:r>
-              <a:rPr lang="en-US" sz="2600" b="1" dirty="0" smtClean="0">
-                <a:latin typeface="Cambria Math" panose="02040503050406030204" pitchFamily="18" charset="0"/>
-                <a:ea typeface="Cambria Math" panose="02040503050406030204" pitchFamily="18" charset="0"/>
-                <a:cs typeface="Arial" panose="020B0604020202020204" pitchFamily="34" charset="0"/>
-              </a:rPr>
-              <a:t>36,46%</a:t>
-            </a:r>
-            <a:endParaRPr lang="en-US" sz="2600" b="1" dirty="0">
-              <a:latin typeface="Cambria Math" panose="02040503050406030204" pitchFamily="18" charset="0"/>
-              <a:ea typeface="Cambria Math" panose="02040503050406030204" pitchFamily="18" charset="0"/>
-              <a:cs typeface="Arial" panose="020B0604020202020204" pitchFamily="34" charset="0"/>
-            </a:endParaRPr>
-          </a:p>
-        </p:txBody>
-      </p:sp>
-    </p:spTree>
-    <p:extLst>
-      <p:ext uri="{BB962C8B-B14F-4D97-AF65-F5344CB8AC3E}">
-        <p14:creationId xmlns:p14="http://schemas.microsoft.com/office/powerpoint/2010/main" val="995790381"/>
       </p:ext>
     </p:extLst>
   </p:cSld>

--- a/slide.pptx
+++ b/slide.pptx
@@ -4209,8 +4209,8 @@
           </a:p>
         </p:txBody>
       </p:sp>
-      <mc:AlternateContent xmlns:mc="http://schemas.openxmlformats.org/markup-compatibility/2006">
-        <mc:Choice xmlns:a14="http://schemas.microsoft.com/office/drawing/2010/main" Requires="a14">
+      <mc:AlternateContent xmlns:mc="http://schemas.openxmlformats.org/markup-compatibility/2006" xmlns:a14="http://schemas.microsoft.com/office/drawing/2010/main">
+        <mc:Choice Requires="a14">
           <p:sp>
             <p:nvSpPr>
               <p:cNvPr id="14" name="TextBox 13"/>
@@ -4325,19 +4325,7 @@
                             <a:rPr lang="en-US" b="0" i="1" smtClean="0">
                               <a:latin typeface="Cambria Math" panose="02040503050406030204" pitchFamily="18" charset="0"/>
                             </a:rPr>
-                            <m:t>&lt;0.</m:t>
-                          </m:r>
-                          <m:r>
-                            <a:rPr lang="en-US" b="0" i="1" smtClean="0">
-                              <a:latin typeface="Cambria Math" panose="02040503050406030204" pitchFamily="18" charset="0"/>
-                            </a:rPr>
-                            <m:t>01</m:t>
-                          </m:r>
-                          <m:r>
-                            <a:rPr lang="en-US" b="0" i="1" smtClean="0">
-                              <a:latin typeface="Cambria Math" panose="02040503050406030204" pitchFamily="18" charset="0"/>
-                            </a:rPr>
-                            <m:t>])</m:t>
+                            <m:t>&lt;0.01])</m:t>
                           </m:r>
                         </m:num>
                         <m:den>
@@ -4387,7 +4375,7 @@
             </p:txBody>
           </p:sp>
         </mc:Choice>
-        <mc:Fallback>
+        <mc:Fallback xmlns="">
           <p:sp>
             <p:nvSpPr>
               <p:cNvPr id="14" name="TextBox 13"/>
@@ -4502,15 +4490,7 @@
                 <a:ea typeface="Cambria Math" panose="02040503050406030204" pitchFamily="18" charset="0"/>
                 <a:cs typeface="Arial" panose="020B0604020202020204" pitchFamily="34" charset="0"/>
               </a:rPr>
-              <a:t>58</a:t>
-            </a:r>
-            <a:r>
-              <a:rPr lang="en-US" sz="3200" b="1" dirty="0" smtClean="0">
-                <a:latin typeface="Cambria Math" panose="02040503050406030204" pitchFamily="18" charset="0"/>
-                <a:ea typeface="Cambria Math" panose="02040503050406030204" pitchFamily="18" charset="0"/>
-                <a:cs typeface="Arial" panose="020B0604020202020204" pitchFamily="34" charset="0"/>
-              </a:rPr>
-              <a:t>,42%</a:t>
+              <a:t>58,42%</a:t>
             </a:r>
             <a:endParaRPr lang="en-US" sz="3200" b="1" dirty="0">
               <a:latin typeface="Cambria Math" panose="02040503050406030204" pitchFamily="18" charset="0"/>
@@ -5842,10 +5822,10 @@
                 <a:ea typeface="Tahoma"/>
                 <a:cs typeface="Tahoma"/>
               </a:rPr>
-              <a:t> (Gold ETF) </a:t>
-            </a:r>
-            <a:r>
-              <a:rPr lang="en-US" sz="2400" dirty="0" smtClean="0">
+              <a:t> (Gold ETF) 29 </a:t>
+            </a:r>
+            <a:r>
+              <a:rPr lang="en-US" sz="2400" dirty="0" err="1" smtClean="0">
                 <a:solidFill>
                   <a:schemeClr val="accent5">
                     <a:lumMod val="50000"/>
@@ -5855,10 +5835,10 @@
                 <a:ea typeface="Tahoma"/>
                 <a:cs typeface="Tahoma"/>
               </a:rPr>
-              <a:t>29 </a:t>
-            </a:r>
-            <a:r>
-              <a:rPr lang="en-US" sz="2400" dirty="0" err="1" smtClean="0">
+              <a:t>ngày</a:t>
+            </a:r>
+            <a:r>
+              <a:rPr lang="en-US" sz="2400" dirty="0" smtClean="0">
                 <a:solidFill>
                   <a:schemeClr val="accent5">
                     <a:lumMod val="50000"/>
@@ -5868,10 +5848,10 @@
                 <a:ea typeface="Tahoma"/>
                 <a:cs typeface="Tahoma"/>
               </a:rPr>
-              <a:t>ngày</a:t>
-            </a:r>
-            <a:r>
-              <a:rPr lang="en-US" sz="2400" dirty="0" smtClean="0">
+              <a:t> </a:t>
+            </a:r>
+            <a:r>
+              <a:rPr lang="en-US" sz="2400" dirty="0" err="1" smtClean="0">
                 <a:solidFill>
                   <a:schemeClr val="accent5">
                     <a:lumMod val="50000"/>
@@ -5881,10 +5861,10 @@
                 <a:ea typeface="Tahoma"/>
                 <a:cs typeface="Tahoma"/>
               </a:rPr>
-              <a:t> </a:t>
-            </a:r>
-            <a:r>
-              <a:rPr lang="en-US" sz="2400" dirty="0" err="1" smtClean="0">
+              <a:t>gần</a:t>
+            </a:r>
+            <a:r>
+              <a:rPr lang="en-US" sz="2400" dirty="0" smtClean="0">
                 <a:solidFill>
                   <a:schemeClr val="accent5">
                     <a:lumMod val="50000"/>
@@ -5894,10 +5874,10 @@
                 <a:ea typeface="Tahoma"/>
                 <a:cs typeface="Tahoma"/>
               </a:rPr>
-              <a:t>gần</a:t>
-            </a:r>
-            <a:r>
-              <a:rPr lang="en-US" sz="2400" dirty="0" smtClean="0">
+              <a:t> </a:t>
+            </a:r>
+            <a:r>
+              <a:rPr lang="en-US" sz="2400" dirty="0" err="1" smtClean="0">
                 <a:solidFill>
                   <a:schemeClr val="accent5">
                     <a:lumMod val="50000"/>
@@ -5907,10 +5887,10 @@
                 <a:ea typeface="Tahoma"/>
                 <a:cs typeface="Tahoma"/>
               </a:rPr>
-              <a:t> </a:t>
-            </a:r>
-            <a:r>
-              <a:rPr lang="en-US" sz="2400" dirty="0" err="1" smtClean="0">
+              <a:t>đây</a:t>
+            </a:r>
+            <a:r>
+              <a:rPr lang="en-US" sz="2400" dirty="0" smtClean="0">
                 <a:solidFill>
                   <a:schemeClr val="accent5">
                     <a:lumMod val="50000"/>
@@ -5920,10 +5900,10 @@
                 <a:ea typeface="Tahoma"/>
                 <a:cs typeface="Tahoma"/>
               </a:rPr>
-              <a:t>đây</a:t>
-            </a:r>
-            <a:r>
-              <a:rPr lang="en-US" sz="2400" dirty="0" smtClean="0">
+              <a:t>, </a:t>
+            </a:r>
+            <a:r>
+              <a:rPr lang="en-US" sz="2400" dirty="0">
                 <a:solidFill>
                   <a:schemeClr val="accent5">
                     <a:lumMod val="50000"/>
@@ -5933,10 +5913,10 @@
                 <a:ea typeface="Tahoma"/>
                 <a:cs typeface="Tahoma"/>
               </a:rPr>
-              <a:t>, </a:t>
-            </a:r>
-            <a:r>
-              <a:rPr lang="en-US" sz="2400" dirty="0">
+              <a:t>l</a:t>
+            </a:r>
+            <a:r>
+              <a:rPr lang="vi-VN" sz="2400" dirty="0" smtClean="0">
                 <a:solidFill>
                   <a:schemeClr val="accent5">
                     <a:lumMod val="50000"/>
@@ -5946,33 +5926,7 @@
                 <a:ea typeface="Tahoma"/>
                 <a:cs typeface="Tahoma"/>
               </a:rPr>
-              <a:t>l</a:t>
-            </a:r>
-            <a:r>
-              <a:rPr lang="vi-VN" sz="2400" dirty="0" smtClean="0">
-                <a:solidFill>
-                  <a:schemeClr val="accent5">
-                    <a:lumMod val="50000"/>
-                  </a:schemeClr>
-                </a:solidFill>
-                <a:latin typeface="Tahoma"/>
-                <a:ea typeface="Tahoma"/>
-                <a:cs typeface="Tahoma"/>
-              </a:rPr>
-              <a:t>àm sao dự đoán được giá </a:t>
-            </a:r>
-            <a:r>
-              <a:rPr lang="vi-VN" sz="2400" dirty="0" smtClean="0">
-                <a:solidFill>
-                  <a:schemeClr val="accent5">
-                    <a:lumMod val="50000"/>
-                  </a:schemeClr>
-                </a:solidFill>
-                <a:latin typeface="Tahoma"/>
-                <a:ea typeface="Tahoma"/>
-                <a:cs typeface="Tahoma"/>
-              </a:rPr>
-              <a:t>vàng</a:t>
+              <a:t>àm sao dự đoán được giá vàng</a:t>
             </a:r>
             <a:r>
               <a:rPr lang="en-US" sz="2400" dirty="0" smtClean="0">
